--- a/present(5).pptx
+++ b/present(5).pptx
@@ -35,6 +35,8 @@
     <p:sldId id="287" r:id="rId29"/>
     <p:sldId id="289" r:id="rId30"/>
     <p:sldId id="288" r:id="rId31"/>
+    <p:sldId id="290" r:id="rId32"/>
+    <p:sldId id="291" r:id="rId33"/>
   </p:sldIdLst>
   <p:sldSz cx="12192000" cy="6858000"/>
   <p:notesSz cx="6858000" cy="9144000"/>
@@ -2608,31 +2610,557 @@
 </file>
 
 <file path=ppt/diagrams/colors4.xml><?xml version="1.0" encoding="utf-8"?>
-<dgm:colorsDef xmlns:dgm="http://schemas.openxmlformats.org/drawingml/2006/diagram" xmlns:a="http://schemas.openxmlformats.org/drawingml/2006/main" uniqueId="urn:microsoft.com/office/officeart/2018/5/colors/Iconchunking_neutralicon_colorful1">
+<dgm:colorsDef xmlns:dgm="http://schemas.openxmlformats.org/drawingml/2006/diagram" xmlns:a="http://schemas.openxmlformats.org/drawingml/2006/main" uniqueId="urn:microsoft.com/office/officeart/2005/8/colors/accent0_3">
   <dgm:title val=""/>
   <dgm:desc val=""/>
   <dgm:catLst>
-    <dgm:cat type="colorful" pri="10100"/>
+    <dgm:cat type="mainScheme" pri="10300"/>
   </dgm:catLst>
   <dgm:styleLbl name="node0">
     <dgm:fillClrLst meth="repeat">
-      <a:schemeClr val="accent1"/>
+      <a:schemeClr val="dk2"/>
     </dgm:fillClrLst>
     <dgm:linClrLst meth="repeat">
-      <a:schemeClr val="lt1"/>
+      <a:schemeClr val="lt2"/>
     </dgm:linClrLst>
     <dgm:effectClrLst/>
     <dgm:txLinClrLst/>
     <dgm:txFillClrLst/>
     <dgm:txEffectClrLst/>
   </dgm:styleLbl>
+  <dgm:styleLbl name="alignNode1">
+    <dgm:fillClrLst meth="repeat">
+      <a:schemeClr val="dk2"/>
+    </dgm:fillClrLst>
+    <dgm:linClrLst meth="repeat">
+      <a:schemeClr val="dk2"/>
+    </dgm:linClrLst>
+    <dgm:effectClrLst/>
+    <dgm:txLinClrLst/>
+    <dgm:txFillClrLst/>
+    <dgm:txEffectClrLst/>
+  </dgm:styleLbl>
   <dgm:styleLbl name="node1">
     <dgm:fillClrLst meth="repeat">
-      <a:schemeClr val="bg1"/>
+      <a:schemeClr val="dk2"/>
     </dgm:fillClrLst>
     <dgm:linClrLst meth="repeat">
-      <a:schemeClr val="lt1">
-        <a:alpha val="0"/>
+      <a:schemeClr val="lt2"/>
+    </dgm:linClrLst>
+    <dgm:effectClrLst/>
+    <dgm:txLinClrLst/>
+    <dgm:txFillClrLst/>
+    <dgm:txEffectClrLst/>
+  </dgm:styleLbl>
+  <dgm:styleLbl name="lnNode1">
+    <dgm:fillClrLst meth="repeat">
+      <a:schemeClr val="dk2"/>
+    </dgm:fillClrLst>
+    <dgm:linClrLst meth="repeat">
+      <a:schemeClr val="lt2"/>
+    </dgm:linClrLst>
+    <dgm:effectClrLst/>
+    <dgm:txLinClrLst/>
+    <dgm:txFillClrLst/>
+    <dgm:txEffectClrLst/>
+  </dgm:styleLbl>
+  <dgm:styleLbl name="vennNode1">
+    <dgm:fillClrLst meth="repeat">
+      <a:schemeClr val="dk2">
+        <a:alpha val="50000"/>
+      </a:schemeClr>
+    </dgm:fillClrLst>
+    <dgm:linClrLst meth="repeat">
+      <a:schemeClr val="lt2"/>
+    </dgm:linClrLst>
+    <dgm:effectClrLst/>
+    <dgm:txLinClrLst/>
+    <dgm:txFillClrLst/>
+    <dgm:txEffectClrLst/>
+  </dgm:styleLbl>
+  <dgm:styleLbl name="node2">
+    <dgm:fillClrLst meth="repeat">
+      <a:schemeClr val="dk2"/>
+    </dgm:fillClrLst>
+    <dgm:linClrLst meth="repeat">
+      <a:schemeClr val="lt2"/>
+    </dgm:linClrLst>
+    <dgm:effectClrLst/>
+    <dgm:txLinClrLst/>
+    <dgm:txFillClrLst/>
+    <dgm:txEffectClrLst/>
+  </dgm:styleLbl>
+  <dgm:styleLbl name="node3">
+    <dgm:fillClrLst meth="repeat">
+      <a:schemeClr val="dk2"/>
+    </dgm:fillClrLst>
+    <dgm:linClrLst meth="repeat">
+      <a:schemeClr val="lt2"/>
+    </dgm:linClrLst>
+    <dgm:effectClrLst/>
+    <dgm:txLinClrLst/>
+    <dgm:txFillClrLst/>
+    <dgm:txEffectClrLst/>
+  </dgm:styleLbl>
+  <dgm:styleLbl name="node4">
+    <dgm:fillClrLst meth="repeat">
+      <a:schemeClr val="dk2"/>
+    </dgm:fillClrLst>
+    <dgm:linClrLst meth="repeat">
+      <a:schemeClr val="lt2"/>
+    </dgm:linClrLst>
+    <dgm:effectClrLst/>
+    <dgm:txLinClrLst/>
+    <dgm:txFillClrLst/>
+    <dgm:txEffectClrLst/>
+  </dgm:styleLbl>
+  <dgm:styleLbl name="fgImgPlace1">
+    <dgm:fillClrLst meth="repeat">
+      <a:schemeClr val="dk2">
+        <a:tint val="50000"/>
+      </a:schemeClr>
+    </dgm:fillClrLst>
+    <dgm:linClrLst meth="repeat">
+      <a:schemeClr val="lt2"/>
+    </dgm:linClrLst>
+    <dgm:effectClrLst/>
+    <dgm:txLinClrLst/>
+    <dgm:txFillClrLst meth="repeat">
+      <a:schemeClr val="lt2"/>
+    </dgm:txFillClrLst>
+    <dgm:txEffectClrLst/>
+  </dgm:styleLbl>
+  <dgm:styleLbl name="alignImgPlace1">
+    <dgm:fillClrLst meth="repeat">
+      <a:schemeClr val="dk2">
+        <a:tint val="50000"/>
+      </a:schemeClr>
+    </dgm:fillClrLst>
+    <dgm:linClrLst meth="repeat">
+      <a:schemeClr val="dk2">
+        <a:shade val="80000"/>
+      </a:schemeClr>
+    </dgm:linClrLst>
+    <dgm:effectClrLst/>
+    <dgm:txLinClrLst/>
+    <dgm:txFillClrLst meth="repeat">
+      <a:schemeClr val="lt2"/>
+    </dgm:txFillClrLst>
+    <dgm:txEffectClrLst/>
+  </dgm:styleLbl>
+  <dgm:styleLbl name="bgImgPlace1">
+    <dgm:fillClrLst meth="repeat">
+      <a:schemeClr val="dk2">
+        <a:tint val="50000"/>
+      </a:schemeClr>
+    </dgm:fillClrLst>
+    <dgm:linClrLst meth="repeat">
+      <a:schemeClr val="dk2">
+        <a:shade val="80000"/>
+      </a:schemeClr>
+    </dgm:linClrLst>
+    <dgm:effectClrLst/>
+    <dgm:txLinClrLst/>
+    <dgm:txFillClrLst meth="repeat">
+      <a:schemeClr val="lt2"/>
+    </dgm:txFillClrLst>
+    <dgm:txEffectClrLst/>
+  </dgm:styleLbl>
+  <dgm:styleLbl name="sibTrans2D1">
+    <dgm:fillClrLst meth="repeat">
+      <a:schemeClr val="dk2">
+        <a:tint val="60000"/>
+      </a:schemeClr>
+    </dgm:fillClrLst>
+    <dgm:linClrLst meth="repeat">
+      <a:schemeClr val="dk2">
+        <a:tint val="60000"/>
+      </a:schemeClr>
+    </dgm:linClrLst>
+    <dgm:effectClrLst/>
+    <dgm:txLinClrLst/>
+    <dgm:txFillClrLst/>
+    <dgm:txEffectClrLst/>
+  </dgm:styleLbl>
+  <dgm:styleLbl name="fgSibTrans2D1">
+    <dgm:fillClrLst meth="repeat">
+      <a:schemeClr val="dk2">
+        <a:tint val="60000"/>
+      </a:schemeClr>
+    </dgm:fillClrLst>
+    <dgm:linClrLst meth="repeat">
+      <a:schemeClr val="dk2">
+        <a:tint val="60000"/>
+      </a:schemeClr>
+    </dgm:linClrLst>
+    <dgm:effectClrLst/>
+    <dgm:txLinClrLst/>
+    <dgm:txFillClrLst/>
+    <dgm:txEffectClrLst/>
+  </dgm:styleLbl>
+  <dgm:styleLbl name="bgSibTrans2D1">
+    <dgm:fillClrLst meth="repeat">
+      <a:schemeClr val="dk2">
+        <a:tint val="60000"/>
+      </a:schemeClr>
+    </dgm:fillClrLst>
+    <dgm:linClrLst meth="repeat">
+      <a:schemeClr val="dk2">
+        <a:tint val="60000"/>
+      </a:schemeClr>
+    </dgm:linClrLst>
+    <dgm:effectClrLst/>
+    <dgm:txLinClrLst/>
+    <dgm:txFillClrLst/>
+    <dgm:txEffectClrLst/>
+  </dgm:styleLbl>
+  <dgm:styleLbl name="sibTrans1D1">
+    <dgm:fillClrLst meth="repeat">
+      <a:schemeClr val="dk2"/>
+    </dgm:fillClrLst>
+    <dgm:linClrLst meth="repeat">
+      <a:schemeClr val="dk2"/>
+    </dgm:linClrLst>
+    <dgm:effectClrLst/>
+    <dgm:txLinClrLst/>
+    <dgm:txFillClrLst meth="repeat">
+      <a:schemeClr val="lt2"/>
+    </dgm:txFillClrLst>
+    <dgm:txEffectClrLst/>
+  </dgm:styleLbl>
+  <dgm:styleLbl name="callout">
+    <dgm:fillClrLst meth="repeat">
+      <a:schemeClr val="dk2"/>
+    </dgm:fillClrLst>
+    <dgm:linClrLst meth="repeat">
+      <a:schemeClr val="dk2">
+        <a:tint val="50000"/>
+      </a:schemeClr>
+    </dgm:linClrLst>
+    <dgm:effectClrLst/>
+    <dgm:txLinClrLst/>
+    <dgm:txFillClrLst meth="repeat">
+      <a:schemeClr val="lt2"/>
+    </dgm:txFillClrLst>
+    <dgm:txEffectClrLst/>
+  </dgm:styleLbl>
+  <dgm:styleLbl name="asst0">
+    <dgm:fillClrLst meth="repeat">
+      <a:schemeClr val="dk2"/>
+    </dgm:fillClrLst>
+    <dgm:linClrLst meth="repeat">
+      <a:schemeClr val="lt2"/>
+    </dgm:linClrLst>
+    <dgm:effectClrLst/>
+    <dgm:txLinClrLst/>
+    <dgm:txFillClrLst/>
+    <dgm:txEffectClrLst/>
+  </dgm:styleLbl>
+  <dgm:styleLbl name="asst1">
+    <dgm:fillClrLst meth="repeat">
+      <a:schemeClr val="dk2"/>
+    </dgm:fillClrLst>
+    <dgm:linClrLst meth="repeat">
+      <a:schemeClr val="lt2"/>
+    </dgm:linClrLst>
+    <dgm:effectClrLst/>
+    <dgm:txLinClrLst/>
+    <dgm:txFillClrLst/>
+    <dgm:txEffectClrLst/>
+  </dgm:styleLbl>
+  <dgm:styleLbl name="asst2">
+    <dgm:fillClrLst meth="repeat">
+      <a:schemeClr val="dk2"/>
+    </dgm:fillClrLst>
+    <dgm:linClrLst meth="repeat">
+      <a:schemeClr val="lt2"/>
+    </dgm:linClrLst>
+    <dgm:effectClrLst/>
+    <dgm:txLinClrLst/>
+    <dgm:txFillClrLst/>
+    <dgm:txEffectClrLst/>
+  </dgm:styleLbl>
+  <dgm:styleLbl name="asst3">
+    <dgm:fillClrLst meth="repeat">
+      <a:schemeClr val="dk2"/>
+    </dgm:fillClrLst>
+    <dgm:linClrLst meth="repeat">
+      <a:schemeClr val="lt2"/>
+    </dgm:linClrLst>
+    <dgm:effectClrLst/>
+    <dgm:txLinClrLst/>
+    <dgm:txFillClrLst/>
+    <dgm:txEffectClrLst/>
+  </dgm:styleLbl>
+  <dgm:styleLbl name="asst4">
+    <dgm:fillClrLst meth="repeat">
+      <a:schemeClr val="dk2"/>
+    </dgm:fillClrLst>
+    <dgm:linClrLst meth="repeat">
+      <a:schemeClr val="lt2"/>
+    </dgm:linClrLst>
+    <dgm:effectClrLst/>
+    <dgm:txLinClrLst/>
+    <dgm:txFillClrLst/>
+    <dgm:txEffectClrLst/>
+  </dgm:styleLbl>
+  <dgm:styleLbl name="parChTrans2D1">
+    <dgm:fillClrLst meth="repeat">
+      <a:schemeClr val="dk2">
+        <a:tint val="60000"/>
+      </a:schemeClr>
+    </dgm:fillClrLst>
+    <dgm:linClrLst meth="repeat">
+      <a:schemeClr val="dk2">
+        <a:tint val="60000"/>
+      </a:schemeClr>
+    </dgm:linClrLst>
+    <dgm:effectClrLst/>
+    <dgm:txLinClrLst/>
+    <dgm:txFillClrLst meth="repeat">
+      <a:schemeClr val="lt2"/>
+    </dgm:txFillClrLst>
+    <dgm:txEffectClrLst/>
+  </dgm:styleLbl>
+  <dgm:styleLbl name="parChTrans2D2">
+    <dgm:fillClrLst meth="repeat">
+      <a:schemeClr val="dk2"/>
+    </dgm:fillClrLst>
+    <dgm:linClrLst meth="repeat">
+      <a:schemeClr val="dk2"/>
+    </dgm:linClrLst>
+    <dgm:effectClrLst/>
+    <dgm:txLinClrLst/>
+    <dgm:txFillClrLst meth="repeat">
+      <a:schemeClr val="lt2"/>
+    </dgm:txFillClrLst>
+    <dgm:txEffectClrLst/>
+  </dgm:styleLbl>
+  <dgm:styleLbl name="parChTrans2D3">
+    <dgm:fillClrLst meth="repeat">
+      <a:schemeClr val="dk2"/>
+    </dgm:fillClrLst>
+    <dgm:linClrLst meth="repeat">
+      <a:schemeClr val="dk2"/>
+    </dgm:linClrLst>
+    <dgm:effectClrLst/>
+    <dgm:txLinClrLst/>
+    <dgm:txFillClrLst meth="repeat">
+      <a:schemeClr val="lt2"/>
+    </dgm:txFillClrLst>
+    <dgm:txEffectClrLst/>
+  </dgm:styleLbl>
+  <dgm:styleLbl name="parChTrans2D4">
+    <dgm:fillClrLst meth="repeat">
+      <a:schemeClr val="dk2"/>
+    </dgm:fillClrLst>
+    <dgm:linClrLst meth="repeat">
+      <a:schemeClr val="dk2"/>
+    </dgm:linClrLst>
+    <dgm:effectClrLst/>
+    <dgm:txLinClrLst/>
+    <dgm:txFillClrLst meth="repeat">
+      <a:schemeClr val="lt2"/>
+    </dgm:txFillClrLst>
+    <dgm:txEffectClrLst/>
+  </dgm:styleLbl>
+  <dgm:styleLbl name="parChTrans1D1">
+    <dgm:fillClrLst meth="repeat">
+      <a:schemeClr val="dk2"/>
+    </dgm:fillClrLst>
+    <dgm:linClrLst meth="repeat">
+      <a:schemeClr val="dk2">
+        <a:shade val="60000"/>
+      </a:schemeClr>
+    </dgm:linClrLst>
+    <dgm:effectClrLst/>
+    <dgm:txLinClrLst/>
+    <dgm:txFillClrLst meth="repeat">
+      <a:schemeClr val="tx1"/>
+    </dgm:txFillClrLst>
+    <dgm:txEffectClrLst/>
+  </dgm:styleLbl>
+  <dgm:styleLbl name="parChTrans1D2">
+    <dgm:fillClrLst meth="repeat">
+      <a:schemeClr val="dk2"/>
+    </dgm:fillClrLst>
+    <dgm:linClrLst meth="repeat">
+      <a:schemeClr val="dk2">
+        <a:shade val="60000"/>
+      </a:schemeClr>
+    </dgm:linClrLst>
+    <dgm:effectClrLst/>
+    <dgm:txLinClrLst/>
+    <dgm:txFillClrLst meth="repeat">
+      <a:schemeClr val="tx1"/>
+    </dgm:txFillClrLst>
+    <dgm:txEffectClrLst/>
+  </dgm:styleLbl>
+  <dgm:styleLbl name="parChTrans1D3">
+    <dgm:fillClrLst meth="repeat">
+      <a:schemeClr val="dk2"/>
+    </dgm:fillClrLst>
+    <dgm:linClrLst meth="repeat">
+      <a:schemeClr val="dk2">
+        <a:shade val="80000"/>
+      </a:schemeClr>
+    </dgm:linClrLst>
+    <dgm:effectClrLst/>
+    <dgm:txLinClrLst/>
+    <dgm:txFillClrLst meth="repeat">
+      <a:schemeClr val="tx1"/>
+    </dgm:txFillClrLst>
+    <dgm:txEffectClrLst/>
+  </dgm:styleLbl>
+  <dgm:styleLbl name="parChTrans1D4">
+    <dgm:fillClrLst meth="repeat">
+      <a:schemeClr val="dk2"/>
+    </dgm:fillClrLst>
+    <dgm:linClrLst meth="repeat">
+      <a:schemeClr val="dk2">
+        <a:shade val="80000"/>
+      </a:schemeClr>
+    </dgm:linClrLst>
+    <dgm:effectClrLst/>
+    <dgm:txLinClrLst/>
+    <dgm:txFillClrLst meth="repeat">
+      <a:schemeClr val="tx1"/>
+    </dgm:txFillClrLst>
+    <dgm:txEffectClrLst/>
+  </dgm:styleLbl>
+  <dgm:styleLbl name="fgAcc1">
+    <dgm:fillClrLst meth="repeat">
+      <a:schemeClr val="lt2">
+        <a:alpha val="90000"/>
+      </a:schemeClr>
+    </dgm:fillClrLst>
+    <dgm:linClrLst meth="repeat">
+      <a:schemeClr val="dk2"/>
+    </dgm:linClrLst>
+    <dgm:effectClrLst/>
+    <dgm:txLinClrLst/>
+    <dgm:txFillClrLst meth="repeat">
+      <a:schemeClr val="dk1"/>
+    </dgm:txFillClrLst>
+    <dgm:txEffectClrLst/>
+  </dgm:styleLbl>
+  <dgm:styleLbl name="conFgAcc1">
+    <dgm:fillClrLst meth="repeat">
+      <a:schemeClr val="lt2">
+        <a:alpha val="90000"/>
+      </a:schemeClr>
+    </dgm:fillClrLst>
+    <dgm:linClrLst meth="repeat">
+      <a:schemeClr val="dk2"/>
+    </dgm:linClrLst>
+    <dgm:effectClrLst/>
+    <dgm:txLinClrLst/>
+    <dgm:txFillClrLst meth="repeat">
+      <a:schemeClr val="dk1"/>
+    </dgm:txFillClrLst>
+    <dgm:txEffectClrLst/>
+  </dgm:styleLbl>
+  <dgm:styleLbl name="alignAcc1">
+    <dgm:fillClrLst meth="repeat">
+      <a:schemeClr val="lt2">
+        <a:alpha val="90000"/>
+      </a:schemeClr>
+    </dgm:fillClrLst>
+    <dgm:linClrLst meth="repeat">
+      <a:schemeClr val="dk2"/>
+    </dgm:linClrLst>
+    <dgm:effectClrLst/>
+    <dgm:txLinClrLst/>
+    <dgm:txFillClrLst meth="repeat">
+      <a:schemeClr val="dk1"/>
+    </dgm:txFillClrLst>
+    <dgm:txEffectClrLst/>
+  </dgm:styleLbl>
+  <dgm:styleLbl name="trAlignAcc1">
+    <dgm:fillClrLst meth="repeat">
+      <a:schemeClr val="lt2">
+        <a:alpha val="40000"/>
+      </a:schemeClr>
+    </dgm:fillClrLst>
+    <dgm:linClrLst meth="repeat">
+      <a:schemeClr val="dk2"/>
+    </dgm:linClrLst>
+    <dgm:effectClrLst/>
+    <dgm:txLinClrLst/>
+    <dgm:txFillClrLst meth="repeat">
+      <a:schemeClr val="dk1"/>
+    </dgm:txFillClrLst>
+    <dgm:txEffectClrLst/>
+  </dgm:styleLbl>
+  <dgm:styleLbl name="bgAcc1">
+    <dgm:fillClrLst meth="repeat">
+      <a:schemeClr val="lt2">
+        <a:alpha val="90000"/>
+      </a:schemeClr>
+    </dgm:fillClrLst>
+    <dgm:linClrLst meth="repeat">
+      <a:schemeClr val="dk2"/>
+    </dgm:linClrLst>
+    <dgm:effectClrLst/>
+    <dgm:txLinClrLst/>
+    <dgm:txFillClrLst meth="repeat">
+      <a:schemeClr val="dk1"/>
+    </dgm:txFillClrLst>
+    <dgm:txEffectClrLst/>
+  </dgm:styleLbl>
+  <dgm:styleLbl name="solidFgAcc1">
+    <dgm:fillClrLst meth="repeat">
+      <a:schemeClr val="lt2"/>
+    </dgm:fillClrLst>
+    <dgm:linClrLst meth="repeat">
+      <a:schemeClr val="dk2"/>
+    </dgm:linClrLst>
+    <dgm:effectClrLst/>
+    <dgm:txLinClrLst/>
+    <dgm:txFillClrLst meth="repeat">
+      <a:schemeClr val="dk1"/>
+    </dgm:txFillClrLst>
+    <dgm:txEffectClrLst/>
+  </dgm:styleLbl>
+  <dgm:styleLbl name="solidAlignAcc1">
+    <dgm:fillClrLst meth="repeat">
+      <a:schemeClr val="lt2"/>
+    </dgm:fillClrLst>
+    <dgm:linClrLst meth="repeat">
+      <a:schemeClr val="dk2"/>
+    </dgm:linClrLst>
+    <dgm:effectClrLst/>
+    <dgm:txLinClrLst/>
+    <dgm:txFillClrLst meth="repeat">
+      <a:schemeClr val="dk1"/>
+    </dgm:txFillClrLst>
+    <dgm:txEffectClrLst/>
+  </dgm:styleLbl>
+  <dgm:styleLbl name="solidBgAcc1">
+    <dgm:fillClrLst meth="repeat">
+      <a:schemeClr val="lt2"/>
+    </dgm:fillClrLst>
+    <dgm:linClrLst meth="repeat">
+      <a:schemeClr val="dk2"/>
+    </dgm:linClrLst>
+    <dgm:effectClrLst/>
+    <dgm:txLinClrLst/>
+    <dgm:txFillClrLst meth="repeat">
+      <a:schemeClr val="dk1"/>
+    </dgm:txFillClrLst>
+    <dgm:txEffectClrLst/>
+  </dgm:styleLbl>
+  <dgm:styleLbl name="fgAccFollowNode1">
+    <dgm:fillClrLst meth="repeat">
+      <a:schemeClr val="dk2">
+        <a:alpha val="90000"/>
+        <a:tint val="40000"/>
+      </a:schemeClr>
+    </dgm:fillClrLst>
+    <dgm:linClrLst meth="repeat">
+      <a:schemeClr val="dk2">
+        <a:alpha val="90000"/>
+        <a:tint val="40000"/>
       </a:schemeClr>
     </dgm:linClrLst>
     <dgm:effectClrLst/>
@@ -2642,627 +3170,17 @@
     </dgm:txFillClrLst>
     <dgm:txEffectClrLst/>
   </dgm:styleLbl>
-  <dgm:styleLbl name="alignNode1">
+  <dgm:styleLbl name="alignAccFollowNode1">
     <dgm:fillClrLst meth="repeat">
-      <a:schemeClr val="accent2"/>
-      <a:schemeClr val="accent3"/>
-      <a:schemeClr val="accent4"/>
-      <a:schemeClr val="accent5"/>
-      <a:schemeClr val="accent6"/>
-    </dgm:fillClrLst>
-    <dgm:linClrLst meth="repeat">
-      <a:schemeClr val="accent2"/>
-      <a:schemeClr val="accent3"/>
-      <a:schemeClr val="accent4"/>
-      <a:schemeClr val="accent5"/>
-      <a:schemeClr val="accent6"/>
-    </dgm:linClrLst>
-    <dgm:effectClrLst/>
-    <dgm:txLinClrLst/>
-    <dgm:txFillClrLst/>
-    <dgm:txEffectClrLst/>
-  </dgm:styleLbl>
-  <dgm:styleLbl name="lnNode1">
-    <dgm:fillClrLst meth="repeat">
-      <a:schemeClr val="accent2"/>
-      <a:schemeClr val="accent3"/>
-      <a:schemeClr val="accent4"/>
-      <a:schemeClr val="accent5"/>
-      <a:schemeClr val="accent6"/>
-    </dgm:fillClrLst>
-    <dgm:linClrLst meth="repeat">
-      <a:schemeClr val="lt1"/>
-    </dgm:linClrLst>
-    <dgm:effectClrLst/>
-    <dgm:txLinClrLst/>
-    <dgm:txFillClrLst/>
-    <dgm:txEffectClrLst/>
-  </dgm:styleLbl>
-  <dgm:styleLbl name="vennNode1">
-    <dgm:fillClrLst meth="repeat">
-      <a:schemeClr val="accent2">
-        <a:alpha val="50000"/>
-      </a:schemeClr>
-      <a:schemeClr val="accent3">
-        <a:alpha val="50000"/>
-      </a:schemeClr>
-      <a:schemeClr val="accent4">
-        <a:alpha val="50000"/>
-      </a:schemeClr>
-      <a:schemeClr val="accent5">
-        <a:alpha val="50000"/>
-      </a:schemeClr>
-      <a:schemeClr val="accent6">
-        <a:alpha val="50000"/>
+      <a:schemeClr val="dk2">
+        <a:alpha val="90000"/>
+        <a:tint val="40000"/>
       </a:schemeClr>
     </dgm:fillClrLst>
     <dgm:linClrLst meth="repeat">
-      <a:schemeClr val="lt1"/>
-    </dgm:linClrLst>
-    <dgm:effectClrLst/>
-    <dgm:txLinClrLst/>
-    <dgm:txFillClrLst/>
-    <dgm:txEffectClrLst/>
-  </dgm:styleLbl>
-  <dgm:styleLbl name="node2">
-    <dgm:fillClrLst>
-      <a:schemeClr val="accent2"/>
-    </dgm:fillClrLst>
-    <dgm:linClrLst meth="repeat">
-      <a:schemeClr val="lt1"/>
-    </dgm:linClrLst>
-    <dgm:effectClrLst/>
-    <dgm:txLinClrLst/>
-    <dgm:txFillClrLst/>
-    <dgm:txEffectClrLst/>
-  </dgm:styleLbl>
-  <dgm:styleLbl name="node3">
-    <dgm:fillClrLst>
-      <a:schemeClr val="accent3"/>
-    </dgm:fillClrLst>
-    <dgm:linClrLst meth="repeat">
-      <a:schemeClr val="lt1"/>
-    </dgm:linClrLst>
-    <dgm:effectClrLst/>
-    <dgm:txLinClrLst/>
-    <dgm:txFillClrLst/>
-    <dgm:txEffectClrLst/>
-  </dgm:styleLbl>
-  <dgm:styleLbl name="node4">
-    <dgm:fillClrLst>
-      <a:schemeClr val="accent4"/>
-    </dgm:fillClrLst>
-    <dgm:linClrLst meth="repeat">
-      <a:schemeClr val="lt1"/>
-    </dgm:linClrLst>
-    <dgm:effectClrLst/>
-    <dgm:txLinClrLst/>
-    <dgm:txFillClrLst/>
-    <dgm:txEffectClrLst/>
-  </dgm:styleLbl>
-  <dgm:styleLbl name="fgImgPlace1">
-    <dgm:fillClrLst meth="repeat">
-      <a:schemeClr val="accent2">
-        <a:tint val="50000"/>
-      </a:schemeClr>
-      <a:schemeClr val="accent3">
-        <a:tint val="50000"/>
-      </a:schemeClr>
-      <a:schemeClr val="accent4">
-        <a:tint val="50000"/>
-      </a:schemeClr>
-      <a:schemeClr val="accent5">
-        <a:tint val="50000"/>
-      </a:schemeClr>
-      <a:schemeClr val="accent6">
-        <a:tint val="50000"/>
-      </a:schemeClr>
-    </dgm:fillClrLst>
-    <dgm:linClrLst meth="repeat">
-      <a:schemeClr val="lt1"/>
-    </dgm:linClrLst>
-    <dgm:effectClrLst/>
-    <dgm:txLinClrLst/>
-    <dgm:txFillClrLst meth="repeat">
-      <a:schemeClr val="lt1"/>
-    </dgm:txFillClrLst>
-    <dgm:txEffectClrLst/>
-  </dgm:styleLbl>
-  <dgm:styleLbl name="alignImgPlace1">
-    <dgm:fillClrLst>
-      <a:schemeClr val="accent1">
-        <a:tint val="50000"/>
-      </a:schemeClr>
-      <a:schemeClr val="accent2">
-        <a:tint val="20000"/>
-      </a:schemeClr>
-    </dgm:fillClrLst>
-    <dgm:linClrLst meth="repeat">
-      <a:schemeClr val="lt1"/>
-    </dgm:linClrLst>
-    <dgm:effectClrLst/>
-    <dgm:txLinClrLst/>
-    <dgm:txFillClrLst meth="repeat">
-      <a:schemeClr val="lt1"/>
-    </dgm:txFillClrLst>
-    <dgm:txEffectClrLst/>
-  </dgm:styleLbl>
-  <dgm:styleLbl name="bgImgPlace1">
-    <dgm:fillClrLst>
-      <a:schemeClr val="accent1">
-        <a:tint val="50000"/>
-      </a:schemeClr>
-      <a:schemeClr val="accent2">
-        <a:tint val="20000"/>
-      </a:schemeClr>
-    </dgm:fillClrLst>
-    <dgm:linClrLst meth="repeat">
-      <a:schemeClr val="lt1"/>
-    </dgm:linClrLst>
-    <dgm:effectClrLst/>
-    <dgm:txLinClrLst/>
-    <dgm:txFillClrLst meth="repeat">
-      <a:schemeClr val="lt1"/>
-    </dgm:txFillClrLst>
-    <dgm:txEffectClrLst/>
-  </dgm:styleLbl>
-  <dgm:styleLbl name="sibTrans2D1">
-    <dgm:fillClrLst meth="repeat">
-      <a:schemeClr val="accent2"/>
-      <a:schemeClr val="accent3"/>
-      <a:schemeClr val="accent4"/>
-      <a:schemeClr val="accent5"/>
-      <a:schemeClr val="accent6"/>
-    </dgm:fillClrLst>
-    <dgm:linClrLst meth="cycle">
-      <a:schemeClr val="lt1"/>
-    </dgm:linClrLst>
-    <dgm:effectClrLst/>
-    <dgm:txLinClrLst/>
-    <dgm:txFillClrLst/>
-    <dgm:txEffectClrLst/>
-  </dgm:styleLbl>
-  <dgm:styleLbl name="fgSibTrans2D1">
-    <dgm:fillClrLst meth="repeat">
-      <a:schemeClr val="accent2"/>
-      <a:schemeClr val="accent3"/>
-      <a:schemeClr val="accent4"/>
-      <a:schemeClr val="accent5"/>
-      <a:schemeClr val="accent6"/>
-    </dgm:fillClrLst>
-    <dgm:linClrLst meth="cycle">
-      <a:schemeClr val="lt1"/>
-    </dgm:linClrLst>
-    <dgm:effectClrLst/>
-    <dgm:txLinClrLst/>
-    <dgm:txFillClrLst meth="repeat">
-      <a:schemeClr val="lt1"/>
-    </dgm:txFillClrLst>
-    <dgm:txEffectClrLst/>
-  </dgm:styleLbl>
-  <dgm:styleLbl name="bgSibTrans2D1">
-    <dgm:fillClrLst meth="repeat">
-      <a:schemeClr val="accent2"/>
-      <a:schemeClr val="accent3"/>
-      <a:schemeClr val="accent4"/>
-      <a:schemeClr val="accent5"/>
-      <a:schemeClr val="accent6"/>
-    </dgm:fillClrLst>
-    <dgm:linClrLst meth="cycle">
-      <a:schemeClr val="lt1"/>
-    </dgm:linClrLst>
-    <dgm:effectClrLst/>
-    <dgm:txLinClrLst/>
-    <dgm:txFillClrLst meth="repeat">
-      <a:schemeClr val="lt1"/>
-    </dgm:txFillClrLst>
-    <dgm:txEffectClrLst/>
-  </dgm:styleLbl>
-  <dgm:styleLbl name="sibTrans1D1">
-    <dgm:fillClrLst meth="repeat">
-      <a:schemeClr val="accent2"/>
-      <a:schemeClr val="accent3"/>
-      <a:schemeClr val="accent4"/>
-      <a:schemeClr val="accent5"/>
-      <a:schemeClr val="accent6"/>
-    </dgm:fillClrLst>
-    <dgm:linClrLst meth="repeat">
-      <a:schemeClr val="accent2"/>
-      <a:schemeClr val="accent3"/>
-      <a:schemeClr val="accent4"/>
-      <a:schemeClr val="accent5"/>
-      <a:schemeClr val="accent6"/>
-    </dgm:linClrLst>
-    <dgm:effectClrLst/>
-    <dgm:txLinClrLst/>
-    <dgm:txFillClrLst meth="repeat">
-      <a:schemeClr val="tx1"/>
-    </dgm:txFillClrLst>
-    <dgm:txEffectClrLst/>
-  </dgm:styleLbl>
-  <dgm:styleLbl name="callout">
-    <dgm:fillClrLst meth="repeat">
-      <a:schemeClr val="accent2"/>
-    </dgm:fillClrLst>
-    <dgm:linClrLst meth="repeat">
-      <a:schemeClr val="accent2">
-        <a:tint val="50000"/>
-      </a:schemeClr>
-    </dgm:linClrLst>
-    <dgm:effectClrLst/>
-    <dgm:txLinClrLst/>
-    <dgm:txFillClrLst meth="repeat">
-      <a:schemeClr val="tx1"/>
-    </dgm:txFillClrLst>
-    <dgm:txEffectClrLst/>
-  </dgm:styleLbl>
-  <dgm:styleLbl name="asst0">
-    <dgm:fillClrLst meth="repeat">
-      <a:schemeClr val="accent1"/>
-    </dgm:fillClrLst>
-    <dgm:linClrLst meth="repeat">
-      <a:schemeClr val="lt1"/>
-    </dgm:linClrLst>
-    <dgm:effectClrLst/>
-    <dgm:txLinClrLst/>
-    <dgm:txFillClrLst/>
-    <dgm:txEffectClrLst/>
-  </dgm:styleLbl>
-  <dgm:styleLbl name="asst1">
-    <dgm:fillClrLst meth="repeat">
-      <a:schemeClr val="accent2"/>
-    </dgm:fillClrLst>
-    <dgm:linClrLst meth="repeat">
-      <a:schemeClr val="lt1"/>
-    </dgm:linClrLst>
-    <dgm:effectClrLst/>
-    <dgm:txLinClrLst/>
-    <dgm:txFillClrLst/>
-    <dgm:txEffectClrLst/>
-  </dgm:styleLbl>
-  <dgm:styleLbl name="asst2">
-    <dgm:fillClrLst>
-      <a:schemeClr val="accent3"/>
-    </dgm:fillClrLst>
-    <dgm:linClrLst meth="repeat">
-      <a:schemeClr val="lt1"/>
-    </dgm:linClrLst>
-    <dgm:effectClrLst/>
-    <dgm:txLinClrLst/>
-    <dgm:txFillClrLst/>
-    <dgm:txEffectClrLst/>
-  </dgm:styleLbl>
-  <dgm:styleLbl name="asst3">
-    <dgm:fillClrLst>
-      <a:schemeClr val="accent4"/>
-    </dgm:fillClrLst>
-    <dgm:linClrLst meth="repeat">
-      <a:schemeClr val="lt1"/>
-    </dgm:linClrLst>
-    <dgm:effectClrLst/>
-    <dgm:txLinClrLst/>
-    <dgm:txFillClrLst/>
-    <dgm:txEffectClrLst/>
-  </dgm:styleLbl>
-  <dgm:styleLbl name="asst4">
-    <dgm:fillClrLst>
-      <a:schemeClr val="accent5"/>
-    </dgm:fillClrLst>
-    <dgm:linClrLst meth="repeat">
-      <a:schemeClr val="lt1"/>
-    </dgm:linClrLst>
-    <dgm:effectClrLst/>
-    <dgm:txLinClrLst/>
-    <dgm:txFillClrLst/>
-    <dgm:txEffectClrLst/>
-  </dgm:styleLbl>
-  <dgm:styleLbl name="parChTrans2D1">
-    <dgm:fillClrLst meth="repeat">
-      <a:schemeClr val="accent2"/>
-    </dgm:fillClrLst>
-    <dgm:linClrLst meth="repeat">
-      <a:schemeClr val="lt1"/>
-    </dgm:linClrLst>
-    <dgm:effectClrLst/>
-    <dgm:txLinClrLst/>
-    <dgm:txFillClrLst meth="repeat">
-      <a:schemeClr val="lt1"/>
-    </dgm:txFillClrLst>
-    <dgm:txEffectClrLst/>
-  </dgm:styleLbl>
-  <dgm:styleLbl name="parChTrans2D2">
-    <dgm:fillClrLst meth="repeat">
-      <a:schemeClr val="accent3"/>
-    </dgm:fillClrLst>
-    <dgm:linClrLst meth="repeat">
-      <a:schemeClr val="lt1"/>
-    </dgm:linClrLst>
-    <dgm:effectClrLst/>
-    <dgm:txLinClrLst/>
-    <dgm:txFillClrLst/>
-    <dgm:txEffectClrLst/>
-  </dgm:styleLbl>
-  <dgm:styleLbl name="parChTrans2D3">
-    <dgm:fillClrLst meth="repeat">
-      <a:schemeClr val="accent4"/>
-    </dgm:fillClrLst>
-    <dgm:linClrLst meth="repeat">
-      <a:schemeClr val="lt1"/>
-    </dgm:linClrLst>
-    <dgm:effectClrLst/>
-    <dgm:txLinClrLst/>
-    <dgm:txFillClrLst/>
-    <dgm:txEffectClrLst/>
-  </dgm:styleLbl>
-  <dgm:styleLbl name="parChTrans2D4">
-    <dgm:fillClrLst meth="repeat">
-      <a:schemeClr val="accent5"/>
-    </dgm:fillClrLst>
-    <dgm:linClrLst meth="repeat">
-      <a:schemeClr val="lt1"/>
-    </dgm:linClrLst>
-    <dgm:effectClrLst/>
-    <dgm:txLinClrLst/>
-    <dgm:txFillClrLst meth="repeat">
-      <a:schemeClr val="lt1"/>
-    </dgm:txFillClrLst>
-    <dgm:txEffectClrLst/>
-  </dgm:styleLbl>
-  <dgm:styleLbl name="parChTrans1D1">
-    <dgm:fillClrLst meth="repeat">
-      <a:schemeClr val="accent2"/>
-    </dgm:fillClrLst>
-    <dgm:linClrLst meth="repeat">
-      <a:schemeClr val="accent1"/>
-    </dgm:linClrLst>
-    <dgm:effectClrLst/>
-    <dgm:txLinClrLst/>
-    <dgm:txFillClrLst meth="repeat">
-      <a:schemeClr val="tx1"/>
-    </dgm:txFillClrLst>
-    <dgm:txEffectClrLst/>
-  </dgm:styleLbl>
-  <dgm:styleLbl name="parChTrans1D2">
-    <dgm:fillClrLst meth="repeat">
-      <a:schemeClr val="accent3">
-        <a:tint val="90000"/>
-      </a:schemeClr>
-    </dgm:fillClrLst>
-    <dgm:linClrLst meth="repeat">
-      <a:schemeClr val="accent2"/>
-    </dgm:linClrLst>
-    <dgm:effectClrLst/>
-    <dgm:txLinClrLst/>
-    <dgm:txFillClrLst meth="repeat">
-      <a:schemeClr val="tx1"/>
-    </dgm:txFillClrLst>
-    <dgm:txEffectClrLst/>
-  </dgm:styleLbl>
-  <dgm:styleLbl name="parChTrans1D3">
-    <dgm:fillClrLst meth="repeat">
-      <a:schemeClr val="accent4">
-        <a:tint val="70000"/>
-      </a:schemeClr>
-    </dgm:fillClrLst>
-    <dgm:linClrLst meth="repeat">
-      <a:schemeClr val="accent3"/>
-    </dgm:linClrLst>
-    <dgm:effectClrLst/>
-    <dgm:txLinClrLst/>
-    <dgm:txFillClrLst meth="repeat">
-      <a:schemeClr val="tx1"/>
-    </dgm:txFillClrLst>
-    <dgm:txEffectClrLst/>
-  </dgm:styleLbl>
-  <dgm:styleLbl name="parChTrans1D4">
-    <dgm:fillClrLst meth="repeat">
-      <a:schemeClr val="accent5">
-        <a:tint val="50000"/>
-      </a:schemeClr>
-    </dgm:fillClrLst>
-    <dgm:linClrLst meth="repeat">
-      <a:schemeClr val="accent4"/>
-    </dgm:linClrLst>
-    <dgm:effectClrLst/>
-    <dgm:txLinClrLst/>
-    <dgm:txFillClrLst meth="repeat">
-      <a:schemeClr val="tx1"/>
-    </dgm:txFillClrLst>
-    <dgm:txEffectClrLst/>
-  </dgm:styleLbl>
-  <dgm:styleLbl name="fgAcc1">
-    <dgm:fillClrLst meth="repeat">
-      <a:schemeClr val="lt1">
+      <a:schemeClr val="dk2">
         <a:alpha val="90000"/>
-      </a:schemeClr>
-    </dgm:fillClrLst>
-    <dgm:linClrLst meth="repeat">
-      <a:schemeClr val="accent2"/>
-      <a:schemeClr val="accent3"/>
-      <a:schemeClr val="accent4"/>
-      <a:schemeClr val="accent5"/>
-      <a:schemeClr val="accent6"/>
-    </dgm:linClrLst>
-    <dgm:effectClrLst/>
-    <dgm:txLinClrLst/>
-    <dgm:txFillClrLst meth="repeat">
-      <a:schemeClr val="dk1"/>
-    </dgm:txFillClrLst>
-    <dgm:txEffectClrLst/>
-  </dgm:styleLbl>
-  <dgm:styleLbl name="conFgAcc1">
-    <dgm:fillClrLst meth="repeat">
-      <a:schemeClr val="lt1">
-        <a:alpha val="90000"/>
-      </a:schemeClr>
-    </dgm:fillClrLst>
-    <dgm:linClrLst meth="repeat">
-      <a:schemeClr val="accent2"/>
-      <a:schemeClr val="accent3"/>
-      <a:schemeClr val="accent4"/>
-      <a:schemeClr val="accent5"/>
-      <a:schemeClr val="accent6"/>
-    </dgm:linClrLst>
-    <dgm:effectClrLst/>
-    <dgm:txLinClrLst/>
-    <dgm:txFillClrLst meth="repeat">
-      <a:schemeClr val="dk1"/>
-    </dgm:txFillClrLst>
-    <dgm:txEffectClrLst/>
-  </dgm:styleLbl>
-  <dgm:styleLbl name="alignAcc1">
-    <dgm:fillClrLst meth="repeat">
-      <a:schemeClr val="lt1">
-        <a:alpha val="90000"/>
-      </a:schemeClr>
-    </dgm:fillClrLst>
-    <dgm:linClrLst meth="repeat">
-      <a:schemeClr val="accent2"/>
-      <a:schemeClr val="accent3"/>
-      <a:schemeClr val="accent4"/>
-      <a:schemeClr val="accent5"/>
-      <a:schemeClr val="accent6"/>
-    </dgm:linClrLst>
-    <dgm:effectClrLst/>
-    <dgm:txLinClrLst/>
-    <dgm:txFillClrLst meth="repeat">
-      <a:schemeClr val="dk1"/>
-    </dgm:txFillClrLst>
-    <dgm:txEffectClrLst/>
-  </dgm:styleLbl>
-  <dgm:styleLbl name="trAlignAcc1">
-    <dgm:fillClrLst meth="repeat">
-      <a:schemeClr val="lt1">
-        <a:alpha val="40000"/>
-      </a:schemeClr>
-    </dgm:fillClrLst>
-    <dgm:linClrLst meth="repeat">
-      <a:schemeClr val="accent1"/>
-    </dgm:linClrLst>
-    <dgm:effectClrLst/>
-    <dgm:txLinClrLst/>
-    <dgm:txFillClrLst meth="repeat">
-      <a:schemeClr val="dk1"/>
-    </dgm:txFillClrLst>
-    <dgm:txEffectClrLst/>
-  </dgm:styleLbl>
-  <dgm:styleLbl name="bgAcc1">
-    <dgm:fillClrLst meth="repeat">
-      <a:schemeClr val="lt1">
-        <a:alpha val="90000"/>
-      </a:schemeClr>
-    </dgm:fillClrLst>
-    <dgm:linClrLst meth="repeat">
-      <a:schemeClr val="accent2"/>
-      <a:schemeClr val="accent3"/>
-      <a:schemeClr val="accent4"/>
-      <a:schemeClr val="accent5"/>
-      <a:schemeClr val="accent6"/>
-    </dgm:linClrLst>
-    <dgm:effectClrLst/>
-    <dgm:txLinClrLst/>
-    <dgm:txFillClrLst meth="repeat">
-      <a:schemeClr val="dk1"/>
-    </dgm:txFillClrLst>
-    <dgm:txEffectClrLst/>
-  </dgm:styleLbl>
-  <dgm:styleLbl name="solidFgAcc1">
-    <dgm:fillClrLst meth="repeat">
-      <a:schemeClr val="lt1"/>
-    </dgm:fillClrLst>
-    <dgm:linClrLst meth="repeat">
-      <a:schemeClr val="accent2"/>
-      <a:schemeClr val="accent3"/>
-      <a:schemeClr val="accent4"/>
-      <a:schemeClr val="accent5"/>
-      <a:schemeClr val="accent6"/>
-    </dgm:linClrLst>
-    <dgm:effectClrLst/>
-    <dgm:txLinClrLst/>
-    <dgm:txFillClrLst meth="repeat">
-      <a:schemeClr val="dk1"/>
-    </dgm:txFillClrLst>
-    <dgm:txEffectClrLst/>
-  </dgm:styleLbl>
-  <dgm:styleLbl name="solidAlignAcc1">
-    <dgm:fillClrLst meth="repeat">
-      <a:schemeClr val="lt1"/>
-    </dgm:fillClrLst>
-    <dgm:linClrLst meth="repeat">
-      <a:schemeClr val="accent2"/>
-      <a:schemeClr val="accent3"/>
-      <a:schemeClr val="accent4"/>
-      <a:schemeClr val="accent5"/>
-      <a:schemeClr val="accent6"/>
-    </dgm:linClrLst>
-    <dgm:effectClrLst/>
-    <dgm:txLinClrLst/>
-    <dgm:txFillClrLst meth="repeat">
-      <a:schemeClr val="dk1"/>
-    </dgm:txFillClrLst>
-    <dgm:txEffectClrLst/>
-  </dgm:styleLbl>
-  <dgm:styleLbl name="solidBgAcc1">
-    <dgm:fillClrLst meth="repeat">
-      <a:schemeClr val="lt1"/>
-    </dgm:fillClrLst>
-    <dgm:linClrLst meth="repeat">
-      <a:schemeClr val="accent2"/>
-      <a:schemeClr val="accent3"/>
-      <a:schemeClr val="accent4"/>
-      <a:schemeClr val="accent5"/>
-      <a:schemeClr val="accent6"/>
-    </dgm:linClrLst>
-    <dgm:effectClrLst/>
-    <dgm:txLinClrLst/>
-    <dgm:txFillClrLst meth="repeat">
-      <a:schemeClr val="dk1"/>
-    </dgm:txFillClrLst>
-    <dgm:txEffectClrLst/>
-  </dgm:styleLbl>
-  <dgm:styleLbl name="fgAccFollowNode1">
-    <dgm:fillClrLst meth="repeat">
-      <a:schemeClr val="accent2">
         <a:tint val="40000"/>
-        <a:alpha val="90000"/>
-      </a:schemeClr>
-      <a:schemeClr val="accent3">
-        <a:tint val="40000"/>
-        <a:alpha val="90000"/>
-      </a:schemeClr>
-      <a:schemeClr val="accent4">
-        <a:tint val="40000"/>
-        <a:alpha val="90000"/>
-      </a:schemeClr>
-      <a:schemeClr val="accent5">
-        <a:tint val="40000"/>
-        <a:alpha val="90000"/>
-      </a:schemeClr>
-      <a:schemeClr val="accent6">
-        <a:tint val="40000"/>
-        <a:alpha val="90000"/>
-      </a:schemeClr>
-    </dgm:fillClrLst>
-    <dgm:linClrLst meth="repeat">
-      <a:schemeClr val="accent2">
-        <a:tint val="40000"/>
-        <a:alpha val="90000"/>
-      </a:schemeClr>
-      <a:schemeClr val="accent3">
-        <a:tint val="40000"/>
-        <a:alpha val="90000"/>
-      </a:schemeClr>
-      <a:schemeClr val="accent4">
-        <a:tint val="40000"/>
-        <a:alpha val="90000"/>
-      </a:schemeClr>
-      <a:schemeClr val="accent5">
-        <a:tint val="40000"/>
-        <a:alpha val="90000"/>
-      </a:schemeClr>
-      <a:schemeClr val="accent6">
-        <a:tint val="40000"/>
-        <a:alpha val="90000"/>
       </a:schemeClr>
     </dgm:linClrLst>
     <dgm:effectClrLst/>
@@ -3272,49 +3190,17 @@
     </dgm:txFillClrLst>
     <dgm:txEffectClrLst/>
   </dgm:styleLbl>
-  <dgm:styleLbl name="alignAccFollowNode1">
+  <dgm:styleLbl name="bgAccFollowNode1">
     <dgm:fillClrLst meth="repeat">
-      <a:schemeClr val="accent2">
+      <a:schemeClr val="dk2">
+        <a:alpha val="90000"/>
         <a:tint val="40000"/>
-        <a:alpha val="90000"/>
-      </a:schemeClr>
-      <a:schemeClr val="accent3">
-        <a:tint val="40000"/>
-        <a:alpha val="90000"/>
-      </a:schemeClr>
-      <a:schemeClr val="accent4">
-        <a:tint val="40000"/>
-        <a:alpha val="90000"/>
-      </a:schemeClr>
-      <a:schemeClr val="accent5">
-        <a:tint val="40000"/>
-        <a:alpha val="90000"/>
-      </a:schemeClr>
-      <a:schemeClr val="accent6">
-        <a:tint val="40000"/>
-        <a:alpha val="90000"/>
       </a:schemeClr>
     </dgm:fillClrLst>
     <dgm:linClrLst meth="repeat">
-      <a:schemeClr val="accent2">
+      <a:schemeClr val="dk2">
+        <a:alpha val="90000"/>
         <a:tint val="40000"/>
-        <a:alpha val="90000"/>
-      </a:schemeClr>
-      <a:schemeClr val="accent3">
-        <a:tint val="40000"/>
-        <a:alpha val="90000"/>
-      </a:schemeClr>
-      <a:schemeClr val="accent4">
-        <a:tint val="40000"/>
-        <a:alpha val="90000"/>
-      </a:schemeClr>
-      <a:schemeClr val="accent5">
-        <a:tint val="40000"/>
-        <a:alpha val="90000"/>
-      </a:schemeClr>
-      <a:schemeClr val="accent6">
-        <a:tint val="40000"/>
-        <a:alpha val="90000"/>
       </a:schemeClr>
     </dgm:linClrLst>
     <dgm:effectClrLst/>
@@ -3324,50 +3210,14 @@
     </dgm:txFillClrLst>
     <dgm:txEffectClrLst/>
   </dgm:styleLbl>
-  <dgm:styleLbl name="bgAccFollowNode1">
+  <dgm:styleLbl name="fgAcc0">
     <dgm:fillClrLst meth="repeat">
-      <a:schemeClr val="accent2">
-        <a:tint val="40000"/>
-        <a:alpha val="90000"/>
-      </a:schemeClr>
-      <a:schemeClr val="accent3">
-        <a:tint val="40000"/>
-        <a:alpha val="90000"/>
-      </a:schemeClr>
-      <a:schemeClr val="accent4">
-        <a:tint val="40000"/>
-        <a:alpha val="90000"/>
-      </a:schemeClr>
-      <a:schemeClr val="accent5">
-        <a:tint val="40000"/>
-        <a:alpha val="90000"/>
-      </a:schemeClr>
-      <a:schemeClr val="accent6">
-        <a:tint val="40000"/>
+      <a:schemeClr val="lt2">
         <a:alpha val="90000"/>
       </a:schemeClr>
     </dgm:fillClrLst>
     <dgm:linClrLst meth="repeat">
-      <a:schemeClr val="accent2">
-        <a:tint val="40000"/>
-        <a:alpha val="90000"/>
-      </a:schemeClr>
-      <a:schemeClr val="accent3">
-        <a:tint val="40000"/>
-        <a:alpha val="90000"/>
-      </a:schemeClr>
-      <a:schemeClr val="accent4">
-        <a:tint val="40000"/>
-        <a:alpha val="90000"/>
-      </a:schemeClr>
-      <a:schemeClr val="accent5">
-        <a:tint val="40000"/>
-        <a:alpha val="90000"/>
-      </a:schemeClr>
-      <a:schemeClr val="accent6">
-        <a:tint val="40000"/>
-        <a:alpha val="90000"/>
-      </a:schemeClr>
+      <a:schemeClr val="dk2"/>
     </dgm:linClrLst>
     <dgm:effectClrLst/>
     <dgm:txLinClrLst/>
@@ -3376,14 +3226,14 @@
     </dgm:txFillClrLst>
     <dgm:txEffectClrLst/>
   </dgm:styleLbl>
-  <dgm:styleLbl name="fgAcc0">
+  <dgm:styleLbl name="fgAcc2">
     <dgm:fillClrLst meth="repeat">
-      <a:schemeClr val="lt1">
+      <a:schemeClr val="lt2">
         <a:alpha val="90000"/>
       </a:schemeClr>
     </dgm:fillClrLst>
-    <dgm:linClrLst>
-      <a:schemeClr val="accent1"/>
+    <dgm:linClrLst meth="repeat">
+      <a:schemeClr val="dk2"/>
     </dgm:linClrLst>
     <dgm:effectClrLst/>
     <dgm:txLinClrLst/>
@@ -3392,14 +3242,14 @@
     </dgm:txFillClrLst>
     <dgm:txEffectClrLst/>
   </dgm:styleLbl>
-  <dgm:styleLbl name="fgAcc2">
+  <dgm:styleLbl name="fgAcc3">
     <dgm:fillClrLst meth="repeat">
-      <a:schemeClr val="lt1">
+      <a:schemeClr val="lt2">
         <a:alpha val="90000"/>
       </a:schemeClr>
     </dgm:fillClrLst>
-    <dgm:linClrLst>
-      <a:schemeClr val="accent2"/>
+    <dgm:linClrLst meth="repeat">
+      <a:schemeClr val="dk2"/>
     </dgm:linClrLst>
     <dgm:effectClrLst/>
     <dgm:txLinClrLst/>
@@ -3408,14 +3258,14 @@
     </dgm:txFillClrLst>
     <dgm:txEffectClrLst/>
   </dgm:styleLbl>
-  <dgm:styleLbl name="fgAcc3">
+  <dgm:styleLbl name="fgAcc4">
     <dgm:fillClrLst meth="repeat">
-      <a:schemeClr val="lt1">
+      <a:schemeClr val="lt2">
         <a:alpha val="90000"/>
       </a:schemeClr>
     </dgm:fillClrLst>
-    <dgm:linClrLst>
-      <a:schemeClr val="accent3"/>
+    <dgm:linClrLst meth="repeat">
+      <a:schemeClr val="dk2"/>
     </dgm:linClrLst>
     <dgm:effectClrLst/>
     <dgm:txLinClrLst/>
@@ -3424,14 +3274,14 @@
     </dgm:txFillClrLst>
     <dgm:txEffectClrLst/>
   </dgm:styleLbl>
-  <dgm:styleLbl name="fgAcc4">
+  <dgm:styleLbl name="bgShp">
     <dgm:fillClrLst meth="repeat">
-      <a:schemeClr val="lt1">
-        <a:alpha val="90000"/>
+      <a:schemeClr val="dk2">
+        <a:tint val="40000"/>
       </a:schemeClr>
     </dgm:fillClrLst>
-    <dgm:linClrLst>
-      <a:schemeClr val="accent4"/>
+    <dgm:linClrLst meth="repeat">
+      <a:schemeClr val="dk2"/>
     </dgm:linClrLst>
     <dgm:effectClrLst/>
     <dgm:txLinClrLst/>
@@ -3440,32 +3290,14 @@
     </dgm:txFillClrLst>
     <dgm:txEffectClrLst/>
   </dgm:styleLbl>
-  <dgm:styleLbl name="bgShp">
-    <dgm:fillClrLst meth="repeat">
-      <a:schemeClr val="accent2"/>
-      <a:schemeClr val="accent3"/>
-      <a:schemeClr val="accent4"/>
-      <a:schemeClr val="accent5"/>
-      <a:schemeClr val="accent6"/>
-    </dgm:fillClrLst>
-    <dgm:linClrLst meth="repeat">
-      <a:schemeClr val="lt1">
-        <a:alpha val="0"/>
-      </a:schemeClr>
-    </dgm:linClrLst>
-    <dgm:effectClrLst/>
-    <dgm:txLinClrLst/>
-    <dgm:txFillClrLst/>
-    <dgm:txEffectClrLst/>
-  </dgm:styleLbl>
   <dgm:styleLbl name="dkBgShp">
     <dgm:fillClrLst meth="repeat">
-      <a:schemeClr val="accent2">
-        <a:shade val="90000"/>
+      <a:schemeClr val="dk2">
+        <a:shade val="80000"/>
       </a:schemeClr>
     </dgm:fillClrLst>
     <dgm:linClrLst meth="repeat">
-      <a:schemeClr val="dk1"/>
+      <a:schemeClr val="dk2"/>
     </dgm:linClrLst>
     <dgm:effectClrLst/>
     <dgm:txLinClrLst/>
@@ -3476,13 +3308,13 @@
   </dgm:styleLbl>
   <dgm:styleLbl name="trBgShp">
     <dgm:fillClrLst meth="repeat">
-      <a:schemeClr val="accent1">
+      <a:schemeClr val="dk2">
         <a:tint val="50000"/>
         <a:alpha val="40000"/>
       </a:schemeClr>
     </dgm:fillClrLst>
     <dgm:linClrLst meth="repeat">
-      <a:schemeClr val="accent2"/>
+      <a:schemeClr val="dk2"/>
     </dgm:linClrLst>
     <dgm:effectClrLst/>
     <dgm:txLinClrLst/>
@@ -3493,12 +3325,12 @@
   </dgm:styleLbl>
   <dgm:styleLbl name="fgShp">
     <dgm:fillClrLst meth="repeat">
-      <a:schemeClr val="accent2">
-        <a:tint val="40000"/>
+      <a:schemeClr val="dk2">
+        <a:tint val="60000"/>
       </a:schemeClr>
     </dgm:fillClrLst>
     <dgm:linClrLst meth="repeat">
-      <a:schemeClr val="lt1"/>
+      <a:schemeClr val="lt2"/>
     </dgm:linClrLst>
     <dgm:effectClrLst/>
     <dgm:txLinClrLst/>
@@ -3509,7 +3341,7 @@
   </dgm:styleLbl>
   <dgm:styleLbl name="revTx">
     <dgm:fillClrLst meth="repeat">
-      <a:schemeClr val="lt1">
+      <a:schemeClr val="lt2">
         <a:alpha val="0"/>
       </a:schemeClr>
     </dgm:fillClrLst>
@@ -4497,7 +4329,7 @@
 <dgm:dataModel xmlns:dgm="http://schemas.openxmlformats.org/drawingml/2006/diagram" xmlns:a="http://schemas.openxmlformats.org/drawingml/2006/main">
   <dgm:ptLst>
     <dgm:pt modelId="{94E18D10-B90D-472C-95C0-53D6D38F1B19}" type="doc">
-      <dgm:prSet loTypeId="urn:microsoft.com/office/officeart/2018/5/layout/IconCircleLabelList" loCatId="icon" qsTypeId="urn:microsoft.com/office/officeart/2005/8/quickstyle/simple1" qsCatId="simple" csTypeId="urn:microsoft.com/office/officeart/2018/5/colors/Iconchunking_neutralicon_colorful1" csCatId="colorful" phldr="1"/>
+      <dgm:prSet loTypeId="urn:microsoft.com/office/officeart/2005/8/layout/hierarchy1" loCatId="hierarchy" qsTypeId="urn:microsoft.com/office/officeart/2005/8/quickstyle/simple1" qsCatId="simple" csTypeId="urn:microsoft.com/office/officeart/2005/8/colors/accent0_3" csCatId="mainScheme" phldr="1"/>
       <dgm:spPr/>
       <dgm:t>
         <a:bodyPr/>
@@ -4508,34 +4340,31 @@
       </dgm:t>
     </dgm:pt>
     <dgm:pt modelId="{DF7752D1-2E3C-42CA-B2D8-B57BCAE9CE43}">
-      <dgm:prSet custT="1"/>
+      <dgm:prSet/>
       <dgm:spPr/>
       <dgm:t>
         <a:bodyPr/>
         <a:lstStyle/>
         <a:p>
           <a:pPr>
-            <a:lnSpc>
-              <a:spcPct val="100000"/>
-            </a:lnSpc>
             <a:defRPr cap="all"/>
           </a:pPr>
           <a:r>
-            <a:rPr lang="en-US" sz="2000">
+            <a:rPr lang="en-US">
               <a:latin typeface="Arial" panose="020B0604020202020204" pitchFamily="34" charset="0"/>
               <a:cs typeface="Arial" panose="020B0604020202020204" pitchFamily="34" charset="0"/>
             </a:rPr>
             <a:t>Khả năng t</a:t>
           </a:r>
           <a:r>
-            <a:rPr lang="vi-VN" sz="2000">
+            <a:rPr lang="vi-VN">
               <a:latin typeface="Arial" panose="020B0604020202020204" pitchFamily="34" charset="0"/>
               <a:cs typeface="Arial" panose="020B0604020202020204" pitchFamily="34" charset="0"/>
             </a:rPr>
             <a:t>ư</a:t>
           </a:r>
           <a:r>
-            <a:rPr lang="en-US" sz="2000">
+            <a:rPr lang="en-US">
               <a:latin typeface="Arial" panose="020B0604020202020204" pitchFamily="34" charset="0"/>
               <a:cs typeface="Arial" panose="020B0604020202020204" pitchFamily="34" charset="0"/>
             </a:rPr>
@@ -4567,20 +4396,17 @@
       </dgm:t>
     </dgm:pt>
     <dgm:pt modelId="{17E86063-978F-423B-B49F-9663D6281870}">
-      <dgm:prSet custT="1"/>
+      <dgm:prSet/>
       <dgm:spPr/>
       <dgm:t>
         <a:bodyPr/>
         <a:lstStyle/>
         <a:p>
           <a:pPr>
-            <a:lnSpc>
-              <a:spcPct val="100000"/>
-            </a:lnSpc>
             <a:defRPr cap="all"/>
           </a:pPr>
           <a:r>
-            <a:rPr lang="en-US" sz="2000">
+            <a:rPr lang="en-US">
               <a:latin typeface="Arial" panose="020B0604020202020204" pitchFamily="34" charset="0"/>
               <a:cs typeface="Arial" panose="020B0604020202020204" pitchFamily="34" charset="0"/>
             </a:rPr>
@@ -4612,20 +4438,17 @@
       </dgm:t>
     </dgm:pt>
     <dgm:pt modelId="{6F642742-B878-428B-AD4C-25765030F206}">
-      <dgm:prSet custT="1"/>
+      <dgm:prSet/>
       <dgm:spPr/>
       <dgm:t>
         <a:bodyPr/>
         <a:lstStyle/>
         <a:p>
           <a:pPr>
-            <a:lnSpc>
-              <a:spcPct val="100000"/>
-            </a:lnSpc>
             <a:defRPr cap="all"/>
           </a:pPr>
           <a:r>
-            <a:rPr lang="en-US" sz="2000">
+            <a:rPr lang="en-US">
               <a:latin typeface="Arial" panose="020B0604020202020204" pitchFamily="34" charset="0"/>
               <a:cs typeface="Arial" panose="020B0604020202020204" pitchFamily="34" charset="0"/>
             </a:rPr>
@@ -4657,29 +4480,26 @@
       </dgm:t>
     </dgm:pt>
     <dgm:pt modelId="{72EA2EE4-2CD1-4010-BF6C-40B08D5AD222}">
-      <dgm:prSet custT="1"/>
+      <dgm:prSet/>
       <dgm:spPr/>
       <dgm:t>
         <a:bodyPr/>
         <a:lstStyle/>
         <a:p>
           <a:pPr>
-            <a:lnSpc>
-              <a:spcPct val="100000"/>
-            </a:lnSpc>
             <a:defRPr cap="all"/>
           </a:pPr>
           <a:r>
-            <a:rPr lang="en-US" sz="2000">
+            <a:rPr lang="en-US">
               <a:latin typeface="Arial" panose="020B0604020202020204" pitchFamily="34" charset="0"/>
               <a:cs typeface="Arial" panose="020B0604020202020204" pitchFamily="34" charset="0"/>
             </a:rPr>
             <a:t>Phân quyền quyết định</a:t>
           </a:r>
           <a:br>
-            <a:rPr lang="en-US" sz="1500"/>
+            <a:rPr lang="en-US"/>
           </a:br>
-          <a:endParaRPr lang="en-US" sz="1500"/>
+          <a:endParaRPr lang="en-US"/>
         </a:p>
       </dgm:t>
     </dgm:pt>
@@ -4705,263 +4525,151 @@
         </a:p>
       </dgm:t>
     </dgm:pt>
-    <dgm:pt modelId="{5FE6DFD1-4118-4863-95CB-D56C91622608}" type="pres">
-      <dgm:prSet presAssocID="{94E18D10-B90D-472C-95C0-53D6D38F1B19}" presName="root" presStyleCnt="0">
+    <dgm:pt modelId="{E5E3513B-4A1C-42FE-A125-FCE09F63E233}" type="pres">
+      <dgm:prSet presAssocID="{94E18D10-B90D-472C-95C0-53D6D38F1B19}" presName="hierChild1" presStyleCnt="0">
         <dgm:presLayoutVars>
+          <dgm:chPref val="1"/>
           <dgm:dir/>
-          <dgm:resizeHandles val="exact"/>
+          <dgm:animOne val="branch"/>
+          <dgm:animLvl val="lvl"/>
+          <dgm:resizeHandles/>
         </dgm:presLayoutVars>
       </dgm:prSet>
       <dgm:spPr/>
     </dgm:pt>
-    <dgm:pt modelId="{68190F29-592D-478F-9625-B41BEB1DB1CC}" type="pres">
-      <dgm:prSet presAssocID="{DF7752D1-2E3C-42CA-B2D8-B57BCAE9CE43}" presName="compNode" presStyleCnt="0"/>
+    <dgm:pt modelId="{DC936F5B-1453-425B-85BD-B83A762286C1}" type="pres">
+      <dgm:prSet presAssocID="{DF7752D1-2E3C-42CA-B2D8-B57BCAE9CE43}" presName="hierRoot1" presStyleCnt="0"/>
       <dgm:spPr/>
     </dgm:pt>
-    <dgm:pt modelId="{1819D2BB-6C48-4682-A278-207BA19EF70F}" type="pres">
-      <dgm:prSet presAssocID="{DF7752D1-2E3C-42CA-B2D8-B57BCAE9CE43}" presName="iconBgRect" presStyleLbl="bgShp" presStyleIdx="0" presStyleCnt="4" custLinFactNeighborX="-16644" custLinFactNeighborY="-998"/>
+    <dgm:pt modelId="{8D20FC70-CA51-455A-84B4-98CFFEC848B0}" type="pres">
+      <dgm:prSet presAssocID="{DF7752D1-2E3C-42CA-B2D8-B57BCAE9CE43}" presName="composite" presStyleCnt="0"/>
       <dgm:spPr/>
     </dgm:pt>
-    <dgm:pt modelId="{BCA357B3-1BBB-420A-AD65-FF9EE2B70690}" type="pres">
-      <dgm:prSet presAssocID="{DF7752D1-2E3C-42CA-B2D8-B57BCAE9CE43}" presName="iconRect" presStyleLbl="node1" presStyleIdx="0" presStyleCnt="4" custLinFactNeighborX="-35348" custLinFactNeighborY="-1530"/>
-      <dgm:spPr>
-        <a:blipFill>
-          <a:blip xmlns:r="http://schemas.openxmlformats.org/officeDocument/2006/relationships" r:embed="rId1">
-            <a:extLst>
-              <a:ext uri="{28A0092B-C50C-407E-A947-70E740481C1C}">
-                <a14:useLocalDpi xmlns:a14="http://schemas.microsoft.com/office/drawing/2010/main" val="0"/>
-              </a:ext>
-              <a:ext uri="{96DAC541-7B7A-43D3-8B79-37D633B846F1}">
-                <asvg:svgBlip xmlns:asvg="http://schemas.microsoft.com/office/drawing/2016/SVG/main" r:embed="rId2"/>
-              </a:ext>
-            </a:extLst>
-          </a:blip>
-          <a:stretch>
-            <a:fillRect/>
-          </a:stretch>
-        </a:blipFill>
-        <a:ln>
-          <a:noFill/>
-        </a:ln>
-      </dgm:spPr>
-      <dgm:extLst>
-        <a:ext uri="{E40237B7-FDA0-4F09-8148-C483321AD2D9}">
-          <dgm14:cNvPr xmlns:dgm14="http://schemas.microsoft.com/office/drawing/2010/diagram" id="0" name="" descr="Glue"/>
-        </a:ext>
-      </dgm:extLst>
-    </dgm:pt>
-    <dgm:pt modelId="{6728B3B7-5B8F-4882-BC5B-98C9DA4F50FF}" type="pres">
-      <dgm:prSet presAssocID="{DF7752D1-2E3C-42CA-B2D8-B57BCAE9CE43}" presName="spaceRect" presStyleCnt="0"/>
+    <dgm:pt modelId="{99127D82-7460-4673-BC56-DE7A4ABC9A1C}" type="pres">
+      <dgm:prSet presAssocID="{DF7752D1-2E3C-42CA-B2D8-B57BCAE9CE43}" presName="background" presStyleLbl="node0" presStyleIdx="0" presStyleCnt="4"/>
       <dgm:spPr/>
     </dgm:pt>
-    <dgm:pt modelId="{A1341FCE-88A2-46F4-83D5-8FFA550C3D2F}" type="pres">
-      <dgm:prSet presAssocID="{DF7752D1-2E3C-42CA-B2D8-B57BCAE9CE43}" presName="textRect" presStyleLbl="revTx" presStyleIdx="0" presStyleCnt="4" custLinFactNeighborX="-11542" custLinFactNeighborY="-7750">
+    <dgm:pt modelId="{7794D539-4311-4D92-9E13-3022302A5AE8}" type="pres">
+      <dgm:prSet presAssocID="{DF7752D1-2E3C-42CA-B2D8-B57BCAE9CE43}" presName="text" presStyleLbl="fgAcc0" presStyleIdx="0" presStyleCnt="4">
         <dgm:presLayoutVars>
-          <dgm:chMax val="1"/>
-          <dgm:chPref val="1"/>
+          <dgm:chPref val="3"/>
         </dgm:presLayoutVars>
       </dgm:prSet>
       <dgm:spPr/>
     </dgm:pt>
-    <dgm:pt modelId="{EAD1C2B6-8ECD-43D8-B3B2-BD3E3358FCED}" type="pres">
-      <dgm:prSet presAssocID="{6637664C-A989-43DA-9763-D7FC3C7B7BFF}" presName="sibTrans" presStyleCnt="0"/>
+    <dgm:pt modelId="{77CF8D83-8AB8-49C1-80FA-AEADFEE1555C}" type="pres">
+      <dgm:prSet presAssocID="{DF7752D1-2E3C-42CA-B2D8-B57BCAE9CE43}" presName="hierChild2" presStyleCnt="0"/>
       <dgm:spPr/>
     </dgm:pt>
-    <dgm:pt modelId="{7E31D567-A901-410E-A8CD-48603426EC22}" type="pres">
-      <dgm:prSet presAssocID="{17E86063-978F-423B-B49F-9663D6281870}" presName="compNode" presStyleCnt="0"/>
+    <dgm:pt modelId="{6AC79A97-FB95-4AE9-B011-6D12A8B8A42B}" type="pres">
+      <dgm:prSet presAssocID="{17E86063-978F-423B-B49F-9663D6281870}" presName="hierRoot1" presStyleCnt="0"/>
       <dgm:spPr/>
     </dgm:pt>
-    <dgm:pt modelId="{1FEFFF37-2AC8-458D-9D94-42DDA1CDA742}" type="pres">
-      <dgm:prSet presAssocID="{17E86063-978F-423B-B49F-9663D6281870}" presName="iconBgRect" presStyleLbl="bgShp" presStyleIdx="1" presStyleCnt="4" custLinFactNeighborX="25455" custLinFactNeighborY="-998"/>
+    <dgm:pt modelId="{D9817DD6-0DE8-47A0-B289-EC6373BA57B9}" type="pres">
+      <dgm:prSet presAssocID="{17E86063-978F-423B-B49F-9663D6281870}" presName="composite" presStyleCnt="0"/>
       <dgm:spPr/>
     </dgm:pt>
-    <dgm:pt modelId="{4FD128BB-904B-4BD0-8037-DB3772030DC5}" type="pres">
-      <dgm:prSet presAssocID="{17E86063-978F-423B-B49F-9663D6281870}" presName="iconRect" presStyleLbl="node1" presStyleIdx="1" presStyleCnt="4" custLinFactNeighborX="44365" custLinFactNeighborY="-1740"/>
-      <dgm:spPr>
-        <a:blipFill>
-          <a:blip xmlns:r="http://schemas.openxmlformats.org/officeDocument/2006/relationships" r:embed="rId3">
-            <a:extLst>
-              <a:ext uri="{28A0092B-C50C-407E-A947-70E740481C1C}">
-                <a14:useLocalDpi xmlns:a14="http://schemas.microsoft.com/office/drawing/2010/main" val="0"/>
-              </a:ext>
-              <a:ext uri="{96DAC541-7B7A-43D3-8B79-37D633B846F1}">
-                <asvg:svgBlip xmlns:asvg="http://schemas.microsoft.com/office/drawing/2016/SVG/main" r:embed="rId4"/>
-              </a:ext>
-            </a:extLst>
-          </a:blip>
-          <a:stretch>
-            <a:fillRect/>
-          </a:stretch>
-        </a:blipFill>
-        <a:ln>
-          <a:noFill/>
-        </a:ln>
-      </dgm:spPr>
-      <dgm:extLst>
-        <a:ext uri="{E40237B7-FDA0-4F09-8148-C483321AD2D9}">
-          <dgm14:cNvPr xmlns:dgm14="http://schemas.microsoft.com/office/drawing/2010/diagram" id="0" name="" descr="Wind Chime"/>
-        </a:ext>
-      </dgm:extLst>
-    </dgm:pt>
-    <dgm:pt modelId="{B6DD9319-B4D8-4294-BCFE-286E6E5AA1A8}" type="pres">
-      <dgm:prSet presAssocID="{17E86063-978F-423B-B49F-9663D6281870}" presName="spaceRect" presStyleCnt="0"/>
+    <dgm:pt modelId="{6D1E4326-84F6-4804-8647-7BEE4F755022}" type="pres">
+      <dgm:prSet presAssocID="{17E86063-978F-423B-B49F-9663D6281870}" presName="background" presStyleLbl="node0" presStyleIdx="1" presStyleCnt="4"/>
       <dgm:spPr/>
     </dgm:pt>
-    <dgm:pt modelId="{7E62062D-17B2-48E7-812A-7B4FFFFBF8EE}" type="pres">
-      <dgm:prSet presAssocID="{17E86063-978F-423B-B49F-9663D6281870}" presName="textRect" presStyleLbl="revTx" presStyleIdx="1" presStyleCnt="4" custLinFactNeighborX="10750" custLinFactNeighborY="-1841">
+    <dgm:pt modelId="{81CB6BA2-4184-44AE-A6A9-36628B72042D}" type="pres">
+      <dgm:prSet presAssocID="{17E86063-978F-423B-B49F-9663D6281870}" presName="text" presStyleLbl="fgAcc0" presStyleIdx="1" presStyleCnt="4">
         <dgm:presLayoutVars>
-          <dgm:chMax val="1"/>
-          <dgm:chPref val="1"/>
+          <dgm:chPref val="3"/>
         </dgm:presLayoutVars>
       </dgm:prSet>
       <dgm:spPr/>
     </dgm:pt>
-    <dgm:pt modelId="{2F8C290C-60F1-4E03-A57D-9360ABAC3758}" type="pres">
-      <dgm:prSet presAssocID="{6095C6A1-E968-424B-8C12-8A50C8E57B1F}" presName="sibTrans" presStyleCnt="0"/>
+    <dgm:pt modelId="{ED7E29A5-AFC5-4536-917C-EF3ED7A6953D}" type="pres">
+      <dgm:prSet presAssocID="{17E86063-978F-423B-B49F-9663D6281870}" presName="hierChild2" presStyleCnt="0"/>
       <dgm:spPr/>
     </dgm:pt>
-    <dgm:pt modelId="{A844D2DE-4884-4974-B705-7F71D9968C44}" type="pres">
-      <dgm:prSet presAssocID="{6F642742-B878-428B-AD4C-25765030F206}" presName="compNode" presStyleCnt="0"/>
+    <dgm:pt modelId="{B8C12B4A-3848-4993-9C8E-11CFEF734C40}" type="pres">
+      <dgm:prSet presAssocID="{6F642742-B878-428B-AD4C-25765030F206}" presName="hierRoot1" presStyleCnt="0"/>
       <dgm:spPr/>
     </dgm:pt>
-    <dgm:pt modelId="{F83FFC6D-C87D-4DBB-8FBD-4EFE5DD95418}" type="pres">
-      <dgm:prSet presAssocID="{6F642742-B878-428B-AD4C-25765030F206}" presName="iconBgRect" presStyleLbl="bgShp" presStyleIdx="2" presStyleCnt="4" custLinFactNeighborX="-15665"/>
+    <dgm:pt modelId="{4678FD3C-743D-42C2-921B-E90F0C3A9C26}" type="pres">
+      <dgm:prSet presAssocID="{6F642742-B878-428B-AD4C-25765030F206}" presName="composite" presStyleCnt="0"/>
       <dgm:spPr/>
     </dgm:pt>
-    <dgm:pt modelId="{394F3AC3-17D1-48C9-8CE7-DE538BF8FE6B}" type="pres">
-      <dgm:prSet presAssocID="{6F642742-B878-428B-AD4C-25765030F206}" presName="iconRect" presStyleLbl="node1" presStyleIdx="2" presStyleCnt="4" custLinFactNeighborX="-27301"/>
-      <dgm:spPr>
-        <a:blipFill>
-          <a:blip xmlns:r="http://schemas.openxmlformats.org/officeDocument/2006/relationships" r:embed="rId5">
-            <a:extLst>
-              <a:ext uri="{28A0092B-C50C-407E-A947-70E740481C1C}">
-                <a14:useLocalDpi xmlns:a14="http://schemas.microsoft.com/office/drawing/2010/main" val="0"/>
-              </a:ext>
-              <a:ext uri="{96DAC541-7B7A-43D3-8B79-37D633B846F1}">
-                <asvg:svgBlip xmlns:asvg="http://schemas.microsoft.com/office/drawing/2016/SVG/main" r:embed="rId6"/>
-              </a:ext>
-            </a:extLst>
-          </a:blip>
-          <a:stretch>
-            <a:fillRect/>
-          </a:stretch>
-        </a:blipFill>
-        <a:ln>
-          <a:noFill/>
-        </a:ln>
-      </dgm:spPr>
-      <dgm:extLst>
-        <a:ext uri="{E40237B7-FDA0-4F09-8148-C483321AD2D9}">
-          <dgm14:cNvPr xmlns:dgm14="http://schemas.microsoft.com/office/drawing/2010/diagram" id="0" name="" descr="Skeleton"/>
-        </a:ext>
-      </dgm:extLst>
-    </dgm:pt>
-    <dgm:pt modelId="{4DCE1AA6-D6A7-4A9B-A14D-1A149CE62121}" type="pres">
-      <dgm:prSet presAssocID="{6F642742-B878-428B-AD4C-25765030F206}" presName="spaceRect" presStyleCnt="0"/>
+    <dgm:pt modelId="{724C8D02-51F6-4A44-B90C-89384AD8DC59}" type="pres">
+      <dgm:prSet presAssocID="{6F642742-B878-428B-AD4C-25765030F206}" presName="background" presStyleLbl="node0" presStyleIdx="2" presStyleCnt="4"/>
       <dgm:spPr/>
     </dgm:pt>
-    <dgm:pt modelId="{5628E3EC-BC5A-49D3-AC58-9BA2D50AAEE6}" type="pres">
-      <dgm:prSet presAssocID="{6F642742-B878-428B-AD4C-25765030F206}" presName="textRect" presStyleLbl="revTx" presStyleIdx="2" presStyleCnt="4" custLinFactNeighborX="-5488" custLinFactNeighborY="-23928">
+    <dgm:pt modelId="{6BD70377-7620-498C-A594-BF8737CB609D}" type="pres">
+      <dgm:prSet presAssocID="{6F642742-B878-428B-AD4C-25765030F206}" presName="text" presStyleLbl="fgAcc0" presStyleIdx="2" presStyleCnt="4">
         <dgm:presLayoutVars>
-          <dgm:chMax val="1"/>
-          <dgm:chPref val="1"/>
+          <dgm:chPref val="3"/>
         </dgm:presLayoutVars>
       </dgm:prSet>
       <dgm:spPr/>
     </dgm:pt>
-    <dgm:pt modelId="{376BF1B9-572A-46E8-9FF1-CFC0F37E7AB4}" type="pres">
-      <dgm:prSet presAssocID="{6351E0C9-5C06-4C34-B428-17E262CAE9A3}" presName="sibTrans" presStyleCnt="0"/>
+    <dgm:pt modelId="{234D30E9-EE8E-41F0-B3FD-ACC5A1B97BB1}" type="pres">
+      <dgm:prSet presAssocID="{6F642742-B878-428B-AD4C-25765030F206}" presName="hierChild2" presStyleCnt="0"/>
       <dgm:spPr/>
     </dgm:pt>
-    <dgm:pt modelId="{8D3A3C3D-4360-4106-8EAA-D00934224FFA}" type="pres">
-      <dgm:prSet presAssocID="{72EA2EE4-2CD1-4010-BF6C-40B08D5AD222}" presName="compNode" presStyleCnt="0"/>
+    <dgm:pt modelId="{DE854F82-B909-4492-9654-8ED490F76EC9}" type="pres">
+      <dgm:prSet presAssocID="{72EA2EE4-2CD1-4010-BF6C-40B08D5AD222}" presName="hierRoot1" presStyleCnt="0"/>
       <dgm:spPr/>
     </dgm:pt>
-    <dgm:pt modelId="{F9F87523-27B5-4B51-A800-2E0C15CF0E36}" type="pres">
-      <dgm:prSet presAssocID="{72EA2EE4-2CD1-4010-BF6C-40B08D5AD222}" presName="iconBgRect" presStyleLbl="bgShp" presStyleIdx="3" presStyleCnt="4" custLinFactNeighborX="37204" custLinFactNeighborY="-979"/>
+    <dgm:pt modelId="{B07BF014-36F2-488E-89FD-BDF2A6F51A71}" type="pres">
+      <dgm:prSet presAssocID="{72EA2EE4-2CD1-4010-BF6C-40B08D5AD222}" presName="composite" presStyleCnt="0"/>
       <dgm:spPr/>
     </dgm:pt>
-    <dgm:pt modelId="{6729CC7E-F018-440B-8295-AF6809ACFE3F}" type="pres">
-      <dgm:prSet presAssocID="{72EA2EE4-2CD1-4010-BF6C-40B08D5AD222}" presName="iconRect" presStyleLbl="node1" presStyleIdx="3" presStyleCnt="4" custLinFactNeighborX="64841" custLinFactNeighborY="-1706"/>
-      <dgm:spPr>
-        <a:blipFill>
-          <a:blip xmlns:r="http://schemas.openxmlformats.org/officeDocument/2006/relationships" r:embed="rId7">
-            <a:extLst>
-              <a:ext uri="{28A0092B-C50C-407E-A947-70E740481C1C}">
-                <a14:useLocalDpi xmlns:a14="http://schemas.microsoft.com/office/drawing/2010/main" val="0"/>
-              </a:ext>
-              <a:ext uri="{96DAC541-7B7A-43D3-8B79-37D633B846F1}">
-                <asvg:svgBlip xmlns:asvg="http://schemas.microsoft.com/office/drawing/2016/SVG/main" r:embed="rId8"/>
-              </a:ext>
-            </a:extLst>
-          </a:blip>
-          <a:stretch>
-            <a:fillRect/>
-          </a:stretch>
-        </a:blipFill>
-        <a:ln>
-          <a:noFill/>
-        </a:ln>
-      </dgm:spPr>
-      <dgm:extLst>
-        <a:ext uri="{E40237B7-FDA0-4F09-8148-C483321AD2D9}">
-          <dgm14:cNvPr xmlns:dgm14="http://schemas.microsoft.com/office/drawing/2010/diagram" id="0" name="" descr="Questions"/>
-        </a:ext>
-      </dgm:extLst>
-    </dgm:pt>
-    <dgm:pt modelId="{842BBE3D-B5EB-41A4-A3D5-AB62DD0F5D08}" type="pres">
-      <dgm:prSet presAssocID="{72EA2EE4-2CD1-4010-BF6C-40B08D5AD222}" presName="spaceRect" presStyleCnt="0"/>
+    <dgm:pt modelId="{6CCB6C09-ED7D-4EA9-95B6-59931091D442}" type="pres">
+      <dgm:prSet presAssocID="{72EA2EE4-2CD1-4010-BF6C-40B08D5AD222}" presName="background" presStyleLbl="node0" presStyleIdx="3" presStyleCnt="4"/>
       <dgm:spPr/>
     </dgm:pt>
-    <dgm:pt modelId="{210E1445-4916-4F1F-BCAD-74061885E78A}" type="pres">
-      <dgm:prSet presAssocID="{72EA2EE4-2CD1-4010-BF6C-40B08D5AD222}" presName="textRect" presStyleLbl="revTx" presStyleIdx="3" presStyleCnt="4" custLinFactNeighborX="17319" custLinFactNeighborY="-27609">
+    <dgm:pt modelId="{D102764B-DD34-4F8D-9F47-9D66B7B88E7E}" type="pres">
+      <dgm:prSet presAssocID="{72EA2EE4-2CD1-4010-BF6C-40B08D5AD222}" presName="text" presStyleLbl="fgAcc0" presStyleIdx="3" presStyleCnt="4">
         <dgm:presLayoutVars>
-          <dgm:chMax val="1"/>
-          <dgm:chPref val="1"/>
+          <dgm:chPref val="3"/>
         </dgm:presLayoutVars>
       </dgm:prSet>
       <dgm:spPr/>
     </dgm:pt>
+    <dgm:pt modelId="{90ABB348-9141-4489-A392-B122F7E9FB4A}" type="pres">
+      <dgm:prSet presAssocID="{72EA2EE4-2CD1-4010-BF6C-40B08D5AD222}" presName="hierChild2" presStyleCnt="0"/>
+      <dgm:spPr/>
+    </dgm:pt>
   </dgm:ptLst>
   <dgm:cxnLst>
-    <dgm:cxn modelId="{1952DC04-CBEB-40EB-9201-DB95F4E35EC9}" type="presOf" srcId="{6F642742-B878-428B-AD4C-25765030F206}" destId="{5628E3EC-BC5A-49D3-AC58-9BA2D50AAEE6}" srcOrd="0" destOrd="0" presId="urn:microsoft.com/office/officeart/2018/5/layout/IconCircleLabelList"/>
+    <dgm:cxn modelId="{F4461A00-9940-4530-89B3-27A52F5B1201}" type="presOf" srcId="{17E86063-978F-423B-B49F-9663D6281870}" destId="{81CB6BA2-4184-44AE-A6A9-36628B72042D}" srcOrd="0" destOrd="0" presId="urn:microsoft.com/office/officeart/2005/8/layout/hierarchy1"/>
     <dgm:cxn modelId="{2956DB20-97B7-4098-A630-29C371C1C275}" srcId="{94E18D10-B90D-472C-95C0-53D6D38F1B19}" destId="{17E86063-978F-423B-B49F-9663D6281870}" srcOrd="1" destOrd="0" parTransId="{068C8087-125D-41B9-82AB-A7372D56B144}" sibTransId="{6095C6A1-E968-424B-8C12-8A50C8E57B1F}"/>
     <dgm:cxn modelId="{60E2D95E-6333-4DAD-96C2-6E267BB91D65}" srcId="{94E18D10-B90D-472C-95C0-53D6D38F1B19}" destId="{72EA2EE4-2CD1-4010-BF6C-40B08D5AD222}" srcOrd="3" destOrd="0" parTransId="{93C4AB0B-536F-4FB4-B7CD-C6D641AD7077}" sibTransId="{5ED43D3B-15F7-4CF0-80E9-EFF0B7BF947F}"/>
     <dgm:cxn modelId="{B98D976B-CDAA-4562-8215-0F5A7AE2AECF}" srcId="{94E18D10-B90D-472C-95C0-53D6D38F1B19}" destId="{6F642742-B878-428B-AD4C-25765030F206}" srcOrd="2" destOrd="0" parTransId="{5AD28188-1C2E-445D-987F-6EE28CFB5D70}" sibTransId="{6351E0C9-5C06-4C34-B428-17E262CAE9A3}"/>
     <dgm:cxn modelId="{FF6DC06D-CF3B-4FD3-99C0-95D76EEEF835}" srcId="{94E18D10-B90D-472C-95C0-53D6D38F1B19}" destId="{DF7752D1-2E3C-42CA-B2D8-B57BCAE9CE43}" srcOrd="0" destOrd="0" parTransId="{D23F22C0-F070-4BDE-A6DF-48D6994282BE}" sibTransId="{6637664C-A989-43DA-9763-D7FC3C7B7BFF}"/>
-    <dgm:cxn modelId="{75DA9385-1F48-4E61-BB39-EE5104E1B7DE}" type="presOf" srcId="{72EA2EE4-2CD1-4010-BF6C-40B08D5AD222}" destId="{210E1445-4916-4F1F-BCAD-74061885E78A}" srcOrd="0" destOrd="0" presId="urn:microsoft.com/office/officeart/2018/5/layout/IconCircleLabelList"/>
-    <dgm:cxn modelId="{C1F76EDB-85FE-4CB9-A3E6-B91BE0B75051}" type="presOf" srcId="{DF7752D1-2E3C-42CA-B2D8-B57BCAE9CE43}" destId="{A1341FCE-88A2-46F4-83D5-8FFA550C3D2F}" srcOrd="0" destOrd="0" presId="urn:microsoft.com/office/officeart/2018/5/layout/IconCircleLabelList"/>
-    <dgm:cxn modelId="{009B0FE6-90FB-44AA-8641-D35B4FE01199}" type="presOf" srcId="{94E18D10-B90D-472C-95C0-53D6D38F1B19}" destId="{5FE6DFD1-4118-4863-95CB-D56C91622608}" srcOrd="0" destOrd="0" presId="urn:microsoft.com/office/officeart/2018/5/layout/IconCircleLabelList"/>
-    <dgm:cxn modelId="{08D076F4-9516-4A9A-905F-231D2DAA416C}" type="presOf" srcId="{17E86063-978F-423B-B49F-9663D6281870}" destId="{7E62062D-17B2-48E7-812A-7B4FFFFBF8EE}" srcOrd="0" destOrd="0" presId="urn:microsoft.com/office/officeart/2018/5/layout/IconCircleLabelList"/>
-    <dgm:cxn modelId="{03B4CBC8-6CCA-4362-B335-52124C827880}" type="presParOf" srcId="{5FE6DFD1-4118-4863-95CB-D56C91622608}" destId="{68190F29-592D-478F-9625-B41BEB1DB1CC}" srcOrd="0" destOrd="0" presId="urn:microsoft.com/office/officeart/2018/5/layout/IconCircleLabelList"/>
-    <dgm:cxn modelId="{F7A1228B-9406-45A0-8F9F-3DEB0F4CAD9D}" type="presParOf" srcId="{68190F29-592D-478F-9625-B41BEB1DB1CC}" destId="{1819D2BB-6C48-4682-A278-207BA19EF70F}" srcOrd="0" destOrd="0" presId="urn:microsoft.com/office/officeart/2018/5/layout/IconCircleLabelList"/>
-    <dgm:cxn modelId="{AB33AAD6-219D-4417-A5D0-225F8EE1F935}" type="presParOf" srcId="{68190F29-592D-478F-9625-B41BEB1DB1CC}" destId="{BCA357B3-1BBB-420A-AD65-FF9EE2B70690}" srcOrd="1" destOrd="0" presId="urn:microsoft.com/office/officeart/2018/5/layout/IconCircleLabelList"/>
-    <dgm:cxn modelId="{3B5C8C86-D88C-4B78-A339-C9873F9D3D28}" type="presParOf" srcId="{68190F29-592D-478F-9625-B41BEB1DB1CC}" destId="{6728B3B7-5B8F-4882-BC5B-98C9DA4F50FF}" srcOrd="2" destOrd="0" presId="urn:microsoft.com/office/officeart/2018/5/layout/IconCircleLabelList"/>
-    <dgm:cxn modelId="{FC6CD161-D071-49CA-8E37-92591170A815}" type="presParOf" srcId="{68190F29-592D-478F-9625-B41BEB1DB1CC}" destId="{A1341FCE-88A2-46F4-83D5-8FFA550C3D2F}" srcOrd="3" destOrd="0" presId="urn:microsoft.com/office/officeart/2018/5/layout/IconCircleLabelList"/>
-    <dgm:cxn modelId="{2A9FA36B-D25E-4F85-8CA2-FE81DBD17C41}" type="presParOf" srcId="{5FE6DFD1-4118-4863-95CB-D56C91622608}" destId="{EAD1C2B6-8ECD-43D8-B3B2-BD3E3358FCED}" srcOrd="1" destOrd="0" presId="urn:microsoft.com/office/officeart/2018/5/layout/IconCircleLabelList"/>
-    <dgm:cxn modelId="{4185BFC9-B63C-49D5-83D3-A2C90D817496}" type="presParOf" srcId="{5FE6DFD1-4118-4863-95CB-D56C91622608}" destId="{7E31D567-A901-410E-A8CD-48603426EC22}" srcOrd="2" destOrd="0" presId="urn:microsoft.com/office/officeart/2018/5/layout/IconCircleLabelList"/>
-    <dgm:cxn modelId="{0F21EA7E-6CE2-4EE2-8D56-D686713F735B}" type="presParOf" srcId="{7E31D567-A901-410E-A8CD-48603426EC22}" destId="{1FEFFF37-2AC8-458D-9D94-42DDA1CDA742}" srcOrd="0" destOrd="0" presId="urn:microsoft.com/office/officeart/2018/5/layout/IconCircleLabelList"/>
-    <dgm:cxn modelId="{5FAA0E3C-9A2A-4468-9913-EB64888CDC87}" type="presParOf" srcId="{7E31D567-A901-410E-A8CD-48603426EC22}" destId="{4FD128BB-904B-4BD0-8037-DB3772030DC5}" srcOrd="1" destOrd="0" presId="urn:microsoft.com/office/officeart/2018/5/layout/IconCircleLabelList"/>
-    <dgm:cxn modelId="{B6F7E55B-506A-4D0D-8AF6-64025879E9DE}" type="presParOf" srcId="{7E31D567-A901-410E-A8CD-48603426EC22}" destId="{B6DD9319-B4D8-4294-BCFE-286E6E5AA1A8}" srcOrd="2" destOrd="0" presId="urn:microsoft.com/office/officeart/2018/5/layout/IconCircleLabelList"/>
-    <dgm:cxn modelId="{9077505F-1840-486E-A0DC-023BE9250068}" type="presParOf" srcId="{7E31D567-A901-410E-A8CD-48603426EC22}" destId="{7E62062D-17B2-48E7-812A-7B4FFFFBF8EE}" srcOrd="3" destOrd="0" presId="urn:microsoft.com/office/officeart/2018/5/layout/IconCircleLabelList"/>
-    <dgm:cxn modelId="{DD8551B7-FCC9-49A5-9237-86F5BCB8B306}" type="presParOf" srcId="{5FE6DFD1-4118-4863-95CB-D56C91622608}" destId="{2F8C290C-60F1-4E03-A57D-9360ABAC3758}" srcOrd="3" destOrd="0" presId="urn:microsoft.com/office/officeart/2018/5/layout/IconCircleLabelList"/>
-    <dgm:cxn modelId="{DAE76944-49B3-495D-83C4-A5862BE31869}" type="presParOf" srcId="{5FE6DFD1-4118-4863-95CB-D56C91622608}" destId="{A844D2DE-4884-4974-B705-7F71D9968C44}" srcOrd="4" destOrd="0" presId="urn:microsoft.com/office/officeart/2018/5/layout/IconCircleLabelList"/>
-    <dgm:cxn modelId="{57A4FA1C-F5F0-4EC2-B900-B927ABB81CBD}" type="presParOf" srcId="{A844D2DE-4884-4974-B705-7F71D9968C44}" destId="{F83FFC6D-C87D-4DBB-8FBD-4EFE5DD95418}" srcOrd="0" destOrd="0" presId="urn:microsoft.com/office/officeart/2018/5/layout/IconCircleLabelList"/>
-    <dgm:cxn modelId="{99982E9D-EA00-4AD7-ACAD-699BE9787BBA}" type="presParOf" srcId="{A844D2DE-4884-4974-B705-7F71D9968C44}" destId="{394F3AC3-17D1-48C9-8CE7-DE538BF8FE6B}" srcOrd="1" destOrd="0" presId="urn:microsoft.com/office/officeart/2018/5/layout/IconCircleLabelList"/>
-    <dgm:cxn modelId="{8ECE6823-7681-4F62-8656-CAE318FA7BD1}" type="presParOf" srcId="{A844D2DE-4884-4974-B705-7F71D9968C44}" destId="{4DCE1AA6-D6A7-4A9B-A14D-1A149CE62121}" srcOrd="2" destOrd="0" presId="urn:microsoft.com/office/officeart/2018/5/layout/IconCircleLabelList"/>
-    <dgm:cxn modelId="{5501441C-A2C4-44D1-90A9-7626FD82B098}" type="presParOf" srcId="{A844D2DE-4884-4974-B705-7F71D9968C44}" destId="{5628E3EC-BC5A-49D3-AC58-9BA2D50AAEE6}" srcOrd="3" destOrd="0" presId="urn:microsoft.com/office/officeart/2018/5/layout/IconCircleLabelList"/>
-    <dgm:cxn modelId="{F1C59D92-3C10-42F0-8DF6-0B40C1651231}" type="presParOf" srcId="{5FE6DFD1-4118-4863-95CB-D56C91622608}" destId="{376BF1B9-572A-46E8-9FF1-CFC0F37E7AB4}" srcOrd="5" destOrd="0" presId="urn:microsoft.com/office/officeart/2018/5/layout/IconCircleLabelList"/>
-    <dgm:cxn modelId="{BE0F835E-3C1A-461D-B74C-B7A71B30EA44}" type="presParOf" srcId="{5FE6DFD1-4118-4863-95CB-D56C91622608}" destId="{8D3A3C3D-4360-4106-8EAA-D00934224FFA}" srcOrd="6" destOrd="0" presId="urn:microsoft.com/office/officeart/2018/5/layout/IconCircleLabelList"/>
-    <dgm:cxn modelId="{2164450F-C136-4C4A-93AC-13DFE42A13A1}" type="presParOf" srcId="{8D3A3C3D-4360-4106-8EAA-D00934224FFA}" destId="{F9F87523-27B5-4B51-A800-2E0C15CF0E36}" srcOrd="0" destOrd="0" presId="urn:microsoft.com/office/officeart/2018/5/layout/IconCircleLabelList"/>
-    <dgm:cxn modelId="{E264A1E5-0DF7-4595-A2D9-4E233E12F23D}" type="presParOf" srcId="{8D3A3C3D-4360-4106-8EAA-D00934224FFA}" destId="{6729CC7E-F018-440B-8295-AF6809ACFE3F}" srcOrd="1" destOrd="0" presId="urn:microsoft.com/office/officeart/2018/5/layout/IconCircleLabelList"/>
-    <dgm:cxn modelId="{2602FE46-6C31-4D67-A34C-39A2FF5C1874}" type="presParOf" srcId="{8D3A3C3D-4360-4106-8EAA-D00934224FFA}" destId="{842BBE3D-B5EB-41A4-A3D5-AB62DD0F5D08}" srcOrd="2" destOrd="0" presId="urn:microsoft.com/office/officeart/2018/5/layout/IconCircleLabelList"/>
-    <dgm:cxn modelId="{CE55E118-23E6-4096-A3E2-04428CC5A0AB}" type="presParOf" srcId="{8D3A3C3D-4360-4106-8EAA-D00934224FFA}" destId="{210E1445-4916-4F1F-BCAD-74061885E78A}" srcOrd="3" destOrd="0" presId="urn:microsoft.com/office/officeart/2018/5/layout/IconCircleLabelList"/>
+    <dgm:cxn modelId="{65798155-F53D-44AC-91FB-F0477FA0C91D}" type="presOf" srcId="{6F642742-B878-428B-AD4C-25765030F206}" destId="{6BD70377-7620-498C-A594-BF8737CB609D}" srcOrd="0" destOrd="0" presId="urn:microsoft.com/office/officeart/2005/8/layout/hierarchy1"/>
+    <dgm:cxn modelId="{617597A1-7D8B-4FF3-957F-32A10C6B5F08}" type="presOf" srcId="{94E18D10-B90D-472C-95C0-53D6D38F1B19}" destId="{E5E3513B-4A1C-42FE-A125-FCE09F63E233}" srcOrd="0" destOrd="0" presId="urn:microsoft.com/office/officeart/2005/8/layout/hierarchy1"/>
+    <dgm:cxn modelId="{7E4533BB-F32A-4EF7-85D3-190BFCA8E9EC}" type="presOf" srcId="{DF7752D1-2E3C-42CA-B2D8-B57BCAE9CE43}" destId="{7794D539-4311-4D92-9E13-3022302A5AE8}" srcOrd="0" destOrd="0" presId="urn:microsoft.com/office/officeart/2005/8/layout/hierarchy1"/>
+    <dgm:cxn modelId="{5473DBDC-2531-4388-82CD-086A99CEB9EF}" type="presOf" srcId="{72EA2EE4-2CD1-4010-BF6C-40B08D5AD222}" destId="{D102764B-DD34-4F8D-9F47-9D66B7B88E7E}" srcOrd="0" destOrd="0" presId="urn:microsoft.com/office/officeart/2005/8/layout/hierarchy1"/>
+    <dgm:cxn modelId="{69D5221D-BA4A-465F-B2FD-778BDFEAF9BD}" type="presParOf" srcId="{E5E3513B-4A1C-42FE-A125-FCE09F63E233}" destId="{DC936F5B-1453-425B-85BD-B83A762286C1}" srcOrd="0" destOrd="0" presId="urn:microsoft.com/office/officeart/2005/8/layout/hierarchy1"/>
+    <dgm:cxn modelId="{3CF054BB-131E-4BAE-8866-B983CE6B53AC}" type="presParOf" srcId="{DC936F5B-1453-425B-85BD-B83A762286C1}" destId="{8D20FC70-CA51-455A-84B4-98CFFEC848B0}" srcOrd="0" destOrd="0" presId="urn:microsoft.com/office/officeart/2005/8/layout/hierarchy1"/>
+    <dgm:cxn modelId="{EA0AB56D-FB12-4F66-83EC-77D628B6ED83}" type="presParOf" srcId="{8D20FC70-CA51-455A-84B4-98CFFEC848B0}" destId="{99127D82-7460-4673-BC56-DE7A4ABC9A1C}" srcOrd="0" destOrd="0" presId="urn:microsoft.com/office/officeart/2005/8/layout/hierarchy1"/>
+    <dgm:cxn modelId="{18C851AE-1996-4081-8E61-CCD987C1F2CB}" type="presParOf" srcId="{8D20FC70-CA51-455A-84B4-98CFFEC848B0}" destId="{7794D539-4311-4D92-9E13-3022302A5AE8}" srcOrd="1" destOrd="0" presId="urn:microsoft.com/office/officeart/2005/8/layout/hierarchy1"/>
+    <dgm:cxn modelId="{A7C15104-8A5C-4C07-98AB-DC171D2101AA}" type="presParOf" srcId="{DC936F5B-1453-425B-85BD-B83A762286C1}" destId="{77CF8D83-8AB8-49C1-80FA-AEADFEE1555C}" srcOrd="1" destOrd="0" presId="urn:microsoft.com/office/officeart/2005/8/layout/hierarchy1"/>
+    <dgm:cxn modelId="{91916043-913C-4217-9F36-7F22383F7E33}" type="presParOf" srcId="{E5E3513B-4A1C-42FE-A125-FCE09F63E233}" destId="{6AC79A97-FB95-4AE9-B011-6D12A8B8A42B}" srcOrd="1" destOrd="0" presId="urn:microsoft.com/office/officeart/2005/8/layout/hierarchy1"/>
+    <dgm:cxn modelId="{E090B5FF-2876-4F6D-8ACC-39D6CBBBC030}" type="presParOf" srcId="{6AC79A97-FB95-4AE9-B011-6D12A8B8A42B}" destId="{D9817DD6-0DE8-47A0-B289-EC6373BA57B9}" srcOrd="0" destOrd="0" presId="urn:microsoft.com/office/officeart/2005/8/layout/hierarchy1"/>
+    <dgm:cxn modelId="{77E67D8B-48AF-418A-BF26-CE7EF63A6B75}" type="presParOf" srcId="{D9817DD6-0DE8-47A0-B289-EC6373BA57B9}" destId="{6D1E4326-84F6-4804-8647-7BEE4F755022}" srcOrd="0" destOrd="0" presId="urn:microsoft.com/office/officeart/2005/8/layout/hierarchy1"/>
+    <dgm:cxn modelId="{76967EC6-3A34-4D7F-B9A1-A0E6A91938A7}" type="presParOf" srcId="{D9817DD6-0DE8-47A0-B289-EC6373BA57B9}" destId="{81CB6BA2-4184-44AE-A6A9-36628B72042D}" srcOrd="1" destOrd="0" presId="urn:microsoft.com/office/officeart/2005/8/layout/hierarchy1"/>
+    <dgm:cxn modelId="{46EBC39A-DB71-4D59-986A-0F430C277A20}" type="presParOf" srcId="{6AC79A97-FB95-4AE9-B011-6D12A8B8A42B}" destId="{ED7E29A5-AFC5-4536-917C-EF3ED7A6953D}" srcOrd="1" destOrd="0" presId="urn:microsoft.com/office/officeart/2005/8/layout/hierarchy1"/>
+    <dgm:cxn modelId="{ABE6986E-85D3-4874-9864-31791450E5CD}" type="presParOf" srcId="{E5E3513B-4A1C-42FE-A125-FCE09F63E233}" destId="{B8C12B4A-3848-4993-9C8E-11CFEF734C40}" srcOrd="2" destOrd="0" presId="urn:microsoft.com/office/officeart/2005/8/layout/hierarchy1"/>
+    <dgm:cxn modelId="{63772866-96DA-4E35-993B-96D0BA4AB75A}" type="presParOf" srcId="{B8C12B4A-3848-4993-9C8E-11CFEF734C40}" destId="{4678FD3C-743D-42C2-921B-E90F0C3A9C26}" srcOrd="0" destOrd="0" presId="urn:microsoft.com/office/officeart/2005/8/layout/hierarchy1"/>
+    <dgm:cxn modelId="{E593A66F-C36D-4CA1-801A-AD65E5728B67}" type="presParOf" srcId="{4678FD3C-743D-42C2-921B-E90F0C3A9C26}" destId="{724C8D02-51F6-4A44-B90C-89384AD8DC59}" srcOrd="0" destOrd="0" presId="urn:microsoft.com/office/officeart/2005/8/layout/hierarchy1"/>
+    <dgm:cxn modelId="{653B50DD-2E37-46C0-A8C4-10C8AA0DDC99}" type="presParOf" srcId="{4678FD3C-743D-42C2-921B-E90F0C3A9C26}" destId="{6BD70377-7620-498C-A594-BF8737CB609D}" srcOrd="1" destOrd="0" presId="urn:microsoft.com/office/officeart/2005/8/layout/hierarchy1"/>
+    <dgm:cxn modelId="{A7CDFFB1-BEE6-4A33-991A-6E711291840D}" type="presParOf" srcId="{B8C12B4A-3848-4993-9C8E-11CFEF734C40}" destId="{234D30E9-EE8E-41F0-B3FD-ACC5A1B97BB1}" srcOrd="1" destOrd="0" presId="urn:microsoft.com/office/officeart/2005/8/layout/hierarchy1"/>
+    <dgm:cxn modelId="{98FB5ACB-F4B6-4BDB-ADC7-D53E57E86FA2}" type="presParOf" srcId="{E5E3513B-4A1C-42FE-A125-FCE09F63E233}" destId="{DE854F82-B909-4492-9654-8ED490F76EC9}" srcOrd="3" destOrd="0" presId="urn:microsoft.com/office/officeart/2005/8/layout/hierarchy1"/>
+    <dgm:cxn modelId="{F421FD44-F4AB-4B83-86D4-0D650EACB20C}" type="presParOf" srcId="{DE854F82-B909-4492-9654-8ED490F76EC9}" destId="{B07BF014-36F2-488E-89FD-BDF2A6F51A71}" srcOrd="0" destOrd="0" presId="urn:microsoft.com/office/officeart/2005/8/layout/hierarchy1"/>
+    <dgm:cxn modelId="{B9C12A03-2335-4EAA-9397-E0DE7A3B655F}" type="presParOf" srcId="{B07BF014-36F2-488E-89FD-BDF2A6F51A71}" destId="{6CCB6C09-ED7D-4EA9-95B6-59931091D442}" srcOrd="0" destOrd="0" presId="urn:microsoft.com/office/officeart/2005/8/layout/hierarchy1"/>
+    <dgm:cxn modelId="{D735BC91-2397-48DB-983A-B1B1D469467D}" type="presParOf" srcId="{B07BF014-36F2-488E-89FD-BDF2A6F51A71}" destId="{D102764B-DD34-4F8D-9F47-9D66B7B88E7E}" srcOrd="1" destOrd="0" presId="urn:microsoft.com/office/officeart/2005/8/layout/hierarchy1"/>
+    <dgm:cxn modelId="{4D7AE990-F466-482C-987D-F30D74728603}" type="presParOf" srcId="{DE854F82-B909-4492-9654-8ED490F76EC9}" destId="{90ABB348-9141-4489-A392-B122F7E9FB4A}" srcOrd="1" destOrd="0" presId="urn:microsoft.com/office/officeart/2005/8/layout/hierarchy1"/>
   </dgm:cxnLst>
   <dgm:bg/>
   <dgm:whole/>
   <dgm:extLst>
     <a:ext uri="http://schemas.microsoft.com/office/drawing/2008/diagram">
-      <dsp:dataModelExt xmlns:dsp="http://schemas.microsoft.com/office/drawing/2008/diagram" relId="rId6" minVer="http://schemas.openxmlformats.org/drawingml/2006/diagram"/>
+      <dsp:dataModelExt xmlns:dsp="http://schemas.microsoft.com/office/drawing/2008/diagram" relId="rId7" minVer="http://schemas.openxmlformats.org/drawingml/2006/diagram"/>
     </a:ext>
   </dgm:extLst>
 </dgm:dataModel>
@@ -6654,75 +6362,38 @@
       <dsp:cNvGrpSpPr/>
     </dsp:nvGrpSpPr>
     <dsp:grpSpPr/>
-    <dsp:sp modelId="{1819D2BB-6C48-4682-A278-207BA19EF70F}">
+    <dsp:sp modelId="{99127D82-7460-4673-BC56-DE7A4ABC9A1C}">
       <dsp:nvSpPr>
         <dsp:cNvPr id="0" name=""/>
         <dsp:cNvSpPr/>
       </dsp:nvSpPr>
       <dsp:spPr>
         <a:xfrm>
-          <a:off x="1069931" y="20619"/>
-          <a:ext cx="1373413" cy="1373413"/>
+          <a:off x="2964" y="781891"/>
+          <a:ext cx="2116764" cy="1344145"/>
         </a:xfrm>
-        <a:prstGeom prst="ellipse">
-          <a:avLst/>
+        <a:prstGeom prst="roundRect">
+          <a:avLst>
+            <a:gd name="adj" fmla="val 10000"/>
+          </a:avLst>
         </a:prstGeom>
         <a:solidFill>
-          <a:schemeClr val="accent2">
+          <a:schemeClr val="dk2">
             <a:hueOff val="0"/>
             <a:satOff val="0"/>
             <a:lumOff val="0"/>
             <a:alphaOff val="0"/>
           </a:schemeClr>
         </a:solidFill>
-        <a:ln>
-          <a:noFill/>
-        </a:ln>
-        <a:effectLst/>
-      </dsp:spPr>
-      <dsp:style>
-        <a:lnRef idx="0">
-          <a:scrgbClr r="0" g="0" b="0"/>
-        </a:lnRef>
-        <a:fillRef idx="1">
-          <a:scrgbClr r="0" g="0" b="0"/>
-        </a:fillRef>
-        <a:effectRef idx="0">
-          <a:scrgbClr r="0" g="0" b="0"/>
-        </a:effectRef>
-        <a:fontRef idx="minor"/>
-      </dsp:style>
-    </dsp:sp>
-    <dsp:sp modelId="{BCA357B3-1BBB-420A-AD65-FF9EE2B70690}">
-      <dsp:nvSpPr>
-        <dsp:cNvPr id="0" name=""/>
-        <dsp:cNvSpPr/>
-      </dsp:nvSpPr>
-      <dsp:spPr>
-        <a:xfrm>
-          <a:off x="1312666" y="314964"/>
-          <a:ext cx="788023" cy="788023"/>
-        </a:xfrm>
-        <a:prstGeom prst="rect">
-          <a:avLst/>
-        </a:prstGeom>
-        <a:blipFill>
-          <a:blip xmlns:r="http://schemas.openxmlformats.org/officeDocument/2006/relationships" r:embed="rId1">
-            <a:extLst>
-              <a:ext uri="{28A0092B-C50C-407E-A947-70E740481C1C}">
-                <a14:useLocalDpi xmlns:a14="http://schemas.microsoft.com/office/drawing/2010/main" val="0"/>
-              </a:ext>
-              <a:ext uri="{96DAC541-7B7A-43D3-8B79-37D633B846F1}">
-                <asvg:svgBlip xmlns:asvg="http://schemas.microsoft.com/office/drawing/2016/SVG/main" r:embed="rId2"/>
-              </a:ext>
-            </a:extLst>
-          </a:blip>
-          <a:stretch>
-            <a:fillRect/>
-          </a:stretch>
-        </a:blipFill>
         <a:ln w="12700" cap="flat" cmpd="sng" algn="ctr">
-          <a:noFill/>
+          <a:solidFill>
+            <a:schemeClr val="lt2">
+              <a:hueOff val="0"/>
+              <a:satOff val="0"/>
+              <a:lumOff val="0"/>
+              <a:alphaOff val="0"/>
+            </a:schemeClr>
+          </a:solidFill>
           <a:prstDash val="solid"/>
           <a:miter lim="800000"/>
         </a:ln>
@@ -6743,30 +6414,49 @@
         </a:fontRef>
       </dsp:style>
     </dsp:sp>
-    <dsp:sp modelId="{A1341FCE-88A2-46F4-83D5-8FFA550C3D2F}">
+    <dsp:sp modelId="{7794D539-4311-4D92-9E13-3022302A5AE8}">
       <dsp:nvSpPr>
         <dsp:cNvPr id="0" name=""/>
         <dsp:cNvSpPr/>
       </dsp:nvSpPr>
       <dsp:spPr>
         <a:xfrm>
-          <a:off x="599612" y="1769261"/>
-          <a:ext cx="2251496" cy="855000"/>
+          <a:off x="238160" y="1005327"/>
+          <a:ext cx="2116764" cy="1344145"/>
         </a:xfrm>
-        <a:prstGeom prst="rect">
-          <a:avLst/>
+        <a:prstGeom prst="roundRect">
+          <a:avLst>
+            <a:gd name="adj" fmla="val 10000"/>
+          </a:avLst>
         </a:prstGeom>
-        <a:noFill/>
-        <a:ln>
-          <a:noFill/>
+        <a:solidFill>
+          <a:schemeClr val="lt2">
+            <a:alpha val="90000"/>
+            <a:hueOff val="0"/>
+            <a:satOff val="0"/>
+            <a:lumOff val="0"/>
+            <a:alphaOff val="0"/>
+          </a:schemeClr>
+        </a:solidFill>
+        <a:ln w="12700" cap="flat" cmpd="sng" algn="ctr">
+          <a:solidFill>
+            <a:schemeClr val="dk2">
+              <a:hueOff val="0"/>
+              <a:satOff val="0"/>
+              <a:lumOff val="0"/>
+              <a:alphaOff val="0"/>
+            </a:schemeClr>
+          </a:solidFill>
+          <a:prstDash val="solid"/>
+          <a:miter lim="800000"/>
         </a:ln>
         <a:effectLst/>
       </dsp:spPr>
       <dsp:style>
-        <a:lnRef idx="0">
+        <a:lnRef idx="2">
           <a:scrgbClr r="0" g="0" b="0"/>
         </a:lnRef>
-        <a:fillRef idx="0">
+        <a:fillRef idx="1">
           <a:scrgbClr r="0" g="0" b="0"/>
         </a:fillRef>
         <a:effectRef idx="0">
@@ -6775,14 +6465,14 @@
         <a:fontRef idx="minor"/>
       </dsp:style>
       <dsp:txBody>
-        <a:bodyPr spcFirstLastPara="0" vert="horz" wrap="square" lIns="0" tIns="0" rIns="0" bIns="0" numCol="1" spcCol="1270" anchor="t" anchorCtr="0">
+        <a:bodyPr spcFirstLastPara="0" vert="horz" wrap="square" lIns="83820" tIns="83820" rIns="83820" bIns="83820" numCol="1" spcCol="1270" anchor="ctr" anchorCtr="0">
           <a:noAutofit/>
         </a:bodyPr>
         <a:lstStyle/>
         <a:p>
-          <a:pPr marL="0" lvl="0" indent="0" algn="ctr" defTabSz="889000">
+          <a:pPr marL="0" lvl="0" indent="0" algn="ctr" defTabSz="977900">
             <a:lnSpc>
-              <a:spcPct val="100000"/>
+              <a:spcPct val="90000"/>
             </a:lnSpc>
             <a:spcBef>
               <a:spcPct val="0"/>
@@ -6794,21 +6484,21 @@
             <a:defRPr cap="all"/>
           </a:pPr>
           <a:r>
-            <a:rPr lang="en-US" sz="2000" kern="1200">
+            <a:rPr lang="en-US" sz="2200" kern="1200">
               <a:latin typeface="Arial" panose="020B0604020202020204" pitchFamily="34" charset="0"/>
               <a:cs typeface="Arial" panose="020B0604020202020204" pitchFamily="34" charset="0"/>
             </a:rPr>
             <a:t>Khả năng t</a:t>
           </a:r>
           <a:r>
-            <a:rPr lang="vi-VN" sz="2000" kern="1200">
+            <a:rPr lang="vi-VN" sz="2200" kern="1200">
               <a:latin typeface="Arial" panose="020B0604020202020204" pitchFamily="34" charset="0"/>
               <a:cs typeface="Arial" panose="020B0604020202020204" pitchFamily="34" charset="0"/>
             </a:rPr>
             <a:t>ư</a:t>
           </a:r>
           <a:r>
-            <a:rPr lang="en-US" sz="2000" kern="1200">
+            <a:rPr lang="en-US" sz="2200" kern="1200">
               <a:latin typeface="Arial" panose="020B0604020202020204" pitchFamily="34" charset="0"/>
               <a:cs typeface="Arial" panose="020B0604020202020204" pitchFamily="34" charset="0"/>
             </a:rPr>
@@ -6817,79 +6507,42 @@
         </a:p>
       </dsp:txBody>
       <dsp:txXfrm>
-        <a:off x="599612" y="1769261"/>
-        <a:ext cx="2251496" cy="855000"/>
+        <a:off x="277529" y="1044696"/>
+        <a:ext cx="2038026" cy="1265407"/>
       </dsp:txXfrm>
     </dsp:sp>
-    <dsp:sp modelId="{1FEFFF37-2AC8-458D-9D94-42DDA1CDA742}">
+    <dsp:sp modelId="{6D1E4326-84F6-4804-8647-7BEE4F755022}">
       <dsp:nvSpPr>
         <dsp:cNvPr id="0" name=""/>
         <dsp:cNvSpPr/>
       </dsp:nvSpPr>
       <dsp:spPr>
         <a:xfrm>
-          <a:off x="4293633" y="20619"/>
-          <a:ext cx="1373413" cy="1373413"/>
+          <a:off x="2590121" y="781891"/>
+          <a:ext cx="2116764" cy="1344145"/>
         </a:xfrm>
-        <a:prstGeom prst="ellipse">
-          <a:avLst/>
+        <a:prstGeom prst="roundRect">
+          <a:avLst>
+            <a:gd name="adj" fmla="val 10000"/>
+          </a:avLst>
         </a:prstGeom>
         <a:solidFill>
-          <a:schemeClr val="accent3">
+          <a:schemeClr val="dk2">
             <a:hueOff val="0"/>
             <a:satOff val="0"/>
             <a:lumOff val="0"/>
             <a:alphaOff val="0"/>
           </a:schemeClr>
         </a:solidFill>
-        <a:ln>
-          <a:noFill/>
-        </a:ln>
-        <a:effectLst/>
-      </dsp:spPr>
-      <dsp:style>
-        <a:lnRef idx="0">
-          <a:scrgbClr r="0" g="0" b="0"/>
-        </a:lnRef>
-        <a:fillRef idx="1">
-          <a:scrgbClr r="0" g="0" b="0"/>
-        </a:fillRef>
-        <a:effectRef idx="0">
-          <a:scrgbClr r="0" g="0" b="0"/>
-        </a:effectRef>
-        <a:fontRef idx="minor"/>
-      </dsp:style>
-    </dsp:sp>
-    <dsp:sp modelId="{4FD128BB-904B-4BD0-8037-DB3772030DC5}">
-      <dsp:nvSpPr>
-        <dsp:cNvPr id="0" name=""/>
-        <dsp:cNvSpPr/>
-      </dsp:nvSpPr>
-      <dsp:spPr>
-        <a:xfrm>
-          <a:off x="4586332" y="313309"/>
-          <a:ext cx="788023" cy="788023"/>
-        </a:xfrm>
-        <a:prstGeom prst="rect">
-          <a:avLst/>
-        </a:prstGeom>
-        <a:blipFill>
-          <a:blip xmlns:r="http://schemas.openxmlformats.org/officeDocument/2006/relationships" r:embed="rId3">
-            <a:extLst>
-              <a:ext uri="{28A0092B-C50C-407E-A947-70E740481C1C}">
-                <a14:useLocalDpi xmlns:a14="http://schemas.microsoft.com/office/drawing/2010/main" val="0"/>
-              </a:ext>
-              <a:ext uri="{96DAC541-7B7A-43D3-8B79-37D633B846F1}">
-                <asvg:svgBlip xmlns:asvg="http://schemas.microsoft.com/office/drawing/2016/SVG/main" r:embed="rId4"/>
-              </a:ext>
-            </a:extLst>
-          </a:blip>
-          <a:stretch>
-            <a:fillRect/>
-          </a:stretch>
-        </a:blipFill>
         <a:ln w="12700" cap="flat" cmpd="sng" algn="ctr">
-          <a:noFill/>
+          <a:solidFill>
+            <a:schemeClr val="lt2">
+              <a:hueOff val="0"/>
+              <a:satOff val="0"/>
+              <a:lumOff val="0"/>
+              <a:alphaOff val="0"/>
+            </a:schemeClr>
+          </a:solidFill>
           <a:prstDash val="solid"/>
           <a:miter lim="800000"/>
         </a:ln>
@@ -6910,30 +6563,49 @@
         </a:fontRef>
       </dsp:style>
     </dsp:sp>
-    <dsp:sp modelId="{7E62062D-17B2-48E7-812A-7B4FFFFBF8EE}">
+    <dsp:sp modelId="{81CB6BA2-4184-44AE-A6A9-36628B72042D}">
       <dsp:nvSpPr>
         <dsp:cNvPr id="0" name=""/>
         <dsp:cNvSpPr/>
       </dsp:nvSpPr>
       <dsp:spPr>
         <a:xfrm>
-          <a:off x="3747025" y="1819783"/>
-          <a:ext cx="2251496" cy="855000"/>
+          <a:off x="2825317" y="1005327"/>
+          <a:ext cx="2116764" cy="1344145"/>
         </a:xfrm>
-        <a:prstGeom prst="rect">
-          <a:avLst/>
+        <a:prstGeom prst="roundRect">
+          <a:avLst>
+            <a:gd name="adj" fmla="val 10000"/>
+          </a:avLst>
         </a:prstGeom>
-        <a:noFill/>
-        <a:ln>
-          <a:noFill/>
+        <a:solidFill>
+          <a:schemeClr val="lt2">
+            <a:alpha val="90000"/>
+            <a:hueOff val="0"/>
+            <a:satOff val="0"/>
+            <a:lumOff val="0"/>
+            <a:alphaOff val="0"/>
+          </a:schemeClr>
+        </a:solidFill>
+        <a:ln w="12700" cap="flat" cmpd="sng" algn="ctr">
+          <a:solidFill>
+            <a:schemeClr val="dk2">
+              <a:hueOff val="0"/>
+              <a:satOff val="0"/>
+              <a:lumOff val="0"/>
+              <a:alphaOff val="0"/>
+            </a:schemeClr>
+          </a:solidFill>
+          <a:prstDash val="solid"/>
+          <a:miter lim="800000"/>
         </a:ln>
         <a:effectLst/>
       </dsp:spPr>
       <dsp:style>
-        <a:lnRef idx="0">
+        <a:lnRef idx="2">
           <a:scrgbClr r="0" g="0" b="0"/>
         </a:lnRef>
-        <a:fillRef idx="0">
+        <a:fillRef idx="1">
           <a:scrgbClr r="0" g="0" b="0"/>
         </a:fillRef>
         <a:effectRef idx="0">
@@ -6942,14 +6614,14 @@
         <a:fontRef idx="minor"/>
       </dsp:style>
       <dsp:txBody>
-        <a:bodyPr spcFirstLastPara="0" vert="horz" wrap="square" lIns="0" tIns="0" rIns="0" bIns="0" numCol="1" spcCol="1270" anchor="t" anchorCtr="0">
+        <a:bodyPr spcFirstLastPara="0" vert="horz" wrap="square" lIns="83820" tIns="83820" rIns="83820" bIns="83820" numCol="1" spcCol="1270" anchor="ctr" anchorCtr="0">
           <a:noAutofit/>
         </a:bodyPr>
         <a:lstStyle/>
         <a:p>
-          <a:pPr marL="0" lvl="0" indent="0" algn="ctr" defTabSz="889000">
+          <a:pPr marL="0" lvl="0" indent="0" algn="ctr" defTabSz="977900">
             <a:lnSpc>
-              <a:spcPct val="100000"/>
+              <a:spcPct val="90000"/>
             </a:lnSpc>
             <a:spcBef>
               <a:spcPct val="0"/>
@@ -6961,7 +6633,7 @@
             <a:defRPr cap="all"/>
           </a:pPr>
           <a:r>
-            <a:rPr lang="en-US" sz="2000" kern="1200">
+            <a:rPr lang="en-US" sz="2200" kern="1200">
               <a:latin typeface="Arial" panose="020B0604020202020204" pitchFamily="34" charset="0"/>
               <a:cs typeface="Arial" panose="020B0604020202020204" pitchFamily="34" charset="0"/>
             </a:rPr>
@@ -6970,79 +6642,42 @@
         </a:p>
       </dsp:txBody>
       <dsp:txXfrm>
-        <a:off x="3747025" y="1819783"/>
-        <a:ext cx="2251496" cy="855000"/>
+        <a:off x="2864686" y="1044696"/>
+        <a:ext cx="2038026" cy="1265407"/>
       </dsp:txXfrm>
     </dsp:sp>
-    <dsp:sp modelId="{F83FFC6D-C87D-4DBB-8FBD-4EFE5DD95418}">
+    <dsp:sp modelId="{724C8D02-51F6-4A44-B90C-89384AD8DC59}">
       <dsp:nvSpPr>
         <dsp:cNvPr id="0" name=""/>
         <dsp:cNvSpPr/>
       </dsp:nvSpPr>
       <dsp:spPr>
         <a:xfrm>
-          <a:off x="1083377" y="3253398"/>
-          <a:ext cx="1373413" cy="1373413"/>
+          <a:off x="5177278" y="781891"/>
+          <a:ext cx="2116764" cy="1344145"/>
         </a:xfrm>
-        <a:prstGeom prst="ellipse">
-          <a:avLst/>
+        <a:prstGeom prst="roundRect">
+          <a:avLst>
+            <a:gd name="adj" fmla="val 10000"/>
+          </a:avLst>
         </a:prstGeom>
         <a:solidFill>
-          <a:schemeClr val="accent4">
+          <a:schemeClr val="dk2">
             <a:hueOff val="0"/>
             <a:satOff val="0"/>
             <a:lumOff val="0"/>
             <a:alphaOff val="0"/>
           </a:schemeClr>
         </a:solidFill>
-        <a:ln>
-          <a:noFill/>
-        </a:ln>
-        <a:effectLst/>
-      </dsp:spPr>
-      <dsp:style>
-        <a:lnRef idx="0">
-          <a:scrgbClr r="0" g="0" b="0"/>
-        </a:lnRef>
-        <a:fillRef idx="1">
-          <a:scrgbClr r="0" g="0" b="0"/>
-        </a:fillRef>
-        <a:effectRef idx="0">
-          <a:scrgbClr r="0" g="0" b="0"/>
-        </a:effectRef>
-        <a:fontRef idx="minor"/>
-      </dsp:style>
-    </dsp:sp>
-    <dsp:sp modelId="{394F3AC3-17D1-48C9-8CE7-DE538BF8FE6B}">
-      <dsp:nvSpPr>
-        <dsp:cNvPr id="0" name=""/>
-        <dsp:cNvSpPr/>
-      </dsp:nvSpPr>
-      <dsp:spPr>
-        <a:xfrm>
-          <a:off x="1376078" y="3546092"/>
-          <a:ext cx="788023" cy="788023"/>
-        </a:xfrm>
-        <a:prstGeom prst="rect">
-          <a:avLst/>
-        </a:prstGeom>
-        <a:blipFill>
-          <a:blip xmlns:r="http://schemas.openxmlformats.org/officeDocument/2006/relationships" r:embed="rId5">
-            <a:extLst>
-              <a:ext uri="{28A0092B-C50C-407E-A947-70E740481C1C}">
-                <a14:useLocalDpi xmlns:a14="http://schemas.microsoft.com/office/drawing/2010/main" val="0"/>
-              </a:ext>
-              <a:ext uri="{96DAC541-7B7A-43D3-8B79-37D633B846F1}">
-                <asvg:svgBlip xmlns:asvg="http://schemas.microsoft.com/office/drawing/2016/SVG/main" r:embed="rId6"/>
-              </a:ext>
-            </a:extLst>
-          </a:blip>
-          <a:stretch>
-            <a:fillRect/>
-          </a:stretch>
-        </a:blipFill>
         <a:ln w="12700" cap="flat" cmpd="sng" algn="ctr">
-          <a:noFill/>
+          <a:solidFill>
+            <a:schemeClr val="lt2">
+              <a:hueOff val="0"/>
+              <a:satOff val="0"/>
+              <a:lumOff val="0"/>
+              <a:alphaOff val="0"/>
+            </a:schemeClr>
+          </a:solidFill>
           <a:prstDash val="solid"/>
           <a:miter lim="800000"/>
         </a:ln>
@@ -7063,30 +6698,49 @@
         </a:fontRef>
       </dsp:style>
     </dsp:sp>
-    <dsp:sp modelId="{5628E3EC-BC5A-49D3-AC58-9BA2D50AAEE6}">
+    <dsp:sp modelId="{6BD70377-7620-498C-A594-BF8737CB609D}">
       <dsp:nvSpPr>
         <dsp:cNvPr id="0" name=""/>
         <dsp:cNvSpPr/>
       </dsp:nvSpPr>
       <dsp:spPr>
         <a:xfrm>
-          <a:off x="735918" y="4850011"/>
-          <a:ext cx="2251496" cy="855000"/>
+          <a:off x="5412474" y="1005327"/>
+          <a:ext cx="2116764" cy="1344145"/>
         </a:xfrm>
-        <a:prstGeom prst="rect">
-          <a:avLst/>
+        <a:prstGeom prst="roundRect">
+          <a:avLst>
+            <a:gd name="adj" fmla="val 10000"/>
+          </a:avLst>
         </a:prstGeom>
-        <a:noFill/>
-        <a:ln>
-          <a:noFill/>
+        <a:solidFill>
+          <a:schemeClr val="lt2">
+            <a:alpha val="90000"/>
+            <a:hueOff val="0"/>
+            <a:satOff val="0"/>
+            <a:lumOff val="0"/>
+            <a:alphaOff val="0"/>
+          </a:schemeClr>
+        </a:solidFill>
+        <a:ln w="12700" cap="flat" cmpd="sng" algn="ctr">
+          <a:solidFill>
+            <a:schemeClr val="dk2">
+              <a:hueOff val="0"/>
+              <a:satOff val="0"/>
+              <a:lumOff val="0"/>
+              <a:alphaOff val="0"/>
+            </a:schemeClr>
+          </a:solidFill>
+          <a:prstDash val="solid"/>
+          <a:miter lim="800000"/>
         </a:ln>
         <a:effectLst/>
       </dsp:spPr>
       <dsp:style>
-        <a:lnRef idx="0">
+        <a:lnRef idx="2">
           <a:scrgbClr r="0" g="0" b="0"/>
         </a:lnRef>
-        <a:fillRef idx="0">
+        <a:fillRef idx="1">
           <a:scrgbClr r="0" g="0" b="0"/>
         </a:fillRef>
         <a:effectRef idx="0">
@@ -7095,14 +6749,14 @@
         <a:fontRef idx="minor"/>
       </dsp:style>
       <dsp:txBody>
-        <a:bodyPr spcFirstLastPara="0" vert="horz" wrap="square" lIns="0" tIns="0" rIns="0" bIns="0" numCol="1" spcCol="1270" anchor="t" anchorCtr="0">
+        <a:bodyPr spcFirstLastPara="0" vert="horz" wrap="square" lIns="83820" tIns="83820" rIns="83820" bIns="83820" numCol="1" spcCol="1270" anchor="ctr" anchorCtr="0">
           <a:noAutofit/>
         </a:bodyPr>
         <a:lstStyle/>
         <a:p>
-          <a:pPr marL="0" lvl="0" indent="0" algn="ctr" defTabSz="889000">
+          <a:pPr marL="0" lvl="0" indent="0" algn="ctr" defTabSz="977900">
             <a:lnSpc>
-              <a:spcPct val="100000"/>
+              <a:spcPct val="90000"/>
             </a:lnSpc>
             <a:spcBef>
               <a:spcPct val="0"/>
@@ -7114,7 +6768,7 @@
             <a:defRPr cap="all"/>
           </a:pPr>
           <a:r>
-            <a:rPr lang="en-US" sz="2000" kern="1200">
+            <a:rPr lang="en-US" sz="2200" kern="1200">
               <a:latin typeface="Arial" panose="020B0604020202020204" pitchFamily="34" charset="0"/>
               <a:cs typeface="Arial" panose="020B0604020202020204" pitchFamily="34" charset="0"/>
             </a:rPr>
@@ -7123,79 +6777,42 @@
         </a:p>
       </dsp:txBody>
       <dsp:txXfrm>
-        <a:off x="735918" y="4850011"/>
-        <a:ext cx="2251496" cy="855000"/>
+        <a:off x="5451843" y="1044696"/>
+        <a:ext cx="2038026" cy="1265407"/>
       </dsp:txXfrm>
     </dsp:sp>
-    <dsp:sp modelId="{F9F87523-27B5-4B51-A800-2E0C15CF0E36}">
+    <dsp:sp modelId="{6CCB6C09-ED7D-4EA9-95B6-59931091D442}">
       <dsp:nvSpPr>
         <dsp:cNvPr id="0" name=""/>
         <dsp:cNvSpPr/>
       </dsp:nvSpPr>
       <dsp:spPr>
         <a:xfrm>
-          <a:off x="4454995" y="3239952"/>
-          <a:ext cx="1373413" cy="1373413"/>
+          <a:off x="7764434" y="781891"/>
+          <a:ext cx="2116764" cy="1344145"/>
         </a:xfrm>
-        <a:prstGeom prst="ellipse">
-          <a:avLst/>
+        <a:prstGeom prst="roundRect">
+          <a:avLst>
+            <a:gd name="adj" fmla="val 10000"/>
+          </a:avLst>
         </a:prstGeom>
         <a:solidFill>
-          <a:schemeClr val="accent5">
+          <a:schemeClr val="dk2">
             <a:hueOff val="0"/>
             <a:satOff val="0"/>
             <a:lumOff val="0"/>
             <a:alphaOff val="0"/>
           </a:schemeClr>
         </a:solidFill>
-        <a:ln>
-          <a:noFill/>
-        </a:ln>
-        <a:effectLst/>
-      </dsp:spPr>
-      <dsp:style>
-        <a:lnRef idx="0">
-          <a:scrgbClr r="0" g="0" b="0"/>
-        </a:lnRef>
-        <a:fillRef idx="1">
-          <a:scrgbClr r="0" g="0" b="0"/>
-        </a:fillRef>
-        <a:effectRef idx="0">
-          <a:scrgbClr r="0" g="0" b="0"/>
-        </a:effectRef>
-        <a:fontRef idx="minor"/>
-      </dsp:style>
-    </dsp:sp>
-    <dsp:sp modelId="{6729CC7E-F018-440B-8295-AF6809ACFE3F}">
-      <dsp:nvSpPr>
-        <dsp:cNvPr id="0" name=""/>
-        <dsp:cNvSpPr/>
-      </dsp:nvSpPr>
-      <dsp:spPr>
-        <a:xfrm>
-          <a:off x="4747688" y="3532649"/>
-          <a:ext cx="788023" cy="788023"/>
-        </a:xfrm>
-        <a:prstGeom prst="rect">
-          <a:avLst/>
-        </a:prstGeom>
-        <a:blipFill>
-          <a:blip xmlns:r="http://schemas.openxmlformats.org/officeDocument/2006/relationships" r:embed="rId7">
-            <a:extLst>
-              <a:ext uri="{28A0092B-C50C-407E-A947-70E740481C1C}">
-                <a14:useLocalDpi xmlns:a14="http://schemas.microsoft.com/office/drawing/2010/main" val="0"/>
-              </a:ext>
-              <a:ext uri="{96DAC541-7B7A-43D3-8B79-37D633B846F1}">
-                <asvg:svgBlip xmlns:asvg="http://schemas.microsoft.com/office/drawing/2016/SVG/main" r:embed="rId8"/>
-              </a:ext>
-            </a:extLst>
-          </a:blip>
-          <a:stretch>
-            <a:fillRect/>
-          </a:stretch>
-        </a:blipFill>
         <a:ln w="12700" cap="flat" cmpd="sng" algn="ctr">
-          <a:noFill/>
+          <a:solidFill>
+            <a:schemeClr val="lt2">
+              <a:hueOff val="0"/>
+              <a:satOff val="0"/>
+              <a:lumOff val="0"/>
+              <a:alphaOff val="0"/>
+            </a:schemeClr>
+          </a:solidFill>
           <a:prstDash val="solid"/>
           <a:miter lim="800000"/>
         </a:ln>
@@ -7216,30 +6833,49 @@
         </a:fontRef>
       </dsp:style>
     </dsp:sp>
-    <dsp:sp modelId="{210E1445-4916-4F1F-BCAD-74061885E78A}">
+    <dsp:sp modelId="{D102764B-DD34-4F8D-9F47-9D66B7B88E7E}">
       <dsp:nvSpPr>
         <dsp:cNvPr id="0" name=""/>
         <dsp:cNvSpPr/>
       </dsp:nvSpPr>
       <dsp:spPr>
         <a:xfrm>
-          <a:off x="3894926" y="4818538"/>
-          <a:ext cx="2251496" cy="855000"/>
+          <a:off x="7999630" y="1005327"/>
+          <a:ext cx="2116764" cy="1344145"/>
         </a:xfrm>
-        <a:prstGeom prst="rect">
-          <a:avLst/>
+        <a:prstGeom prst="roundRect">
+          <a:avLst>
+            <a:gd name="adj" fmla="val 10000"/>
+          </a:avLst>
         </a:prstGeom>
-        <a:noFill/>
-        <a:ln>
-          <a:noFill/>
+        <a:solidFill>
+          <a:schemeClr val="lt2">
+            <a:alpha val="90000"/>
+            <a:hueOff val="0"/>
+            <a:satOff val="0"/>
+            <a:lumOff val="0"/>
+            <a:alphaOff val="0"/>
+          </a:schemeClr>
+        </a:solidFill>
+        <a:ln w="12700" cap="flat" cmpd="sng" algn="ctr">
+          <a:solidFill>
+            <a:schemeClr val="dk2">
+              <a:hueOff val="0"/>
+              <a:satOff val="0"/>
+              <a:lumOff val="0"/>
+              <a:alphaOff val="0"/>
+            </a:schemeClr>
+          </a:solidFill>
+          <a:prstDash val="solid"/>
+          <a:miter lim="800000"/>
         </a:ln>
         <a:effectLst/>
       </dsp:spPr>
       <dsp:style>
-        <a:lnRef idx="0">
+        <a:lnRef idx="2">
           <a:scrgbClr r="0" g="0" b="0"/>
         </a:lnRef>
-        <a:fillRef idx="0">
+        <a:fillRef idx="1">
           <a:scrgbClr r="0" g="0" b="0"/>
         </a:fillRef>
         <a:effectRef idx="0">
@@ -7248,14 +6884,14 @@
         <a:fontRef idx="minor"/>
       </dsp:style>
       <dsp:txBody>
-        <a:bodyPr spcFirstLastPara="0" vert="horz" wrap="square" lIns="0" tIns="0" rIns="0" bIns="0" numCol="1" spcCol="1270" anchor="t" anchorCtr="0">
+        <a:bodyPr spcFirstLastPara="0" vert="horz" wrap="square" lIns="83820" tIns="83820" rIns="83820" bIns="83820" numCol="1" spcCol="1270" anchor="ctr" anchorCtr="0">
           <a:noAutofit/>
         </a:bodyPr>
         <a:lstStyle/>
         <a:p>
-          <a:pPr marL="0" lvl="0" indent="0" algn="ctr" defTabSz="889000">
+          <a:pPr marL="0" lvl="0" indent="0" algn="ctr" defTabSz="977900">
             <a:lnSpc>
-              <a:spcPct val="100000"/>
+              <a:spcPct val="90000"/>
             </a:lnSpc>
             <a:spcBef>
               <a:spcPct val="0"/>
@@ -7267,21 +6903,21 @@
             <a:defRPr cap="all"/>
           </a:pPr>
           <a:r>
-            <a:rPr lang="en-US" sz="2000" kern="1200">
+            <a:rPr lang="en-US" sz="2200" kern="1200">
               <a:latin typeface="Arial" panose="020B0604020202020204" pitchFamily="34" charset="0"/>
               <a:cs typeface="Arial" panose="020B0604020202020204" pitchFamily="34" charset="0"/>
             </a:rPr>
             <a:t>Phân quyền quyết định</a:t>
           </a:r>
           <a:br>
-            <a:rPr lang="en-US" sz="1500" kern="1200"/>
+            <a:rPr lang="en-US" sz="2200" kern="1200"/>
           </a:br>
-          <a:endParaRPr lang="en-US" sz="1500" kern="1200"/>
+          <a:endParaRPr lang="en-US" sz="2200" kern="1200"/>
         </a:p>
       </dsp:txBody>
       <dsp:txXfrm>
-        <a:off x="3894926" y="4818538"/>
-        <a:ext cx="2251496" cy="855000"/>
+        <a:off x="8038999" y="1044696"/>
+        <a:ext cx="2038026" cy="1265407"/>
       </dsp:txXfrm>
     </dsp:sp>
   </dsp:spTree>
@@ -8128,57 +7764,106 @@
 </file>
 
 <file path=ppt/diagrams/layout4.xml><?xml version="1.0" encoding="utf-8"?>
-<dgm:layoutDef xmlns:dgm="http://schemas.openxmlformats.org/drawingml/2006/diagram" xmlns:a="http://schemas.openxmlformats.org/drawingml/2006/main" uniqueId="urn:microsoft.com/office/officeart/2018/5/layout/IconCircleLabelList">
-  <dgm:title val="Icon Circle Label List"/>
-  <dgm:desc val="Use to show non-sequential or grouped chunks of information accompanied by a related visuals. Works best with icons or small pictures with short text captions."/>
+<dgm:layoutDef xmlns:dgm="http://schemas.openxmlformats.org/drawingml/2006/diagram" xmlns:a="http://schemas.openxmlformats.org/drawingml/2006/main" uniqueId="urn:microsoft.com/office/officeart/2005/8/layout/hierarchy1">
+  <dgm:title val=""/>
+  <dgm:desc val=""/>
   <dgm:catLst>
-    <dgm:cat type="icon" pri="500"/>
+    <dgm:cat type="hierarchy" pri="2000"/>
   </dgm:catLst>
-  <dgm:sampData useDef="1">
+  <dgm:sampData>
     <dgm:dataModel>
-      <dgm:ptLst/>
+      <dgm:ptLst>
+        <dgm:pt modelId="0" type="doc"/>
+        <dgm:pt modelId="1">
+          <dgm:prSet phldr="1"/>
+        </dgm:pt>
+        <dgm:pt modelId="2">
+          <dgm:prSet phldr="1"/>
+        </dgm:pt>
+        <dgm:pt modelId="21">
+          <dgm:prSet phldr="1"/>
+        </dgm:pt>
+        <dgm:pt modelId="22">
+          <dgm:prSet phldr="1"/>
+        </dgm:pt>
+        <dgm:pt modelId="3">
+          <dgm:prSet phldr="1"/>
+        </dgm:pt>
+        <dgm:pt modelId="31">
+          <dgm:prSet phldr="1"/>
+        </dgm:pt>
+      </dgm:ptLst>
+      <dgm:cxnLst>
+        <dgm:cxn modelId="4" srcId="0" destId="1" srcOrd="0" destOrd="0"/>
+        <dgm:cxn modelId="5" srcId="1" destId="2" srcOrd="0" destOrd="0"/>
+        <dgm:cxn modelId="6" srcId="1" destId="3" srcOrd="1" destOrd="0"/>
+        <dgm:cxn modelId="23" srcId="2" destId="21" srcOrd="0" destOrd="0"/>
+        <dgm:cxn modelId="24" srcId="2" destId="22" srcOrd="1" destOrd="0"/>
+        <dgm:cxn modelId="33" srcId="3" destId="31" srcOrd="0" destOrd="0"/>
+      </dgm:cxnLst>
       <dgm:bg/>
       <dgm:whole/>
     </dgm:dataModel>
   </dgm:sampData>
-  <dgm:styleData useDef="1">
+  <dgm:styleData>
     <dgm:dataModel>
-      <dgm:ptLst/>
+      <dgm:ptLst>
+        <dgm:pt modelId="0" type="doc"/>
+        <dgm:pt modelId="1"/>
+        <dgm:pt modelId="11"/>
+        <dgm:pt modelId="12"/>
+      </dgm:ptLst>
+      <dgm:cxnLst>
+        <dgm:cxn modelId="2" srcId="0" destId="1" srcOrd="0" destOrd="0"/>
+        <dgm:cxn modelId="13" srcId="1" destId="11" srcOrd="0" destOrd="0"/>
+        <dgm:cxn modelId="14" srcId="1" destId="12" srcOrd="1" destOrd="0"/>
+      </dgm:cxnLst>
       <dgm:bg/>
       <dgm:whole/>
     </dgm:dataModel>
   </dgm:styleData>
-  <dgm:clrData useDef="1">
+  <dgm:clrData>
     <dgm:dataModel>
-      <dgm:ptLst/>
+      <dgm:ptLst>
+        <dgm:pt modelId="0" type="doc"/>
+        <dgm:pt modelId="1"/>
+        <dgm:pt modelId="2"/>
+        <dgm:pt modelId="21"/>
+        <dgm:pt modelId="211"/>
+        <dgm:pt modelId="3"/>
+        <dgm:pt modelId="31"/>
+        <dgm:pt modelId="311"/>
+      </dgm:ptLst>
+      <dgm:cxnLst>
+        <dgm:cxn modelId="4" srcId="0" destId="1" srcOrd="0" destOrd="0"/>
+        <dgm:cxn modelId="5" srcId="1" destId="2" srcOrd="0" destOrd="0"/>
+        <dgm:cxn modelId="6" srcId="1" destId="3" srcOrd="1" destOrd="0"/>
+        <dgm:cxn modelId="23" srcId="2" destId="21" srcOrd="0" destOrd="0"/>
+        <dgm:cxn modelId="24" srcId="21" destId="211" srcOrd="0" destOrd="0"/>
+        <dgm:cxn modelId="33" srcId="3" destId="31" srcOrd="0" destOrd="0"/>
+        <dgm:cxn modelId="34" srcId="31" destId="311" srcOrd="0" destOrd="0"/>
+      </dgm:cxnLst>
       <dgm:bg/>
       <dgm:whole/>
     </dgm:dataModel>
   </dgm:clrData>
-  <dgm:layoutNode name="root">
+  <dgm:layoutNode name="hierChild1">
     <dgm:varLst>
+      <dgm:chPref val="1"/>
       <dgm:dir/>
-      <dgm:resizeHandles val="exact"/>
+      <dgm:animOne val="branch"/>
+      <dgm:animLvl val="lvl"/>
+      <dgm:resizeHandles/>
     </dgm:varLst>
     <dgm:choose name="Name0">
-      <dgm:if name="Name1" axis="self" func="var" arg="dir" op="equ" val="norm">
-        <dgm:alg type="snake">
-          <dgm:param type="grDir" val="tL"/>
-          <dgm:param type="flowDir" val="row"/>
-          <dgm:param type="contDir" val="sameDir"/>
-          <dgm:param type="off" val="ctr"/>
-          <dgm:param type="vertAlign" val="mid"/>
-          <dgm:param type="horzAlign" val="ctr"/>
+      <dgm:if name="Name1" func="var" arg="dir" op="equ" val="norm">
+        <dgm:alg type="hierChild">
+          <dgm:param type="linDir" val="fromL"/>
         </dgm:alg>
       </dgm:if>
       <dgm:else name="Name2">
-        <dgm:alg type="snake">
-          <dgm:param type="grDir" val="tR"/>
-          <dgm:param type="flowDir" val="row"/>
-          <dgm:param type="contDir" val="sameDir"/>
-          <dgm:param type="off" val="ctr"/>
-          <dgm:param type="vertAlign" val="mid"/>
-          <dgm:param type="horzAlign" val="ctr"/>
+        <dgm:alg type="hierChild">
+          <dgm:param type="linDir" val="fromR"/>
         </dgm:alg>
       </dgm:else>
     </dgm:choose>
@@ -8186,159 +7871,458 @@
       <dgm:adjLst/>
     </dgm:shape>
     <dgm:presOf/>
-    <dgm:choose name="Name3">
-      <dgm:if name="Name4" axis="ch" ptType="node" func="cnt" op="lte" val="2">
-        <dgm:constrLst>
-          <dgm:constr type="h" for="ch" forName="compNode" refType="h" fact="0.4"/>
-          <dgm:constr type="w" for="ch" forName="compNode" val="100"/>
-          <dgm:constr type="w" for="ch" forName="sibTrans" refType="w" refFor="ch" refForName="compNode" fact="0.175"/>
-          <dgm:constr type="sp" refType="w" refFor="ch" refForName="compNode" op="equ" fact="0.25"/>
-          <dgm:constr type="primFontSz" for="des" ptType="node" op="equ" val="44"/>
-          <dgm:constr type="h" for="des" forName="compNode" op="equ"/>
-          <dgm:constr type="h" for="des" forName="textRect" op="equ"/>
-        </dgm:constrLst>
-      </dgm:if>
-      <dgm:if name="Name5" axis="ch" ptType="node" func="cnt" op="lte" val="3">
-        <dgm:constrLst>
-          <dgm:constr type="h" for="ch" forName="compNode" refType="h" fact="0.4"/>
-          <dgm:constr type="w" for="ch" forName="compNode" val="100"/>
-          <dgm:constr type="w" for="ch" forName="sibTrans" refType="w" refFor="ch" refForName="compNode" fact="0.175"/>
-          <dgm:constr type="sp" refType="w" refFor="ch" refForName="compNode" op="equ" fact="0.25"/>
-          <dgm:constr type="primFontSz" for="des" ptType="node" op="equ" val="40"/>
-          <dgm:constr type="h" for="des" forName="compNode" op="equ"/>
-          <dgm:constr type="h" for="des" forName="textRect" op="equ"/>
-        </dgm:constrLst>
-      </dgm:if>
-      <dgm:if name="Name6" axis="ch" ptType="node" func="cnt" op="lte" val="4">
-        <dgm:constrLst>
-          <dgm:constr type="h" for="ch" forName="compNode" refType="h" fact="0.4"/>
-          <dgm:constr type="w" for="ch" forName="compNode" refType="w"/>
-          <dgm:constr type="w" for="ch" forName="sibTrans" refType="w" refFor="ch" refForName="compNode" fact="0.175"/>
-          <dgm:constr type="sp" refType="w" refFor="ch" refForName="compNode" op="equ" fact="0.25"/>
-          <dgm:constr type="primFontSz" for="des" ptType="node" op="equ" val="32"/>
-          <dgm:constr type="h" for="des" forName="compNode" op="equ"/>
-          <dgm:constr type="h" for="des" forName="textRect" op="equ"/>
-        </dgm:constrLst>
-      </dgm:if>
-      <dgm:else name="Name7">
-        <dgm:constrLst>
-          <dgm:constr type="h" for="ch" forName="compNode" refType="h" fact="0.4"/>
-          <dgm:constr type="w" for="ch" forName="compNode" refType="w"/>
-          <dgm:constr type="w" for="ch" forName="sibTrans" refType="w" refFor="ch" refForName="compNode" fact="0.175"/>
-          <dgm:constr type="sp" refType="w" refFor="ch" refForName="compNode" op="equ" fact="0.25"/>
-          <dgm:constr type="primFontSz" for="des" ptType="node" op="equ" val="24"/>
-          <dgm:constr type="h" for="des" forName="compNode" op="equ"/>
-          <dgm:constr type="h" for="des" forName="textRect" op="equ"/>
-        </dgm:constrLst>
-      </dgm:else>
-    </dgm:choose>
-    <dgm:ruleLst>
-      <dgm:rule type="w" for="ch" forName="compNode" val="50" fact="NaN" max="NaN"/>
-    </dgm:ruleLst>
-    <dgm:forEach name="Name8" axis="ch" ptType="node">
-      <dgm:layoutNode name="compNode">
-        <dgm:alg type="composite"/>
-        <dgm:shape xmlns:r="http://schemas.openxmlformats.org/officeDocument/2006/relationships" r:blip="">
-          <dgm:adjLst/>
-        </dgm:shape>
-        <dgm:presOf axis="self"/>
-        <dgm:constrLst>
-          <dgm:constr type="w" for="ch" forName="iconBgRect" refType="w" fact="0.61"/>
-          <dgm:constr type="h" for="ch" forName="iconBgRect" refType="w" refFor="ch" refForName="iconBgRect"/>
-          <dgm:constr type="t" for="ch" forName="iconBgRect"/>
-          <dgm:constr type="ctrX" for="ch" forName="iconBgRect" refType="w" fact="0.5"/>
-          <dgm:constr type="w" for="ch" forName="iconRect" refType="w" fact="0.35"/>
-          <dgm:constr type="h" for="ch" forName="iconRect" refType="w" refFor="ch" refForName="iconRect"/>
-          <dgm:constr type="ctrX" for="ch" forName="iconRect" refType="ctrX" refFor="ch" refForName="iconBgRect"/>
-          <dgm:constr type="ctrY" for="ch" forName="iconRect" refType="ctrY" refFor="ch" refForName="iconBgRect"/>
-          <dgm:constr type="h" for="ch" forName="spaceRect" refType="w" fact="0.19"/>
-          <dgm:constr type="w" for="ch" forName="spaceRect" refType="w"/>
-          <dgm:constr type="l" for="ch" forName="spaceRect"/>
-          <dgm:constr type="t" for="ch" forName="spaceRect" refType="b" refFor="ch" refForName="iconBgRect"/>
-          <dgm:constr type="h" for="ch" forName="textRect" val="20"/>
-          <dgm:constr type="w" for="ch" forName="textRect" refType="w"/>
-          <dgm:constr type="l" for="ch" forName="textRect"/>
-          <dgm:constr type="t" for="ch" forName="textRect" refType="b" refFor="ch" refForName="spaceRect"/>
-        </dgm:constrLst>
-        <dgm:ruleLst>
-          <dgm:rule type="h" val="INF" fact="NaN" max="NaN"/>
-        </dgm:ruleLst>
-        <dgm:layoutNode name="iconBgRect" styleLbl="bgShp">
-          <dgm:alg type="sp"/>
-          <dgm:shape xmlns:r="http://schemas.openxmlformats.org/officeDocument/2006/relationships" type="ellipse" r:blip="">
-            <dgm:adjLst/>
-          </dgm:shape>
-          <dgm:presOf/>
-          <dgm:constrLst/>
-          <dgm:ruleLst/>
-        </dgm:layoutNode>
-        <dgm:layoutNode name="iconRect" styleLbl="node1">
-          <dgm:alg type="sp"/>
-          <dgm:shape xmlns:r="http://schemas.openxmlformats.org/officeDocument/2006/relationships" type="rect" r:blip="" blipPhldr="1">
-            <dgm:adjLst/>
-          </dgm:shape>
-          <dgm:presOf/>
-          <dgm:constrLst/>
-          <dgm:ruleLst/>
-        </dgm:layoutNode>
-        <dgm:layoutNode name="spaceRect">
-          <dgm:alg type="sp"/>
+    <dgm:constrLst>
+      <dgm:constr type="primFontSz" for="des" ptType="node" op="equ" val="65"/>
+      <dgm:constr type="w" for="des" forName="composite" refType="w"/>
+      <dgm:constr type="h" for="des" forName="composite" refType="w" refFor="des" refForName="composite" fact="0.667"/>
+      <dgm:constr type="w" for="des" forName="composite2" refType="w" refFor="des" refForName="composite"/>
+      <dgm:constr type="h" for="des" forName="composite2" refType="h" refFor="des" refForName="composite"/>
+      <dgm:constr type="w" for="des" forName="composite3" refType="w" refFor="des" refForName="composite"/>
+      <dgm:constr type="h" for="des" forName="composite3" refType="h" refFor="des" refForName="composite"/>
+      <dgm:constr type="w" for="des" forName="composite4" refType="w" refFor="des" refForName="composite"/>
+      <dgm:constr type="h" for="des" forName="composite4" refType="h" refFor="des" refForName="composite"/>
+      <dgm:constr type="w" for="des" forName="composite5" refType="w" refFor="des" refForName="composite"/>
+      <dgm:constr type="h" for="des" forName="composite5" refType="h" refFor="des" refForName="composite"/>
+      <dgm:constr type="sibSp" refType="w" refFor="des" refForName="composite" fact="0.1"/>
+      <dgm:constr type="sibSp" for="des" forName="hierChild2" refType="sibSp"/>
+      <dgm:constr type="sibSp" for="des" forName="hierChild3" refType="sibSp"/>
+      <dgm:constr type="sibSp" for="des" forName="hierChild4" refType="sibSp"/>
+      <dgm:constr type="sibSp" for="des" forName="hierChild5" refType="sibSp"/>
+      <dgm:constr type="sibSp" for="des" forName="hierChild6" refType="sibSp"/>
+      <dgm:constr type="sp" for="des" forName="hierRoot1" refType="h" refFor="des" refForName="composite" fact="0.25"/>
+      <dgm:constr type="sp" for="des" forName="hierRoot2" refType="sp" refFor="des" refForName="hierRoot1"/>
+      <dgm:constr type="sp" for="des" forName="hierRoot3" refType="sp" refFor="des" refForName="hierRoot1"/>
+      <dgm:constr type="sp" for="des" forName="hierRoot4" refType="sp" refFor="des" refForName="hierRoot1"/>
+      <dgm:constr type="sp" for="des" forName="hierRoot5" refType="sp" refFor="des" refForName="hierRoot1"/>
+    </dgm:constrLst>
+    <dgm:ruleLst/>
+    <dgm:forEach name="Name3" axis="ch">
+      <dgm:forEach name="Name4" axis="self" ptType="node">
+        <dgm:layoutNode name="hierRoot1">
+          <dgm:alg type="hierRoot"/>
           <dgm:shape xmlns:r="http://schemas.openxmlformats.org/officeDocument/2006/relationships" r:blip="">
             <dgm:adjLst/>
           </dgm:shape>
           <dgm:presOf/>
-          <dgm:constrLst/>
+          <dgm:constrLst>
+            <dgm:constr type="bendDist" for="des" ptType="parTrans" refType="sp" fact="0.5"/>
+          </dgm:constrLst>
           <dgm:ruleLst/>
-        </dgm:layoutNode>
-        <dgm:layoutNode name="textRect" styleLbl="revTx">
-          <dgm:varLst>
-            <dgm:chMax val="1"/>
-            <dgm:chPref val="1"/>
-          </dgm:varLst>
-          <dgm:alg type="tx">
-            <dgm:param type="txAnchorVert" val="t"/>
-          </dgm:alg>
-          <dgm:shape xmlns:r="http://schemas.openxmlformats.org/officeDocument/2006/relationships" type="rect" r:blip="">
-            <dgm:adjLst/>
-          </dgm:shape>
-          <dgm:presOf axis="self" ptType="node"/>
-          <dgm:constrLst>
-            <dgm:constr type="lMarg"/>
-            <dgm:constr type="rMarg"/>
-            <dgm:constr type="tMarg"/>
-            <dgm:constr type="bMarg"/>
-          </dgm:constrLst>
-          <dgm:ruleLst>
-            <dgm:rule type="primFontSz" val="11" fact="NaN" max="NaN"/>
-            <dgm:rule type="h" val="INF" fact="NaN" max="NaN"/>
-          </dgm:ruleLst>
-        </dgm:layoutNode>
-      </dgm:layoutNode>
-      <dgm:forEach name="Name9" axis="followSib" ptType="sibTrans" cnt="1">
-        <dgm:layoutNode name="sibTrans">
-          <dgm:alg type="sp"/>
-          <dgm:shape xmlns:r="http://schemas.openxmlformats.org/officeDocument/2006/relationships" r:blip="">
-            <dgm:adjLst/>
-          </dgm:shape>
-          <dgm:presOf axis="self"/>
-          <dgm:constrLst/>
-          <dgm:ruleLst/>
+          <dgm:layoutNode name="composite">
+            <dgm:alg type="composite"/>
+            <dgm:shape xmlns:r="http://schemas.openxmlformats.org/officeDocument/2006/relationships" r:blip="">
+              <dgm:adjLst/>
+            </dgm:shape>
+            <dgm:presOf/>
+            <dgm:constrLst>
+              <dgm:constr type="w" for="ch" forName="background" refType="w" fact="0.9"/>
+              <dgm:constr type="h" for="ch" forName="background" refType="w" refFor="ch" refForName="background" fact="0.635"/>
+              <dgm:constr type="t" for="ch" forName="background"/>
+              <dgm:constr type="l" for="ch" forName="background"/>
+              <dgm:constr type="w" for="ch" forName="text" refType="w" fact="0.9"/>
+              <dgm:constr type="h" for="ch" forName="text" refType="w" refFor="ch" refForName="text" fact="0.635"/>
+              <dgm:constr type="t" for="ch" forName="text" refType="w" fact="0.095"/>
+              <dgm:constr type="l" for="ch" forName="text" refType="w" fact="0.1"/>
+            </dgm:constrLst>
+            <dgm:ruleLst/>
+            <dgm:layoutNode name="background" styleLbl="node0" moveWith="text">
+              <dgm:alg type="sp"/>
+              <dgm:shape xmlns:r="http://schemas.openxmlformats.org/officeDocument/2006/relationships" type="roundRect" r:blip="">
+                <dgm:adjLst>
+                  <dgm:adj idx="1" val="0.1"/>
+                </dgm:adjLst>
+              </dgm:shape>
+              <dgm:presOf/>
+              <dgm:constrLst/>
+              <dgm:ruleLst/>
+            </dgm:layoutNode>
+            <dgm:layoutNode name="text" styleLbl="fgAcc0">
+              <dgm:varLst>
+                <dgm:chPref val="3"/>
+              </dgm:varLst>
+              <dgm:alg type="tx"/>
+              <dgm:shape xmlns:r="http://schemas.openxmlformats.org/officeDocument/2006/relationships" type="roundRect" r:blip="">
+                <dgm:adjLst>
+                  <dgm:adj idx="1" val="0.1"/>
+                </dgm:adjLst>
+              </dgm:shape>
+              <dgm:presOf axis="self"/>
+              <dgm:constrLst>
+                <dgm:constr type="tMarg" refType="primFontSz" fact="0.3"/>
+                <dgm:constr type="bMarg" refType="primFontSz" fact="0.3"/>
+                <dgm:constr type="lMarg" refType="primFontSz" fact="0.3"/>
+                <dgm:constr type="rMarg" refType="primFontSz" fact="0.3"/>
+              </dgm:constrLst>
+              <dgm:ruleLst>
+                <dgm:rule type="primFontSz" val="5" fact="NaN" max="NaN"/>
+              </dgm:ruleLst>
+            </dgm:layoutNode>
+          </dgm:layoutNode>
+          <dgm:layoutNode name="hierChild2">
+            <dgm:choose name="Name5">
+              <dgm:if name="Name6" func="var" arg="dir" op="equ" val="norm">
+                <dgm:alg type="hierChild">
+                  <dgm:param type="linDir" val="fromL"/>
+                </dgm:alg>
+              </dgm:if>
+              <dgm:else name="Name7">
+                <dgm:alg type="hierChild">
+                  <dgm:param type="linDir" val="fromR"/>
+                </dgm:alg>
+              </dgm:else>
+            </dgm:choose>
+            <dgm:shape xmlns:r="http://schemas.openxmlformats.org/officeDocument/2006/relationships" r:blip="">
+              <dgm:adjLst/>
+            </dgm:shape>
+            <dgm:presOf/>
+            <dgm:constrLst/>
+            <dgm:ruleLst/>
+            <dgm:forEach name="Name8" axis="ch">
+              <dgm:forEach name="Name9" axis="self" ptType="parTrans" cnt="1">
+                <dgm:layoutNode name="Name10">
+                  <dgm:alg type="conn">
+                    <dgm:param type="dim" val="1D"/>
+                    <dgm:param type="endSty" val="noArr"/>
+                    <dgm:param type="connRout" val="bend"/>
+                    <dgm:param type="bendPt" val="end"/>
+                    <dgm:param type="begPts" val="bCtr"/>
+                    <dgm:param type="endPts" val="tCtr"/>
+                    <dgm:param type="srcNode" val="background"/>
+                    <dgm:param type="dstNode" val="background2"/>
+                  </dgm:alg>
+                  <dgm:shape xmlns:r="http://schemas.openxmlformats.org/officeDocument/2006/relationships" type="conn" r:blip="" zOrderOff="-999">
+                    <dgm:adjLst/>
+                  </dgm:shape>
+                  <dgm:presOf axis="self"/>
+                  <dgm:constrLst>
+                    <dgm:constr type="begPad"/>
+                    <dgm:constr type="endPad"/>
+                  </dgm:constrLst>
+                  <dgm:ruleLst/>
+                </dgm:layoutNode>
+              </dgm:forEach>
+              <dgm:forEach name="Name11" axis="self" ptType="node">
+                <dgm:layoutNode name="hierRoot2">
+                  <dgm:alg type="hierRoot"/>
+                  <dgm:shape xmlns:r="http://schemas.openxmlformats.org/officeDocument/2006/relationships" r:blip="">
+                    <dgm:adjLst/>
+                  </dgm:shape>
+                  <dgm:presOf/>
+                  <dgm:constrLst>
+                    <dgm:constr type="bendDist" for="des" ptType="parTrans" refType="sp" fact="0.5"/>
+                  </dgm:constrLst>
+                  <dgm:ruleLst/>
+                  <dgm:layoutNode name="composite2">
+                    <dgm:alg type="composite"/>
+                    <dgm:shape xmlns:r="http://schemas.openxmlformats.org/officeDocument/2006/relationships" r:blip="">
+                      <dgm:adjLst/>
+                    </dgm:shape>
+                    <dgm:presOf/>
+                    <dgm:constrLst>
+                      <dgm:constr type="w" for="ch" forName="background2" refType="w" fact="0.9"/>
+                      <dgm:constr type="h" for="ch" forName="background2" refType="w" refFor="ch" refForName="background2" fact="0.635"/>
+                      <dgm:constr type="t" for="ch" forName="background2"/>
+                      <dgm:constr type="l" for="ch" forName="background2"/>
+                      <dgm:constr type="w" for="ch" forName="text2" refType="w" fact="0.9"/>
+                      <dgm:constr type="h" for="ch" forName="text2" refType="w" refFor="ch" refForName="text2" fact="0.635"/>
+                      <dgm:constr type="t" for="ch" forName="text2" refType="w" fact="0.095"/>
+                      <dgm:constr type="l" for="ch" forName="text2" refType="w" fact="0.1"/>
+                    </dgm:constrLst>
+                    <dgm:ruleLst/>
+                    <dgm:layoutNode name="background2" moveWith="text2">
+                      <dgm:alg type="sp"/>
+                      <dgm:shape xmlns:r="http://schemas.openxmlformats.org/officeDocument/2006/relationships" type="roundRect" r:blip="">
+                        <dgm:adjLst>
+                          <dgm:adj idx="1" val="0.1"/>
+                        </dgm:adjLst>
+                      </dgm:shape>
+                      <dgm:presOf/>
+                      <dgm:constrLst/>
+                      <dgm:ruleLst/>
+                    </dgm:layoutNode>
+                    <dgm:layoutNode name="text2" styleLbl="fgAcc2">
+                      <dgm:varLst>
+                        <dgm:chPref val="3"/>
+                      </dgm:varLst>
+                      <dgm:alg type="tx"/>
+                      <dgm:shape xmlns:r="http://schemas.openxmlformats.org/officeDocument/2006/relationships" type="roundRect" r:blip="">
+                        <dgm:adjLst>
+                          <dgm:adj idx="1" val="0.1"/>
+                        </dgm:adjLst>
+                      </dgm:shape>
+                      <dgm:presOf axis="self"/>
+                      <dgm:constrLst>
+                        <dgm:constr type="tMarg" refType="primFontSz" fact="0.3"/>
+                        <dgm:constr type="bMarg" refType="primFontSz" fact="0.3"/>
+                        <dgm:constr type="lMarg" refType="primFontSz" fact="0.3"/>
+                        <dgm:constr type="rMarg" refType="primFontSz" fact="0.3"/>
+                      </dgm:constrLst>
+                      <dgm:ruleLst>
+                        <dgm:rule type="primFontSz" val="5" fact="NaN" max="NaN"/>
+                      </dgm:ruleLst>
+                    </dgm:layoutNode>
+                  </dgm:layoutNode>
+                  <dgm:layoutNode name="hierChild3">
+                    <dgm:choose name="Name12">
+                      <dgm:if name="Name13" func="var" arg="dir" op="equ" val="norm">
+                        <dgm:alg type="hierChild">
+                          <dgm:param type="linDir" val="fromL"/>
+                        </dgm:alg>
+                      </dgm:if>
+                      <dgm:else name="Name14">
+                        <dgm:alg type="hierChild">
+                          <dgm:param type="linDir" val="fromR"/>
+                        </dgm:alg>
+                      </dgm:else>
+                    </dgm:choose>
+                    <dgm:shape xmlns:r="http://schemas.openxmlformats.org/officeDocument/2006/relationships" r:blip="">
+                      <dgm:adjLst/>
+                    </dgm:shape>
+                    <dgm:presOf/>
+                    <dgm:constrLst/>
+                    <dgm:ruleLst/>
+                    <dgm:forEach name="Name15" axis="ch">
+                      <dgm:forEach name="Name16" axis="self" ptType="parTrans" cnt="1">
+                        <dgm:layoutNode name="Name17">
+                          <dgm:alg type="conn">
+                            <dgm:param type="dim" val="1D"/>
+                            <dgm:param type="endSty" val="noArr"/>
+                            <dgm:param type="connRout" val="bend"/>
+                            <dgm:param type="bendPt" val="end"/>
+                            <dgm:param type="begPts" val="bCtr"/>
+                            <dgm:param type="endPts" val="tCtr"/>
+                            <dgm:param type="srcNode" val="background2"/>
+                            <dgm:param type="dstNode" val="background3"/>
+                          </dgm:alg>
+                          <dgm:shape xmlns:r="http://schemas.openxmlformats.org/officeDocument/2006/relationships" type="conn" r:blip="" zOrderOff="-999">
+                            <dgm:adjLst/>
+                          </dgm:shape>
+                          <dgm:presOf axis="self"/>
+                          <dgm:constrLst>
+                            <dgm:constr type="begPad"/>
+                            <dgm:constr type="endPad"/>
+                          </dgm:constrLst>
+                          <dgm:ruleLst/>
+                        </dgm:layoutNode>
+                      </dgm:forEach>
+                      <dgm:forEach name="Name18" axis="self" ptType="node">
+                        <dgm:layoutNode name="hierRoot3">
+                          <dgm:alg type="hierRoot"/>
+                          <dgm:shape xmlns:r="http://schemas.openxmlformats.org/officeDocument/2006/relationships" r:blip="">
+                            <dgm:adjLst/>
+                          </dgm:shape>
+                          <dgm:presOf/>
+                          <dgm:constrLst>
+                            <dgm:constr type="bendDist" for="des" ptType="parTrans" refType="sp" fact="0.5"/>
+                          </dgm:constrLst>
+                          <dgm:ruleLst/>
+                          <dgm:layoutNode name="composite3">
+                            <dgm:alg type="composite"/>
+                            <dgm:shape xmlns:r="http://schemas.openxmlformats.org/officeDocument/2006/relationships" r:blip="">
+                              <dgm:adjLst/>
+                            </dgm:shape>
+                            <dgm:presOf/>
+                            <dgm:constrLst>
+                              <dgm:constr type="w" for="ch" forName="background3" refType="w" fact="0.9"/>
+                              <dgm:constr type="h" for="ch" forName="background3" refType="w" refFor="ch" refForName="background3" fact="0.635"/>
+                              <dgm:constr type="t" for="ch" forName="background3"/>
+                              <dgm:constr type="l" for="ch" forName="background3"/>
+                              <dgm:constr type="w" for="ch" forName="text3" refType="w" fact="0.9"/>
+                              <dgm:constr type="h" for="ch" forName="text3" refType="w" refFor="ch" refForName="text3" fact="0.635"/>
+                              <dgm:constr type="t" for="ch" forName="text3" refType="w" fact="0.095"/>
+                              <dgm:constr type="l" for="ch" forName="text3" refType="w" fact="0.1"/>
+                            </dgm:constrLst>
+                            <dgm:ruleLst/>
+                            <dgm:layoutNode name="background3" moveWith="text3">
+                              <dgm:alg type="sp"/>
+                              <dgm:shape xmlns:r="http://schemas.openxmlformats.org/officeDocument/2006/relationships" type="roundRect" r:blip="">
+                                <dgm:adjLst>
+                                  <dgm:adj idx="1" val="0.1"/>
+                                </dgm:adjLst>
+                              </dgm:shape>
+                              <dgm:presOf/>
+                              <dgm:constrLst/>
+                              <dgm:ruleLst/>
+                            </dgm:layoutNode>
+                            <dgm:layoutNode name="text3" styleLbl="fgAcc3">
+                              <dgm:varLst>
+                                <dgm:chPref val="3"/>
+                              </dgm:varLst>
+                              <dgm:alg type="tx"/>
+                              <dgm:shape xmlns:r="http://schemas.openxmlformats.org/officeDocument/2006/relationships" type="roundRect" r:blip="">
+                                <dgm:adjLst>
+                                  <dgm:adj idx="1" val="0.1"/>
+                                </dgm:adjLst>
+                              </dgm:shape>
+                              <dgm:presOf axis="self"/>
+                              <dgm:constrLst>
+                                <dgm:constr type="tMarg" refType="primFontSz" fact="0.3"/>
+                                <dgm:constr type="bMarg" refType="primFontSz" fact="0.3"/>
+                                <dgm:constr type="lMarg" refType="primFontSz" fact="0.3"/>
+                                <dgm:constr type="rMarg" refType="primFontSz" fact="0.3"/>
+                              </dgm:constrLst>
+                              <dgm:ruleLst>
+                                <dgm:rule type="primFontSz" val="5" fact="NaN" max="NaN"/>
+                              </dgm:ruleLst>
+                            </dgm:layoutNode>
+                          </dgm:layoutNode>
+                          <dgm:layoutNode name="hierChild4">
+                            <dgm:choose name="Name19">
+                              <dgm:if name="Name20" func="var" arg="dir" op="equ" val="norm">
+                                <dgm:alg type="hierChild">
+                                  <dgm:param type="linDir" val="fromL"/>
+                                </dgm:alg>
+                              </dgm:if>
+                              <dgm:else name="Name21">
+                                <dgm:alg type="hierChild">
+                                  <dgm:param type="linDir" val="fromR"/>
+                                </dgm:alg>
+                              </dgm:else>
+                            </dgm:choose>
+                            <dgm:shape xmlns:r="http://schemas.openxmlformats.org/officeDocument/2006/relationships" r:blip="">
+                              <dgm:adjLst/>
+                            </dgm:shape>
+                            <dgm:presOf/>
+                            <dgm:constrLst/>
+                            <dgm:ruleLst/>
+                            <dgm:forEach name="repeat" axis="ch">
+                              <dgm:forEach name="Name22" axis="self" ptType="parTrans" cnt="1">
+                                <dgm:layoutNode name="Name23">
+                                  <dgm:choose name="Name24">
+                                    <dgm:if name="Name25" axis="self" func="depth" op="lte" val="4">
+                                      <dgm:alg type="conn">
+                                        <dgm:param type="dim" val="1D"/>
+                                        <dgm:param type="endSty" val="noArr"/>
+                                        <dgm:param type="connRout" val="bend"/>
+                                        <dgm:param type="bendPt" val="end"/>
+                                        <dgm:param type="begPts" val="bCtr"/>
+                                        <dgm:param type="endPts" val="tCtr"/>
+                                        <dgm:param type="srcNode" val="background3"/>
+                                        <dgm:param type="dstNode" val="background4"/>
+                                      </dgm:alg>
+                                    </dgm:if>
+                                    <dgm:else name="Name26">
+                                      <dgm:alg type="conn">
+                                        <dgm:param type="dim" val="1D"/>
+                                        <dgm:param type="endSty" val="noArr"/>
+                                        <dgm:param type="connRout" val="bend"/>
+                                        <dgm:param type="bendPt" val="end"/>
+                                        <dgm:param type="begPts" val="bCtr"/>
+                                        <dgm:param type="endPts" val="tCtr"/>
+                                        <dgm:param type="srcNode" val="background4"/>
+                                        <dgm:param type="dstNode" val="background4"/>
+                                      </dgm:alg>
+                                    </dgm:else>
+                                  </dgm:choose>
+                                  <dgm:shape xmlns:r="http://schemas.openxmlformats.org/officeDocument/2006/relationships" type="conn" r:blip="" zOrderOff="-999">
+                                    <dgm:adjLst/>
+                                  </dgm:shape>
+                                  <dgm:presOf axis="self"/>
+                                  <dgm:constrLst>
+                                    <dgm:constr type="begPad"/>
+                                    <dgm:constr type="endPad"/>
+                                  </dgm:constrLst>
+                                  <dgm:ruleLst/>
+                                </dgm:layoutNode>
+                              </dgm:forEach>
+                              <dgm:forEach name="Name27" axis="self" ptType="node">
+                                <dgm:layoutNode name="hierRoot4">
+                                  <dgm:alg type="hierRoot"/>
+                                  <dgm:shape xmlns:r="http://schemas.openxmlformats.org/officeDocument/2006/relationships" r:blip="">
+                                    <dgm:adjLst/>
+                                  </dgm:shape>
+                                  <dgm:presOf/>
+                                  <dgm:constrLst>
+                                    <dgm:constr type="bendDist" for="des" ptType="parTrans" refType="sp" fact="0.5"/>
+                                  </dgm:constrLst>
+                                  <dgm:ruleLst/>
+                                  <dgm:layoutNode name="composite4">
+                                    <dgm:alg type="composite"/>
+                                    <dgm:shape xmlns:r="http://schemas.openxmlformats.org/officeDocument/2006/relationships" r:blip="">
+                                      <dgm:adjLst/>
+                                    </dgm:shape>
+                                    <dgm:presOf/>
+                                    <dgm:constrLst>
+                                      <dgm:constr type="w" for="ch" forName="background4" refType="w" fact="0.9"/>
+                                      <dgm:constr type="h" for="ch" forName="background4" refType="w" refFor="ch" refForName="background4" fact="0.635"/>
+                                      <dgm:constr type="t" for="ch" forName="background4"/>
+                                      <dgm:constr type="l" for="ch" forName="background4"/>
+                                      <dgm:constr type="w" for="ch" forName="text4" refType="w" fact="0.9"/>
+                                      <dgm:constr type="h" for="ch" forName="text4" refType="w" refFor="ch" refForName="text4" fact="0.635"/>
+                                      <dgm:constr type="t" for="ch" forName="text4" refType="w" fact="0.095"/>
+                                      <dgm:constr type="l" for="ch" forName="text4" refType="w" fact="0.1"/>
+                                    </dgm:constrLst>
+                                    <dgm:ruleLst/>
+                                    <dgm:layoutNode name="background4" moveWith="text4">
+                                      <dgm:alg type="sp"/>
+                                      <dgm:shape xmlns:r="http://schemas.openxmlformats.org/officeDocument/2006/relationships" type="roundRect" r:blip="">
+                                        <dgm:adjLst>
+                                          <dgm:adj idx="1" val="0.1"/>
+                                        </dgm:adjLst>
+                                      </dgm:shape>
+                                      <dgm:presOf/>
+                                      <dgm:constrLst/>
+                                      <dgm:ruleLst/>
+                                    </dgm:layoutNode>
+                                    <dgm:layoutNode name="text4" styleLbl="fgAcc4">
+                                      <dgm:varLst>
+                                        <dgm:chPref val="3"/>
+                                      </dgm:varLst>
+                                      <dgm:alg type="tx"/>
+                                      <dgm:shape xmlns:r="http://schemas.openxmlformats.org/officeDocument/2006/relationships" type="roundRect" r:blip="">
+                                        <dgm:adjLst>
+                                          <dgm:adj idx="1" val="0.1"/>
+                                        </dgm:adjLst>
+                                      </dgm:shape>
+                                      <dgm:presOf axis="self"/>
+                                      <dgm:constrLst>
+                                        <dgm:constr type="tMarg" refType="primFontSz" fact="0.3"/>
+                                        <dgm:constr type="bMarg" refType="primFontSz" fact="0.3"/>
+                                        <dgm:constr type="lMarg" refType="primFontSz" fact="0.3"/>
+                                        <dgm:constr type="rMarg" refType="primFontSz" fact="0.3"/>
+                                      </dgm:constrLst>
+                                      <dgm:ruleLst>
+                                        <dgm:rule type="primFontSz" val="5" fact="NaN" max="NaN"/>
+                                      </dgm:ruleLst>
+                                    </dgm:layoutNode>
+                                  </dgm:layoutNode>
+                                  <dgm:layoutNode name="hierChild5">
+                                    <dgm:choose name="Name28">
+                                      <dgm:if name="Name29" func="var" arg="dir" op="equ" val="norm">
+                                        <dgm:alg type="hierChild">
+                                          <dgm:param type="linDir" val="fromL"/>
+                                        </dgm:alg>
+                                      </dgm:if>
+                                      <dgm:else name="Name30">
+                                        <dgm:alg type="hierChild">
+                                          <dgm:param type="linDir" val="fromR"/>
+                                        </dgm:alg>
+                                      </dgm:else>
+                                    </dgm:choose>
+                                    <dgm:shape xmlns:r="http://schemas.openxmlformats.org/officeDocument/2006/relationships" r:blip="">
+                                      <dgm:adjLst/>
+                                    </dgm:shape>
+                                    <dgm:presOf/>
+                                    <dgm:constrLst/>
+                                    <dgm:ruleLst/>
+                                    <dgm:forEach name="Name31" ref="repeat"/>
+                                  </dgm:layoutNode>
+                                </dgm:layoutNode>
+                              </dgm:forEach>
+                            </dgm:forEach>
+                          </dgm:layoutNode>
+                        </dgm:layoutNode>
+                      </dgm:forEach>
+                    </dgm:forEach>
+                  </dgm:layoutNode>
+                </dgm:layoutNode>
+              </dgm:forEach>
+            </dgm:forEach>
+          </dgm:layoutNode>
         </dgm:layoutNode>
       </dgm:forEach>
     </dgm:forEach>
   </dgm:layoutNode>
-  <dgm:extLst>
-    <a:ext uri="{68A01E43-0DF5-4B5B-8FA6-DAF915123BFB}">
-      <dgm1612:lstStyle xmlns:dgm1612="http://schemas.microsoft.com/office/drawing/2016/12/diagram">
-        <a:lvl1pPr>
-          <a:lnSpc>
-            <a:spcPct val="100000"/>
-          </a:lnSpc>
-          <a:defRPr cap="all"/>
-        </a:lvl1pPr>
-      </dgm1612:lstStyle>
-    </a:ext>
-  </dgm:extLst>
 </dgm:layoutDef>
 </file>
 
@@ -24675,136 +24659,6 @@
       </p:grpSpPr>
       <p:sp>
         <p:nvSpPr>
-          <p:cNvPr id="10" name="Rectangle 9">
-            <a:extLst>
-              <a:ext uri="{FF2B5EF4-FFF2-40B4-BE49-F238E27FC236}">
-                <a16:creationId xmlns:a16="http://schemas.microsoft.com/office/drawing/2014/main" id="{23962611-DFD5-4092-AAFD-559E3DFCE2C9}"/>
-              </a:ext>
-              <a:ext uri="{C183D7F6-B498-43B3-948B-1728B52AA6E4}">
-                <adec:decorative xmlns:adec="http://schemas.microsoft.com/office/drawing/2017/decorative" val="1"/>
-              </a:ext>
-            </a:extLst>
-          </p:cNvPr>
-          <p:cNvSpPr>
-            <a:spLocks noGrp="1" noRot="1" noChangeAspect="1" noMove="1" noResize="1" noEditPoints="1" noAdjustHandles="1" noChangeArrowheads="1" noChangeShapeType="1" noTextEdit="1"/>
-          </p:cNvSpPr>
-          <p:nvPr>
-            <p:extLst>
-              <p:ext uri="{386F3935-93C4-4BCD-93E2-E3B085C9AB24}">
-                <p16:designElem xmlns:p16="http://schemas.microsoft.com/office/powerpoint/2015/main" val="1"/>
-              </p:ext>
-            </p:extLst>
-          </p:nvPr>
-        </p:nvSpPr>
-        <p:spPr>
-          <a:xfrm>
-            <a:off x="475488" y="0"/>
-            <a:ext cx="10910292" cy="6858000"/>
-          </a:xfrm>
-          <a:prstGeom prst="rect">
-            <a:avLst/>
-          </a:prstGeom>
-          <a:gradFill>
-            <a:gsLst>
-              <a:gs pos="0">
-                <a:schemeClr val="accent1">
-                  <a:lumMod val="90000"/>
-                </a:schemeClr>
-              </a:gs>
-              <a:gs pos="25000">
-                <a:schemeClr val="accent1">
-                  <a:lumMod val="90000"/>
-                </a:schemeClr>
-              </a:gs>
-              <a:gs pos="94000">
-                <a:schemeClr val="bg2">
-                  <a:lumMod val="25000"/>
-                </a:schemeClr>
-              </a:gs>
-              <a:gs pos="100000">
-                <a:schemeClr val="bg2">
-                  <a:lumMod val="25000"/>
-                </a:schemeClr>
-              </a:gs>
-            </a:gsLst>
-            <a:lin ang="4200000" scaled="0"/>
-          </a:gradFill>
-          <a:ln>
-            <a:noFill/>
-          </a:ln>
-        </p:spPr>
-        <p:style>
-          <a:lnRef idx="2">
-            <a:schemeClr val="accent1">
-              <a:shade val="50000"/>
-            </a:schemeClr>
-          </a:lnRef>
-          <a:fillRef idx="1">
-            <a:schemeClr val="accent1"/>
-          </a:fillRef>
-          <a:effectRef idx="0">
-            <a:schemeClr val="accent1"/>
-          </a:effectRef>
-          <a:fontRef idx="minor">
-            <a:schemeClr val="lt1"/>
-          </a:fontRef>
-        </p:style>
-        <p:txBody>
-          <a:bodyPr rtlCol="0" anchor="ctr"/>
-          <a:lstStyle/>
-          <a:p>
-            <a:pPr algn="ctr"/>
-            <a:endParaRPr lang="en-US"/>
-          </a:p>
-        </p:txBody>
-      </p:sp>
-      <p:pic>
-        <p:nvPicPr>
-          <p:cNvPr id="12" name="Picture 11">
-            <a:extLst>
-              <a:ext uri="{FF2B5EF4-FFF2-40B4-BE49-F238E27FC236}">
-                <a16:creationId xmlns:a16="http://schemas.microsoft.com/office/drawing/2014/main" id="{2270F1FA-0425-408F-9861-80BF5AFB276D}"/>
-              </a:ext>
-              <a:ext uri="{C183D7F6-B498-43B3-948B-1728B52AA6E4}">
-                <adec:decorative xmlns:adec="http://schemas.microsoft.com/office/drawing/2017/decorative" val="1"/>
-              </a:ext>
-            </a:extLst>
-          </p:cNvPr>
-          <p:cNvPicPr>
-            <a:picLocks noGrp="1" noRot="1" noChangeAspect="1" noMove="1" noResize="1" noEditPoints="1" noAdjustHandles="1" noChangeArrowheads="1" noChangeShapeType="1" noCrop="1"/>
-          </p:cNvPicPr>
-          <p:nvPr>
-            <p:extLst>
-              <p:ext uri="{386F3935-93C4-4BCD-93E2-E3B085C9AB24}">
-                <p16:designElem xmlns:p16="http://schemas.microsoft.com/office/powerpoint/2015/main" val="1"/>
-              </p:ext>
-            </p:extLst>
-          </p:nvPr>
-        </p:nvPicPr>
-        <p:blipFill>
-          <a:blip r:embed="rId2">
-            <a:extLst>
-              <a:ext uri="{28A0092B-C50C-407E-A947-70E740481C1C}">
-                <a14:useLocalDpi xmlns:a14="http://schemas.microsoft.com/office/drawing/2010/main" val="0"/>
-              </a:ext>
-            </a:extLst>
-          </a:blip>
-          <a:stretch>
-            <a:fillRect/>
-          </a:stretch>
-        </p:blipFill>
-        <p:spPr>
-          <a:xfrm>
-            <a:off x="0" y="0"/>
-            <a:ext cx="12192000" cy="6858000"/>
-          </a:xfrm>
-          <a:prstGeom prst="rect">
-            <a:avLst/>
-          </a:prstGeom>
-        </p:spPr>
-      </p:pic>
-      <p:sp>
-        <p:nvSpPr>
           <p:cNvPr id="5" name="Tiêu đề 4">
             <a:extLst>
               <a:ext uri="{FF2B5EF4-FFF2-40B4-BE49-F238E27FC236}">
@@ -24819,12 +24673,7 @@
             <p:ph type="title"/>
           </p:nvPr>
         </p:nvSpPr>
-        <p:spPr>
-          <a:xfrm>
-            <a:off x="2747889" y="2214068"/>
-            <a:ext cx="6696222" cy="2429863"/>
-          </a:xfrm>
-        </p:spPr>
+        <p:spPr/>
         <p:txBody>
           <a:bodyPr vert="horz" lIns="91440" tIns="45720" rIns="91440" bIns="45720" rtlCol="0" anchor="b">
             <a:normAutofit/>
@@ -24834,39 +24683,13 @@
             <a:pPr algn="ctr"/>
             <a:r>
               <a:rPr lang="en-US">
-                <a:solidFill>
-                  <a:schemeClr val="bg1"/>
-                </a:solidFill>
                 <a:latin typeface="Arial" panose="020B0604020202020204" pitchFamily="34" charset="0"/>
                 <a:cs typeface="Arial" panose="020B0604020202020204" pitchFamily="34" charset="0"/>
               </a:rPr>
-              <a:t>CH</a:t>
+              <a:t>Ch</a:t>
             </a:r>
             <a:r>
               <a:rPr lang="vi-VN">
-                <a:solidFill>
-                  <a:schemeClr val="bg1"/>
-                </a:solidFill>
-                <a:latin typeface="Arial" panose="020B0604020202020204" pitchFamily="34" charset="0"/>
-                <a:cs typeface="Arial" panose="020B0604020202020204" pitchFamily="34" charset="0"/>
-              </a:rPr>
-              <a:t>Ư</a:t>
-            </a:r>
-            <a:r>
-              <a:rPr lang="en-US">
-                <a:solidFill>
-                  <a:schemeClr val="bg1"/>
-                </a:solidFill>
-                <a:latin typeface="Arial" panose="020B0604020202020204" pitchFamily="34" charset="0"/>
-                <a:cs typeface="Arial" panose="020B0604020202020204" pitchFamily="34" charset="0"/>
-              </a:rPr>
-              <a:t>ƠNG IV: Khi nào một hệ thống đ</a:t>
-            </a:r>
-            <a:r>
-              <a:rPr lang="vi-VN">
-                <a:solidFill>
-                  <a:schemeClr val="bg1"/>
-                </a:solidFill>
                 <a:latin typeface="Arial" panose="020B0604020202020204" pitchFamily="34" charset="0"/>
                 <a:cs typeface="Arial" panose="020B0604020202020204" pitchFamily="34" charset="0"/>
               </a:rPr>
@@ -24874,21 +24697,54 @@
             </a:r>
             <a:r>
               <a:rPr lang="en-US">
-                <a:solidFill>
-                  <a:schemeClr val="bg1"/>
-                </a:solidFill>
+                <a:latin typeface="Arial" panose="020B0604020202020204" pitchFamily="34" charset="0"/>
+                <a:cs typeface="Arial" panose="020B0604020202020204" pitchFamily="34" charset="0"/>
+              </a:rPr>
+              <a:t>ơng IV: Khi nào một hệ thống đ</a:t>
+            </a:r>
+            <a:r>
+              <a:rPr lang="vi-VN">
+                <a:latin typeface="Arial" panose="020B0604020202020204" pitchFamily="34" charset="0"/>
+                <a:cs typeface="Arial" panose="020B0604020202020204" pitchFamily="34" charset="0"/>
+              </a:rPr>
+              <a:t>ư</a:t>
+            </a:r>
+            <a:r>
+              <a:rPr lang="en-US">
                 <a:latin typeface="Arial" panose="020B0604020202020204" pitchFamily="34" charset="0"/>
                 <a:cs typeface="Arial" panose="020B0604020202020204" pitchFamily="34" charset="0"/>
               </a:rPr>
               <a:t>ợc coi là công nghiệp 4.0?</a:t>
             </a:r>
             <a:endParaRPr lang="en-US" kern="1200">
-              <a:solidFill>
-                <a:schemeClr val="bg1"/>
-              </a:solidFill>
               <a:latin typeface="Arial" panose="020B0604020202020204" pitchFamily="34" charset="0"/>
               <a:cs typeface="Arial" panose="020B0604020202020204" pitchFamily="34" charset="0"/>
             </a:endParaRPr>
+          </a:p>
+        </p:txBody>
+      </p:sp>
+      <p:sp>
+        <p:nvSpPr>
+          <p:cNvPr id="2" name="Chỗ dành sẵn cho Nội dung 1">
+            <a:extLst>
+              <a:ext uri="{FF2B5EF4-FFF2-40B4-BE49-F238E27FC236}">
+                <a16:creationId xmlns:a16="http://schemas.microsoft.com/office/drawing/2014/main" id="{64CFA9CD-AC46-4503-83AB-89A48A29FA96}"/>
+              </a:ext>
+            </a:extLst>
+          </p:cNvPr>
+          <p:cNvSpPr>
+            <a:spLocks noGrp="1"/>
+          </p:cNvSpPr>
+          <p:nvPr>
+            <p:ph idx="1"/>
+          </p:nvPr>
+        </p:nvSpPr>
+        <p:spPr/>
+        <p:txBody>
+          <a:bodyPr/>
+          <a:lstStyle/>
+          <a:p>
+            <a:endParaRPr lang="en-US"/>
           </a:p>
         </p:txBody>
       </p:sp>
@@ -25305,7 +25161,7 @@
     <p:bg>
       <p:bgPr>
         <a:solidFill>
-          <a:schemeClr val="bg1"/>
+          <a:srgbClr val="FFFFFF"/>
         </a:solidFill>
         <a:effectLst/>
       </p:bgPr>
@@ -25326,10 +25182,10 @@
       </p:grpSpPr>
       <p:sp>
         <p:nvSpPr>
-          <p:cNvPr id="21" name="Rectangle 20">
+          <p:cNvPr id="28" name="Rectangle 27">
             <a:extLst>
               <a:ext uri="{FF2B5EF4-FFF2-40B4-BE49-F238E27FC236}">
-                <a16:creationId xmlns:a16="http://schemas.microsoft.com/office/drawing/2014/main" id="{08E89D5E-1885-4160-AC77-CC471DD1D0DB}"/>
+                <a16:creationId xmlns:a16="http://schemas.microsoft.com/office/drawing/2014/main" id="{4351DFE5-F63D-4BE0-BDA9-E3EB88F01AA5}"/>
               </a:ext>
               <a:ext uri="{C183D7F6-B498-43B3-948B-1728B52AA6E4}">
                 <adec:decorative xmlns:adec="http://schemas.microsoft.com/office/drawing/2017/decorative" val="1"/>
@@ -25349,8 +25205,302 @@
         </p:nvSpPr>
         <p:spPr>
           <a:xfrm>
+            <a:off x="355601" y="0"/>
+            <a:ext cx="11480494" cy="2753936"/>
+          </a:xfrm>
+          <a:prstGeom prst="rect">
+            <a:avLst/>
+          </a:prstGeom>
+          <a:gradFill>
+            <a:gsLst>
+              <a:gs pos="0">
+                <a:schemeClr val="accent1">
+                  <a:lumMod val="90000"/>
+                </a:schemeClr>
+              </a:gs>
+              <a:gs pos="25000">
+                <a:schemeClr val="accent1">
+                  <a:lumMod val="90000"/>
+                </a:schemeClr>
+              </a:gs>
+              <a:gs pos="94000">
+                <a:schemeClr val="bg2">
+                  <a:lumMod val="25000"/>
+                </a:schemeClr>
+              </a:gs>
+              <a:gs pos="100000">
+                <a:schemeClr val="bg2">
+                  <a:lumMod val="25000"/>
+                </a:schemeClr>
+              </a:gs>
+            </a:gsLst>
+            <a:lin ang="4200000" scaled="0"/>
+          </a:gradFill>
+          <a:ln>
+            <a:noFill/>
+          </a:ln>
+        </p:spPr>
+        <p:style>
+          <a:lnRef idx="2">
+            <a:schemeClr val="accent1">
+              <a:shade val="50000"/>
+            </a:schemeClr>
+          </a:lnRef>
+          <a:fillRef idx="1">
+            <a:schemeClr val="accent1"/>
+          </a:fillRef>
+          <a:effectRef idx="0">
+            <a:schemeClr val="accent1"/>
+          </a:effectRef>
+          <a:fontRef idx="minor">
+            <a:schemeClr val="lt1"/>
+          </a:fontRef>
+        </p:style>
+        <p:txBody>
+          <a:bodyPr rtlCol="0" anchor="ctr"/>
+          <a:lstStyle/>
+          <a:p>
+            <a:pPr algn="ctr"/>
+            <a:endParaRPr lang="en-US"/>
+          </a:p>
+        </p:txBody>
+      </p:sp>
+      <p:pic>
+        <p:nvPicPr>
+          <p:cNvPr id="30" name="Picture 29">
+            <a:extLst>
+              <a:ext uri="{FF2B5EF4-FFF2-40B4-BE49-F238E27FC236}">
+                <a16:creationId xmlns:a16="http://schemas.microsoft.com/office/drawing/2014/main" id="{02DD2BC0-6F29-4B4F-8D61-2DCF6D2E8E73}"/>
+              </a:ext>
+              <a:ext uri="{C183D7F6-B498-43B3-948B-1728B52AA6E4}">
+                <adec:decorative xmlns:adec="http://schemas.microsoft.com/office/drawing/2017/decorative" val="1"/>
+              </a:ext>
+            </a:extLst>
+          </p:cNvPr>
+          <p:cNvPicPr>
+            <a:picLocks noGrp="1" noRot="1" noChangeAspect="1" noMove="1" noResize="1" noEditPoints="1" noAdjustHandles="1" noChangeArrowheads="1" noChangeShapeType="1" noCrop="1"/>
+          </p:cNvPicPr>
+          <p:nvPr>
+            <p:extLst>
+              <p:ext uri="{386F3935-93C4-4BCD-93E2-E3B085C9AB24}">
+                <p16:designElem xmlns:p16="http://schemas.microsoft.com/office/powerpoint/2015/main" val="1"/>
+              </p:ext>
+            </p:extLst>
+          </p:nvPr>
+        </p:nvPicPr>
+        <p:blipFill>
+          <a:blip r:embed="rId2">
+            <a:extLst>
+              <a:ext uri="{28A0092B-C50C-407E-A947-70E740481C1C}">
+                <a14:useLocalDpi xmlns:a14="http://schemas.microsoft.com/office/drawing/2010/main" val="0"/>
+              </a:ext>
+            </a:extLst>
+          </a:blip>
+          <a:stretch>
+            <a:fillRect/>
+          </a:stretch>
+        </p:blipFill>
+        <p:spPr>
+          <a:xfrm>
             <a:off x="0" y="0"/>
-            <a:ext cx="4636008" cy="6858000"/>
+            <a:ext cx="12192000" cy="6858000"/>
+          </a:xfrm>
+          <a:prstGeom prst="rect">
+            <a:avLst/>
+          </a:prstGeom>
+        </p:spPr>
+      </p:pic>
+      <p:sp>
+        <p:nvSpPr>
+          <p:cNvPr id="5" name="Tiêu đề 4">
+            <a:extLst>
+              <a:ext uri="{FF2B5EF4-FFF2-40B4-BE49-F238E27FC236}">
+                <a16:creationId xmlns:a16="http://schemas.microsoft.com/office/drawing/2014/main" id="{FCEBFE95-0789-4B7A-806B-47EB280665F8}"/>
+              </a:ext>
+            </a:extLst>
+          </p:cNvPr>
+          <p:cNvSpPr>
+            <a:spLocks noGrp="1"/>
+          </p:cNvSpPr>
+          <p:nvPr>
+            <p:ph type="title"/>
+          </p:nvPr>
+        </p:nvSpPr>
+        <p:spPr>
+          <a:xfrm>
+            <a:off x="1179226" y="826680"/>
+            <a:ext cx="9833548" cy="1325563"/>
+          </a:xfrm>
+        </p:spPr>
+        <p:txBody>
+          <a:bodyPr>
+            <a:normAutofit/>
+          </a:bodyPr>
+          <a:lstStyle/>
+          <a:p>
+            <a:pPr algn="ctr"/>
+            <a:r>
+              <a:rPr lang="vi-VN" sz="4000">
+                <a:solidFill>
+                  <a:srgbClr val="FFFFFF"/>
+                </a:solidFill>
+              </a:rPr>
+              <a:t> </a:t>
+            </a:r>
+            <a:r>
+              <a:rPr lang="en-US" sz="4000">
+                <a:solidFill>
+                  <a:srgbClr val="FFFFFF"/>
+                </a:solidFill>
+                <a:latin typeface="Arial" panose="020B0604020202020204" pitchFamily="34" charset="0"/>
+                <a:cs typeface="Arial" panose="020B0604020202020204" pitchFamily="34" charset="0"/>
+              </a:rPr>
+              <a:t>Ch</a:t>
+            </a:r>
+            <a:r>
+              <a:rPr lang="vi-VN" sz="4000">
+                <a:solidFill>
+                  <a:srgbClr val="FFFFFF"/>
+                </a:solidFill>
+                <a:latin typeface="Arial" panose="020B0604020202020204" pitchFamily="34" charset="0"/>
+                <a:cs typeface="Arial" panose="020B0604020202020204" pitchFamily="34" charset="0"/>
+              </a:rPr>
+              <a:t>ư</a:t>
+            </a:r>
+            <a:r>
+              <a:rPr lang="en-US" sz="4000">
+                <a:solidFill>
+                  <a:srgbClr val="FFFFFF"/>
+                </a:solidFill>
+                <a:latin typeface="Arial" panose="020B0604020202020204" pitchFamily="34" charset="0"/>
+                <a:cs typeface="Arial" panose="020B0604020202020204" pitchFamily="34" charset="0"/>
+              </a:rPr>
+              <a:t>ơng IV: Khi nào một hệ thống đ</a:t>
+            </a:r>
+            <a:r>
+              <a:rPr lang="vi-VN" sz="4000">
+                <a:solidFill>
+                  <a:srgbClr val="FFFFFF"/>
+                </a:solidFill>
+                <a:latin typeface="Arial" panose="020B0604020202020204" pitchFamily="34" charset="0"/>
+                <a:cs typeface="Arial" panose="020B0604020202020204" pitchFamily="34" charset="0"/>
+              </a:rPr>
+              <a:t>ư</a:t>
+            </a:r>
+            <a:r>
+              <a:rPr lang="en-US" sz="4000">
+                <a:solidFill>
+                  <a:srgbClr val="FFFFFF"/>
+                </a:solidFill>
+                <a:latin typeface="Arial" panose="020B0604020202020204" pitchFamily="34" charset="0"/>
+                <a:cs typeface="Arial" panose="020B0604020202020204" pitchFamily="34" charset="0"/>
+              </a:rPr>
+              <a:t>ợc coi là công nghiệp 4.0?</a:t>
+            </a:r>
+            <a:endParaRPr lang="en-US" sz="4000">
+              <a:solidFill>
+                <a:srgbClr val="FFFFFF"/>
+              </a:solidFill>
+            </a:endParaRPr>
+          </a:p>
+        </p:txBody>
+      </p:sp>
+      <p:graphicFrame>
+        <p:nvGraphicFramePr>
+          <p:cNvPr id="9" name="Chỗ dành sẵn cho Nội dung 6">
+            <a:extLst>
+              <a:ext uri="{FF2B5EF4-FFF2-40B4-BE49-F238E27FC236}">
+                <a16:creationId xmlns:a16="http://schemas.microsoft.com/office/drawing/2014/main" id="{13EA2598-3EBF-446D-ADF6-F228CF66D348}"/>
+              </a:ext>
+            </a:extLst>
+          </p:cNvPr>
+          <p:cNvGraphicFramePr>
+            <a:graphicFrameLocks noGrp="1"/>
+          </p:cNvGraphicFramePr>
+          <p:nvPr>
+            <p:ph idx="1"/>
+            <p:extLst>
+              <p:ext uri="{D42A27DB-BD31-4B8C-83A1-F6EECF244321}">
+                <p14:modId xmlns:p14="http://schemas.microsoft.com/office/powerpoint/2010/main" val="50256418"/>
+              </p:ext>
+            </p:extLst>
+          </p:nvPr>
+        </p:nvGraphicFramePr>
+        <p:xfrm>
+          <a:off x="1036320" y="2899956"/>
+          <a:ext cx="10119360" cy="3131364"/>
+        </p:xfrm>
+        <a:graphic>
+          <a:graphicData uri="http://schemas.openxmlformats.org/drawingml/2006/diagram">
+            <dgm:relIds xmlns:dgm="http://schemas.openxmlformats.org/drawingml/2006/diagram" xmlns:r="http://schemas.openxmlformats.org/officeDocument/2006/relationships" r:dm="rId3" r:lo="rId4" r:qs="rId5" r:cs="rId6"/>
+          </a:graphicData>
+        </a:graphic>
+      </p:graphicFrame>
+    </p:spTree>
+    <p:extLst>
+      <p:ext uri="{BB962C8B-B14F-4D97-AF65-F5344CB8AC3E}">
+        <p14:creationId xmlns:p14="http://schemas.microsoft.com/office/powerpoint/2010/main" val="3249489490"/>
+      </p:ext>
+    </p:extLst>
+  </p:cSld>
+  <p:clrMapOvr>
+    <a:masterClrMapping/>
+  </p:clrMapOvr>
+</p:sld>
+</file>
+
+<file path=ppt/slides/slide31.xml><?xml version="1.0" encoding="utf-8"?>
+<p:sld xmlns:a="http://schemas.openxmlformats.org/drawingml/2006/main" xmlns:r="http://schemas.openxmlformats.org/officeDocument/2006/relationships" xmlns:p="http://schemas.openxmlformats.org/presentationml/2006/main">
+  <p:cSld>
+    <p:bg>
+      <p:bgPr>
+        <a:solidFill>
+          <a:schemeClr val="bg1"/>
+        </a:solidFill>
+        <a:effectLst/>
+      </p:bgPr>
+    </p:bg>
+    <p:spTree>
+      <p:nvGrpSpPr>
+        <p:cNvPr id="1" name=""/>
+        <p:cNvGrpSpPr/>
+        <p:nvPr/>
+      </p:nvGrpSpPr>
+      <p:grpSpPr>
+        <a:xfrm>
+          <a:off x="0" y="0"/>
+          <a:ext cx="0" cy="0"/>
+          <a:chOff x="0" y="0"/>
+          <a:chExt cx="0" cy="0"/>
+        </a:xfrm>
+      </p:grpSpPr>
+      <p:sp useBgFill="1">
+        <p:nvSpPr>
+          <p:cNvPr id="8" name="Rectangle 7">
+            <a:extLst>
+              <a:ext uri="{FF2B5EF4-FFF2-40B4-BE49-F238E27FC236}">
+                <a16:creationId xmlns:a16="http://schemas.microsoft.com/office/drawing/2014/main" id="{3B854194-185D-494D-905C-7C7CB2E30F6E}"/>
+              </a:ext>
+              <a:ext uri="{C183D7F6-B498-43B3-948B-1728B52AA6E4}">
+                <adec:decorative xmlns:adec="http://schemas.microsoft.com/office/drawing/2017/decorative" val="1"/>
+              </a:ext>
+            </a:extLst>
+          </p:cNvPr>
+          <p:cNvSpPr>
+            <a:spLocks noGrp="1" noRot="1" noChangeAspect="1" noMove="1" noResize="1" noEditPoints="1" noAdjustHandles="1" noChangeArrowheads="1" noChangeShapeType="1" noTextEdit="1"/>
+          </p:cNvSpPr>
+          <p:nvPr>
+            <p:extLst>
+              <p:ext uri="{386F3935-93C4-4BCD-93E2-E3B085C9AB24}">
+                <p16:designElem xmlns:p16="http://schemas.microsoft.com/office/powerpoint/2015/main" val="1"/>
+              </p:ext>
+            </p:extLst>
+          </p:nvPr>
+        </p:nvSpPr>
+        <p:spPr>
+          <a:xfrm>
+            <a:off x="1" y="0"/>
+            <a:ext cx="6082110" cy="6858000"/>
           </a:xfrm>
           <a:prstGeom prst="rect">
             <a:avLst/>
@@ -25386,10 +25536,140 @@
       </p:sp>
       <p:sp>
         <p:nvSpPr>
-          <p:cNvPr id="5" name="Tiêu đề 4">
+          <p:cNvPr id="10" name="Rectangle 9">
             <a:extLst>
               <a:ext uri="{FF2B5EF4-FFF2-40B4-BE49-F238E27FC236}">
-                <a16:creationId xmlns:a16="http://schemas.microsoft.com/office/drawing/2014/main" id="{FCEBFE95-0789-4B7A-806B-47EB280665F8}"/>
+                <a16:creationId xmlns:a16="http://schemas.microsoft.com/office/drawing/2014/main" id="{B4F5FA0D-0104-4987-8241-EFF7C85B88DE}"/>
+              </a:ext>
+              <a:ext uri="{C183D7F6-B498-43B3-948B-1728B52AA6E4}">
+                <adec:decorative xmlns:adec="http://schemas.microsoft.com/office/drawing/2017/decorative" val="1"/>
+              </a:ext>
+            </a:extLst>
+          </p:cNvPr>
+          <p:cNvSpPr>
+            <a:spLocks noGrp="1" noRot="1" noChangeAspect="1" noMove="1" noResize="1" noEditPoints="1" noAdjustHandles="1" noChangeArrowheads="1" noChangeShapeType="1" noTextEdit="1"/>
+          </p:cNvSpPr>
+          <p:nvPr>
+            <p:extLst>
+              <p:ext uri="{386F3935-93C4-4BCD-93E2-E3B085C9AB24}">
+                <p16:designElem xmlns:p16="http://schemas.microsoft.com/office/powerpoint/2015/main" val="1"/>
+              </p:ext>
+            </p:extLst>
+          </p:nvPr>
+        </p:nvSpPr>
+        <p:spPr>
+          <a:xfrm>
+            <a:off x="1" y="0"/>
+            <a:ext cx="12191998" cy="6858000"/>
+          </a:xfrm>
+          <a:prstGeom prst="rect">
+            <a:avLst/>
+          </a:prstGeom>
+          <a:gradFill>
+            <a:gsLst>
+              <a:gs pos="0">
+                <a:schemeClr val="accent1">
+                  <a:lumMod val="90000"/>
+                </a:schemeClr>
+              </a:gs>
+              <a:gs pos="25000">
+                <a:schemeClr val="accent1">
+                  <a:lumMod val="90000"/>
+                </a:schemeClr>
+              </a:gs>
+              <a:gs pos="94000">
+                <a:schemeClr val="bg2">
+                  <a:lumMod val="25000"/>
+                </a:schemeClr>
+              </a:gs>
+              <a:gs pos="100000">
+                <a:schemeClr val="bg2">
+                  <a:lumMod val="25000"/>
+                </a:schemeClr>
+              </a:gs>
+            </a:gsLst>
+            <a:lin ang="4200000" scaled="0"/>
+          </a:gradFill>
+          <a:ln>
+            <a:noFill/>
+          </a:ln>
+        </p:spPr>
+        <p:style>
+          <a:lnRef idx="2">
+            <a:schemeClr val="accent1">
+              <a:shade val="50000"/>
+            </a:schemeClr>
+          </a:lnRef>
+          <a:fillRef idx="1">
+            <a:schemeClr val="accent1"/>
+          </a:fillRef>
+          <a:effectRef idx="0">
+            <a:schemeClr val="accent1"/>
+          </a:effectRef>
+          <a:fontRef idx="minor">
+            <a:schemeClr val="lt1"/>
+          </a:fontRef>
+        </p:style>
+        <p:txBody>
+          <a:bodyPr rtlCol="0" anchor="ctr"/>
+          <a:lstStyle/>
+          <a:p>
+            <a:pPr algn="ctr"/>
+            <a:endParaRPr lang="en-US"/>
+          </a:p>
+        </p:txBody>
+      </p:sp>
+      <p:pic>
+        <p:nvPicPr>
+          <p:cNvPr id="15" name="Picture 11">
+            <a:extLst>
+              <a:ext uri="{FF2B5EF4-FFF2-40B4-BE49-F238E27FC236}">
+                <a16:creationId xmlns:a16="http://schemas.microsoft.com/office/drawing/2014/main" id="{2897127E-6CEF-446C-BE87-93B7C46E49D1}"/>
+              </a:ext>
+              <a:ext uri="{C183D7F6-B498-43B3-948B-1728B52AA6E4}">
+                <adec:decorative xmlns:adec="http://schemas.microsoft.com/office/drawing/2017/decorative" val="1"/>
+              </a:ext>
+            </a:extLst>
+          </p:cNvPr>
+          <p:cNvPicPr>
+            <a:picLocks noGrp="1" noRot="1" noChangeAspect="1" noMove="1" noResize="1" noEditPoints="1" noAdjustHandles="1" noChangeArrowheads="1" noChangeShapeType="1" noCrop="1"/>
+          </p:cNvPicPr>
+          <p:nvPr>
+            <p:extLst>
+              <p:ext uri="{386F3935-93C4-4BCD-93E2-E3B085C9AB24}">
+                <p16:designElem xmlns:p16="http://schemas.microsoft.com/office/powerpoint/2015/main" val="1"/>
+              </p:ext>
+            </p:extLst>
+          </p:nvPr>
+        </p:nvPicPr>
+        <p:blipFill>
+          <a:blip r:embed="rId2">
+            <a:extLst>
+              <a:ext uri="{28A0092B-C50C-407E-A947-70E740481C1C}">
+                <a14:useLocalDpi xmlns:a14="http://schemas.microsoft.com/office/drawing/2010/main" val="0"/>
+              </a:ext>
+            </a:extLst>
+          </a:blip>
+          <a:stretch>
+            <a:fillRect/>
+          </a:stretch>
+        </p:blipFill>
+        <p:spPr>
+          <a:xfrm>
+            <a:off x="0" y="0"/>
+            <a:ext cx="12192000" cy="6858000"/>
+          </a:xfrm>
+          <a:prstGeom prst="rect">
+            <a:avLst/>
+          </a:prstGeom>
+        </p:spPr>
+      </p:pic>
+      <p:sp>
+        <p:nvSpPr>
+          <p:cNvPr id="2" name="Tiêu đề 1">
+            <a:extLst>
+              <a:ext uri="{FF2B5EF4-FFF2-40B4-BE49-F238E27FC236}">
+                <a16:creationId xmlns:a16="http://schemas.microsoft.com/office/drawing/2014/main" id="{D1B61438-595E-4108-9961-51BF2F93D3F1}"/>
               </a:ext>
             </a:extLst>
           </p:cNvPr>
@@ -25402,8 +25682,8 @@
         </p:nvSpPr>
         <p:spPr>
           <a:xfrm>
-            <a:off x="596349" y="642408"/>
-            <a:ext cx="3717926" cy="5572125"/>
+            <a:off x="640079" y="2053641"/>
+            <a:ext cx="3669161" cy="2760098"/>
           </a:xfrm>
         </p:spPr>
         <p:txBody>
@@ -25412,134 +25692,168 @@
           </a:bodyPr>
           <a:lstStyle/>
           <a:p>
-            <a:pPr marL="571500" indent="-571500">
-              <a:buFont typeface="Wingdings" panose="05000000000000000000" pitchFamily="2" charset="2"/>
-              <a:buChar char="v"/>
-            </a:pPr>
-            <a:r>
-              <a:rPr lang="vi-VN">
+            <a:r>
+              <a:rPr lang="en-US" sz="3700">
                 <a:solidFill>
                   <a:srgbClr val="FFFFFF"/>
                 </a:solidFill>
+                <a:latin typeface="Arial" panose="020B0604020202020204" pitchFamily="34" charset="0"/>
+                <a:cs typeface="Arial" panose="020B0604020202020204" pitchFamily="34" charset="0"/>
               </a:rPr>
-              <a:t> </a:t>
-            </a:r>
-            <a:r>
-              <a:rPr lang="en-US">
+              <a:t>Ch</a:t>
+            </a:r>
+            <a:r>
+              <a:rPr lang="vi-VN" sz="3700">
                 <a:solidFill>
                   <a:srgbClr val="FFFFFF"/>
                 </a:solidFill>
+                <a:latin typeface="Arial" panose="020B0604020202020204" pitchFamily="34" charset="0"/>
+                <a:cs typeface="Arial" panose="020B0604020202020204" pitchFamily="34" charset="0"/>
               </a:rPr>
-              <a:t>Một hệ thống có đủ 4 nguyên tắc sau đ</a:t>
-            </a:r>
-            <a:r>
-              <a:rPr lang="vi-VN">
+              <a:t>ư</a:t>
+            </a:r>
+            <a:r>
+              <a:rPr lang="en-US" sz="3700">
                 <a:solidFill>
                   <a:srgbClr val="FFFFFF"/>
                 </a:solidFill>
+                <a:latin typeface="Arial" panose="020B0604020202020204" pitchFamily="34" charset="0"/>
+                <a:cs typeface="Arial" panose="020B0604020202020204" pitchFamily="34" charset="0"/>
               </a:rPr>
-              <a:t>ư</a:t>
-            </a:r>
-            <a:r>
-              <a:rPr lang="en-US">
-                <a:solidFill>
-                  <a:srgbClr val="FFFFFF"/>
-                </a:solidFill>
-              </a:rPr>
-              <a:t>ợc xem là công nghiệp 4.0</a:t>
+              <a:t>ơng V: MẶT TRÁI CỦA CÁCH MẠNG CÔNG NGHIỆP 4.0 </a:t>
             </a:r>
           </a:p>
         </p:txBody>
       </p:sp>
-      <p:cxnSp>
-        <p:nvCxnSpPr>
-          <p:cNvPr id="23" name="Straight Connector 22">
+      <p:sp>
+        <p:nvSpPr>
+          <p:cNvPr id="3" name="Chỗ dành sẵn cho Nội dung 2">
             <a:extLst>
               <a:ext uri="{FF2B5EF4-FFF2-40B4-BE49-F238E27FC236}">
-                <a16:creationId xmlns:a16="http://schemas.microsoft.com/office/drawing/2014/main" id="{550D2BD1-98F9-412D-905B-3A843EF4078B}"/>
-              </a:ext>
-              <a:ext uri="{C183D7F6-B498-43B3-948B-1728B52AA6E4}">
-                <adec:decorative xmlns:adec="http://schemas.microsoft.com/office/drawing/2017/decorative" val="1"/>
+                <a16:creationId xmlns:a16="http://schemas.microsoft.com/office/drawing/2014/main" id="{E2D111CA-84D5-497E-93EF-FA1E8CAE898F}"/>
               </a:ext>
             </a:extLst>
           </p:cNvPr>
-          <p:cNvCxnSpPr>
-            <a:cxnSpLocks noGrp="1" noRot="1" noChangeAspect="1" noMove="1" noResize="1" noEditPoints="1" noAdjustHandles="1" noChangeArrowheads="1" noChangeShapeType="1"/>
-          </p:cNvCxnSpPr>
-          <p:nvPr>
-            <p:extLst>
-              <p:ext uri="{386F3935-93C4-4BCD-93E2-E3B085C9AB24}">
-                <p16:designElem xmlns:p16="http://schemas.microsoft.com/office/powerpoint/2015/main" val="1"/>
-              </p:ext>
-            </p:extLst>
-          </p:nvPr>
-        </p:nvCxnSpPr>
-        <p:spPr>
-          <a:xfrm flipV="1">
-            <a:off x="762000" y="2971800"/>
-            <a:ext cx="0" cy="914400"/>
-          </a:xfrm>
-          <a:prstGeom prst="line">
-            <a:avLst/>
-          </a:prstGeom>
-          <a:ln w="19050">
-            <a:solidFill>
-              <a:srgbClr val="FFFFFF">
-                <a:alpha val="80000"/>
-              </a:srgbClr>
-            </a:solidFill>
-          </a:ln>
-        </p:spPr>
-        <p:style>
-          <a:lnRef idx="1">
-            <a:schemeClr val="accent1"/>
-          </a:lnRef>
-          <a:fillRef idx="0">
-            <a:schemeClr val="accent1"/>
-          </a:fillRef>
-          <a:effectRef idx="0">
-            <a:schemeClr val="accent1"/>
-          </a:effectRef>
-          <a:fontRef idx="minor">
-            <a:schemeClr val="tx1"/>
-          </a:fontRef>
-        </p:style>
-      </p:cxnSp>
-      <p:graphicFrame>
-        <p:nvGraphicFramePr>
-          <p:cNvPr id="9" name="Chỗ dành sẵn cho Nội dung 6">
-            <a:extLst>
-              <a:ext uri="{FF2B5EF4-FFF2-40B4-BE49-F238E27FC236}">
-                <a16:creationId xmlns:a16="http://schemas.microsoft.com/office/drawing/2014/main" id="{13EA2598-3EBF-446D-ADF6-F228CF66D348}"/>
-              </a:ext>
-            </a:extLst>
-          </p:cNvPr>
-          <p:cNvGraphicFramePr>
-            <a:graphicFrameLocks noGrp="1"/>
-          </p:cNvGraphicFramePr>
+          <p:cNvSpPr>
+            <a:spLocks noGrp="1"/>
+          </p:cNvSpPr>
           <p:nvPr>
             <p:ph idx="1"/>
-            <p:extLst>
-              <p:ext uri="{D42A27DB-BD31-4B8C-83A1-F6EECF244321}">
-                <p14:modId xmlns:p14="http://schemas.microsoft.com/office/powerpoint/2010/main" val="3715081621"/>
-              </p:ext>
-            </p:extLst>
           </p:nvPr>
-        </p:nvGraphicFramePr>
-        <p:xfrm>
-          <a:off x="4979684" y="642408"/>
-          <a:ext cx="6615967" cy="5943922"/>
-        </p:xfrm>
-        <a:graphic>
-          <a:graphicData uri="http://schemas.openxmlformats.org/drawingml/2006/diagram">
-            <dgm:relIds xmlns:dgm="http://schemas.openxmlformats.org/drawingml/2006/diagram" xmlns:r="http://schemas.openxmlformats.org/officeDocument/2006/relationships" r:dm="rId2" r:lo="rId3" r:qs="rId4" r:cs="rId5"/>
-          </a:graphicData>
-        </a:graphic>
-      </p:graphicFrame>
+        </p:nvSpPr>
+        <p:spPr>
+          <a:xfrm>
+            <a:off x="5857461" y="755375"/>
+            <a:ext cx="5976729" cy="5579164"/>
+          </a:xfrm>
+        </p:spPr>
+        <p:txBody>
+          <a:bodyPr anchor="ctr">
+            <a:normAutofit/>
+          </a:bodyPr>
+          <a:lstStyle/>
+          <a:p>
+            <a:pPr algn="just"/>
+            <a:r>
+              <a:rPr lang="vi-VN" sz="2400">
+                <a:solidFill>
+                  <a:srgbClr val="000000"/>
+                </a:solidFill>
+              </a:rPr>
+              <a:t>Mặt trái của Cách mạng Công nghiệp 4.0 là nó có thể gây ra sự bất bình đẳng. Đặc biệt là có thể phá vỡ thị trường lao động. Khi tự động hóa thay thế lao động chân tay trong nền kinh tế, khi robot thay thế con người trong nhiều lĩnh vực, hàng triệu lao động trên thế giới có thể rơi vào cảnh thất nghiệp, nhất là những người làm trong lĩnh vực bảo hiểm, môi giới bất động sản, tư vấn tài chính, vận tải.</a:t>
+            </a:r>
+            <a:endParaRPr lang="en-US" sz="2400">
+              <a:solidFill>
+                <a:srgbClr val="000000"/>
+              </a:solidFill>
+            </a:endParaRPr>
+          </a:p>
+        </p:txBody>
+      </p:sp>
     </p:spTree>
     <p:extLst>
       <p:ext uri="{BB962C8B-B14F-4D97-AF65-F5344CB8AC3E}">
-        <p14:creationId xmlns:p14="http://schemas.microsoft.com/office/powerpoint/2010/main" val="3249489490"/>
+        <p14:creationId xmlns:p14="http://schemas.microsoft.com/office/powerpoint/2010/main" val="1884143219"/>
+      </p:ext>
+    </p:extLst>
+  </p:cSld>
+  <p:clrMapOvr>
+    <a:masterClrMapping/>
+  </p:clrMapOvr>
+</p:sld>
+</file>
+
+<file path=ppt/slides/slide32.xml><?xml version="1.0" encoding="utf-8"?>
+<p:sld xmlns:a="http://schemas.openxmlformats.org/drawingml/2006/main" xmlns:r="http://schemas.openxmlformats.org/officeDocument/2006/relationships" xmlns:p="http://schemas.openxmlformats.org/presentationml/2006/main">
+  <p:cSld>
+    <p:spTree>
+      <p:nvGrpSpPr>
+        <p:cNvPr id="1" name=""/>
+        <p:cNvGrpSpPr/>
+        <p:nvPr/>
+      </p:nvGrpSpPr>
+      <p:grpSpPr>
+        <a:xfrm>
+          <a:off x="0" y="0"/>
+          <a:ext cx="0" cy="0"/>
+          <a:chOff x="0" y="0"/>
+          <a:chExt cx="0" cy="0"/>
+        </a:xfrm>
+      </p:grpSpPr>
+      <p:sp>
+        <p:nvSpPr>
+          <p:cNvPr id="2" name="Tiêu đề 1">
+            <a:extLst>
+              <a:ext uri="{FF2B5EF4-FFF2-40B4-BE49-F238E27FC236}">
+                <a16:creationId xmlns:a16="http://schemas.microsoft.com/office/drawing/2014/main" id="{E6BBD94A-C094-4815-846E-22CE9C84DD57}"/>
+              </a:ext>
+            </a:extLst>
+          </p:cNvPr>
+          <p:cNvSpPr>
+            <a:spLocks noGrp="1"/>
+          </p:cNvSpPr>
+          <p:nvPr>
+            <p:ph type="title"/>
+          </p:nvPr>
+        </p:nvSpPr>
+        <p:spPr/>
+        <p:txBody>
+          <a:bodyPr/>
+          <a:lstStyle/>
+          <a:p>
+            <a:endParaRPr lang="en-US"/>
+          </a:p>
+        </p:txBody>
+      </p:sp>
+      <p:sp>
+        <p:nvSpPr>
+          <p:cNvPr id="3" name="Chỗ dành sẵn cho Nội dung 2">
+            <a:extLst>
+              <a:ext uri="{FF2B5EF4-FFF2-40B4-BE49-F238E27FC236}">
+                <a16:creationId xmlns:a16="http://schemas.microsoft.com/office/drawing/2014/main" id="{C18C9C42-BD18-4FEA-B805-2119E08FD3D4}"/>
+              </a:ext>
+            </a:extLst>
+          </p:cNvPr>
+          <p:cNvSpPr>
+            <a:spLocks noGrp="1"/>
+          </p:cNvSpPr>
+          <p:nvPr>
+            <p:ph idx="1"/>
+          </p:nvPr>
+        </p:nvSpPr>
+        <p:spPr/>
+        <p:txBody>
+          <a:bodyPr/>
+          <a:lstStyle/>
+          <a:p>
+            <a:endParaRPr lang="en-US"/>
+          </a:p>
+        </p:txBody>
+      </p:sp>
+    </p:spTree>
+    <p:extLst>
+      <p:ext uri="{BB962C8B-B14F-4D97-AF65-F5344CB8AC3E}">
+        <p14:creationId xmlns:p14="http://schemas.microsoft.com/office/powerpoint/2010/main" val="370764464"/>
       </p:ext>
     </p:extLst>
   </p:cSld>
